--- a/Project Deliverables/CS 25-347_Poster Rough Draft.pptx
+++ b/Project Deliverables/CS 25-347_Poster Rough Draft.pptx
@@ -208,7 +208,7 @@
           <a:p>
             <a:fld id="{C605AE8F-D750-4DFF-B786-EB33F602B7F0}" type="datetimeFigureOut">
               <a:rPr lang="en-US" smtClean="0"/>
-              <a:t>11/13/2024</a:t>
+              <a:t>11/13/24</a:t>
             </a:fld>
             <a:endParaRPr lang="en-US"/>
           </a:p>
@@ -606,7 +606,7 @@
           <a:p>
             <a:fld id="{C764DE79-268F-4C1A-8933-263129D2AF90}" type="datetimeFigureOut">
               <a:rPr lang="en-US" dirty="0"/>
-              <a:t>11/13/2024</a:t>
+              <a:t>11/13/24</a:t>
             </a:fld>
             <a:endParaRPr lang="en-US" dirty="0"/>
           </a:p>
@@ -776,7 +776,7 @@
           <a:p>
             <a:fld id="{C764DE79-268F-4C1A-8933-263129D2AF90}" type="datetimeFigureOut">
               <a:rPr lang="en-US" dirty="0"/>
-              <a:t>11/13/2024</a:t>
+              <a:t>11/13/24</a:t>
             </a:fld>
             <a:endParaRPr lang="en-US" dirty="0"/>
           </a:p>
@@ -956,7 +956,7 @@
           <a:p>
             <a:fld id="{C764DE79-268F-4C1A-8933-263129D2AF90}" type="datetimeFigureOut">
               <a:rPr lang="en-US" dirty="0"/>
-              <a:t>11/13/2024</a:t>
+              <a:t>11/13/24</a:t>
             </a:fld>
             <a:endParaRPr lang="en-US" dirty="0"/>
           </a:p>
@@ -1262,7 +1262,7 @@
           <a:p>
             <a:fld id="{C764DE79-268F-4C1A-8933-263129D2AF90}" type="datetimeFigureOut">
               <a:rPr lang="en-US" dirty="0"/>
-              <a:t>11/13/2024</a:t>
+              <a:t>11/13/24</a:t>
             </a:fld>
             <a:endParaRPr lang="en-US" dirty="0"/>
           </a:p>
@@ -1506,7 +1506,7 @@
           <a:p>
             <a:fld id="{C764DE79-268F-4C1A-8933-263129D2AF90}" type="datetimeFigureOut">
               <a:rPr lang="en-US" dirty="0"/>
-              <a:t>11/13/2024</a:t>
+              <a:t>11/13/24</a:t>
             </a:fld>
             <a:endParaRPr lang="en-US" dirty="0"/>
           </a:p>
@@ -1738,7 +1738,7 @@
           <a:p>
             <a:fld id="{C764DE79-268F-4C1A-8933-263129D2AF90}" type="datetimeFigureOut">
               <a:rPr lang="en-US" dirty="0"/>
-              <a:t>11/13/2024</a:t>
+              <a:t>11/13/24</a:t>
             </a:fld>
             <a:endParaRPr lang="en-US" dirty="0"/>
           </a:p>
@@ -2105,7 +2105,7 @@
           <a:p>
             <a:fld id="{C764DE79-268F-4C1A-8933-263129D2AF90}" type="datetimeFigureOut">
               <a:rPr lang="en-US" dirty="0"/>
-              <a:t>11/13/2024</a:t>
+              <a:t>11/13/24</a:t>
             </a:fld>
             <a:endParaRPr lang="en-US" dirty="0"/>
           </a:p>
@@ -2223,7 +2223,7 @@
           <a:p>
             <a:fld id="{C764DE79-268F-4C1A-8933-263129D2AF90}" type="datetimeFigureOut">
               <a:rPr lang="en-US" dirty="0"/>
-              <a:t>11/13/2024</a:t>
+              <a:t>11/13/24</a:t>
             </a:fld>
             <a:endParaRPr lang="en-US" dirty="0"/>
           </a:p>
@@ -2318,7 +2318,7 @@
           <a:p>
             <a:fld id="{C764DE79-268F-4C1A-8933-263129D2AF90}" type="datetimeFigureOut">
               <a:rPr lang="en-US" dirty="0"/>
-              <a:t>11/13/2024</a:t>
+              <a:t>11/13/24</a:t>
             </a:fld>
             <a:endParaRPr lang="en-US" dirty="0"/>
           </a:p>
@@ -2595,7 +2595,7 @@
           <a:p>
             <a:fld id="{C764DE79-268F-4C1A-8933-263129D2AF90}" type="datetimeFigureOut">
               <a:rPr lang="en-US" dirty="0"/>
-              <a:t>11/13/2024</a:t>
+              <a:t>11/13/24</a:t>
             </a:fld>
             <a:endParaRPr lang="en-US" dirty="0"/>
           </a:p>
@@ -2852,7 +2852,7 @@
           <a:p>
             <a:fld id="{C764DE79-268F-4C1A-8933-263129D2AF90}" type="datetimeFigureOut">
               <a:rPr lang="en-US" dirty="0"/>
-              <a:t>11/13/2024</a:t>
+              <a:t>11/13/24</a:t>
             </a:fld>
             <a:endParaRPr lang="en-US" dirty="0"/>
           </a:p>
@@ -3065,7 +3065,7 @@
           <a:p>
             <a:fld id="{C764DE79-268F-4C1A-8933-263129D2AF90}" type="datetimeFigureOut">
               <a:rPr lang="en-US" dirty="0"/>
-              <a:t>11/13/2024</a:t>
+              <a:t>11/13/24</a:t>
             </a:fld>
             <a:endParaRPr lang="en-US" dirty="0"/>
           </a:p>
@@ -4824,7 +4824,7 @@
                 <a:latin typeface="Arial" panose="020B0604020202020204" pitchFamily="34" charset="0"/>
                 <a:cs typeface="Arial" panose="020B0604020202020204" pitchFamily="34" charset="0"/>
               </a:rPr>
-              <a:t>Citations???</a:t>
+              <a:t>Citations</a:t>
             </a:r>
             <a:endParaRPr lang="en-US" sz="3200" dirty="0">
               <a:solidFill>
@@ -4835,6 +4835,87 @@
             </a:endParaRPr>
           </a:p>
           <a:p>
+            <a:pPr marL="0" marR="0">
+              <a:lnSpc>
+                <a:spcPct val="115000"/>
+              </a:lnSpc>
+              <a:spcAft>
+                <a:spcPts val="800"/>
+              </a:spcAft>
+            </a:pPr>
+            <a:r>
+              <a:rPr lang="en-US" sz="3600" kern="0" dirty="0">
+                <a:solidFill>
+                  <a:schemeClr val="tx1"/>
+                </a:solidFill>
+                <a:effectLst/>
+                <a:latin typeface="Arial" panose="020B0604020202020204" pitchFamily="34" charset="0"/>
+                <a:ea typeface="Times New Roman" panose="02020603050405020304" pitchFamily="18" charset="0"/>
+                <a:cs typeface="Arial" panose="020B0604020202020204" pitchFamily="34" charset="0"/>
+              </a:rPr>
+              <a:t>[1] Intel RealSense D455 Technical Documentation (2024)</a:t>
+            </a:r>
+            <a:endParaRPr lang="en-US" sz="3600" kern="100" dirty="0">
+              <a:solidFill>
+                <a:schemeClr val="tx1"/>
+              </a:solidFill>
+              <a:effectLst/>
+              <a:latin typeface="Arial" panose="020B0604020202020204" pitchFamily="34" charset="0"/>
+              <a:ea typeface="Aptos" panose="020B0004020202020204" pitchFamily="34" charset="0"/>
+              <a:cs typeface="Arial" panose="020B0604020202020204" pitchFamily="34" charset="0"/>
+            </a:endParaRPr>
+          </a:p>
+          <a:p>
+            <a:pPr marL="0" marR="0">
+              <a:lnSpc>
+                <a:spcPct val="115000"/>
+              </a:lnSpc>
+              <a:spcAft>
+                <a:spcPts val="800"/>
+              </a:spcAft>
+            </a:pPr>
+            <a:r>
+              <a:rPr lang="en-US" sz="3600" kern="0" dirty="0">
+                <a:solidFill>
+                  <a:schemeClr val="tx1"/>
+                </a:solidFill>
+                <a:effectLst/>
+                <a:latin typeface="Arial" panose="020B0604020202020204" pitchFamily="34" charset="0"/>
+                <a:ea typeface="Times New Roman" panose="02020603050405020304" pitchFamily="18" charset="0"/>
+                <a:cs typeface="Arial" panose="020B0604020202020204" pitchFamily="34" charset="0"/>
+              </a:rPr>
+              <a:t>[2] NVIDIA Isaac Sim Development Guide (2024)</a:t>
+            </a:r>
+            <a:endParaRPr lang="en-US" sz="3600" kern="100" dirty="0">
+              <a:solidFill>
+                <a:schemeClr val="tx1"/>
+              </a:solidFill>
+              <a:effectLst/>
+              <a:latin typeface="Arial" panose="020B0604020202020204" pitchFamily="34" charset="0"/>
+              <a:ea typeface="Aptos" panose="020B0004020202020204" pitchFamily="34" charset="0"/>
+              <a:cs typeface="Arial" panose="020B0604020202020204" pitchFamily="34" charset="0"/>
+            </a:endParaRPr>
+          </a:p>
+          <a:p>
+            <a:pPr marL="0" marR="0">
+              <a:lnSpc>
+                <a:spcPct val="115000"/>
+              </a:lnSpc>
+              <a:spcAft>
+                <a:spcPts val="800"/>
+              </a:spcAft>
+            </a:pPr>
+            <a:endParaRPr lang="en-US" sz="3600" kern="100" dirty="0">
+              <a:solidFill>
+                <a:schemeClr val="tx1"/>
+              </a:solidFill>
+              <a:effectLst/>
+              <a:latin typeface="Arial" panose="020B0604020202020204" pitchFamily="34" charset="0"/>
+              <a:ea typeface="Aptos" panose="020B0004020202020204" pitchFamily="34" charset="0"/>
+              <a:cs typeface="Arial" panose="020B0604020202020204" pitchFamily="34" charset="0"/>
+            </a:endParaRPr>
+          </a:p>
+          <a:p>
             <a:endParaRPr lang="en-US" sz="3400" dirty="0">
               <a:solidFill>
                 <a:schemeClr val="tx1"/>
@@ -4842,6 +4923,58 @@
               <a:latin typeface="Arial" panose="020B0604020202020204" pitchFamily="34" charset="0"/>
               <a:cs typeface="Arial" panose="020B0604020202020204" pitchFamily="34" charset="0"/>
             </a:endParaRPr>
+          </a:p>
+        </p:txBody>
+      </p:sp>
+      <p:sp>
+        <p:nvSpPr>
+          <p:cNvPr id="2" name="TextBox 1">
+            <a:extLst>
+              <a:ext uri="{FF2B5EF4-FFF2-40B4-BE49-F238E27FC236}">
+                <a16:creationId xmlns:a16="http://schemas.microsoft.com/office/drawing/2014/main" id="{E126598F-4B77-A78B-16C1-DCB265545665}"/>
+              </a:ext>
+            </a:extLst>
+          </p:cNvPr>
+          <p:cNvSpPr txBox="1"/>
+          <p:nvPr/>
+        </p:nvSpPr>
+        <p:spPr>
+          <a:xfrm>
+            <a:off x="26384410" y="26037320"/>
+            <a:ext cx="15329647" cy="646331"/>
+          </a:xfrm>
+          <a:prstGeom prst="rect">
+            <a:avLst/>
+          </a:prstGeom>
+          <a:noFill/>
+        </p:spPr>
+        <p:txBody>
+          <a:bodyPr wrap="square" rtlCol="0">
+            <a:spAutoFit/>
+          </a:bodyPr>
+          <a:lstStyle/>
+          <a:p>
+            <a:r>
+              <a:rPr lang="en-US" sz="3600" kern="0" dirty="0">
+                <a:latin typeface="Arial" panose="020B0604020202020204" pitchFamily="34" charset="0"/>
+                <a:ea typeface="Times New Roman" panose="02020603050405020304" pitchFamily="18" charset="0"/>
+                <a:cs typeface="Arial" panose="020B0604020202020204" pitchFamily="34" charset="0"/>
+              </a:rPr>
+              <a:t>[3</a:t>
+            </a:r>
+            <a:r>
+              <a:rPr lang="en-US" sz="3600" kern="0" dirty="0">
+                <a:solidFill>
+                  <a:schemeClr val="tx1"/>
+                </a:solidFill>
+                <a:effectLst/>
+                <a:latin typeface="Arial" panose="020B0604020202020204" pitchFamily="34" charset="0"/>
+                <a:ea typeface="Times New Roman" panose="02020603050405020304" pitchFamily="18" charset="0"/>
+                <a:cs typeface="Arial" panose="020B0604020202020204" pitchFamily="34" charset="0"/>
+              </a:rPr>
+              <a:t>] Previous VCU Capstone Projects (2022-2023) - Phases 1 &amp; 2</a:t>
+            </a:r>
+            <a:endParaRPr lang="en-US" sz="3600" dirty="0"/>
           </a:p>
         </p:txBody>
       </p:sp>

--- a/Project Deliverables/CS 25-347_Poster Rough Draft.pptx
+++ b/Project Deliverables/CS 25-347_Poster Rough Draft.pptx
@@ -208,7 +208,7 @@
           <a:p>
             <a:fld id="{C605AE8F-D750-4DFF-B786-EB33F602B7F0}" type="datetimeFigureOut">
               <a:rPr lang="en-US" smtClean="0"/>
-              <a:t>11/13/24</a:t>
+              <a:t>11/14/2024</a:t>
             </a:fld>
             <a:endParaRPr lang="en-US"/>
           </a:p>
@@ -606,7 +606,7 @@
           <a:p>
             <a:fld id="{C764DE79-268F-4C1A-8933-263129D2AF90}" type="datetimeFigureOut">
               <a:rPr lang="en-US" dirty="0"/>
-              <a:t>11/13/24</a:t>
+              <a:t>11/14/2024</a:t>
             </a:fld>
             <a:endParaRPr lang="en-US" dirty="0"/>
           </a:p>
@@ -776,7 +776,7 @@
           <a:p>
             <a:fld id="{C764DE79-268F-4C1A-8933-263129D2AF90}" type="datetimeFigureOut">
               <a:rPr lang="en-US" dirty="0"/>
-              <a:t>11/13/24</a:t>
+              <a:t>11/14/2024</a:t>
             </a:fld>
             <a:endParaRPr lang="en-US" dirty="0"/>
           </a:p>
@@ -956,7 +956,7 @@
           <a:p>
             <a:fld id="{C764DE79-268F-4C1A-8933-263129D2AF90}" type="datetimeFigureOut">
               <a:rPr lang="en-US" dirty="0"/>
-              <a:t>11/13/24</a:t>
+              <a:t>11/14/2024</a:t>
             </a:fld>
             <a:endParaRPr lang="en-US" dirty="0"/>
           </a:p>
@@ -1262,7 +1262,7 @@
           <a:p>
             <a:fld id="{C764DE79-268F-4C1A-8933-263129D2AF90}" type="datetimeFigureOut">
               <a:rPr lang="en-US" dirty="0"/>
-              <a:t>11/13/24</a:t>
+              <a:t>11/14/2024</a:t>
             </a:fld>
             <a:endParaRPr lang="en-US" dirty="0"/>
           </a:p>
@@ -1506,7 +1506,7 @@
           <a:p>
             <a:fld id="{C764DE79-268F-4C1A-8933-263129D2AF90}" type="datetimeFigureOut">
               <a:rPr lang="en-US" dirty="0"/>
-              <a:t>11/13/24</a:t>
+              <a:t>11/14/2024</a:t>
             </a:fld>
             <a:endParaRPr lang="en-US" dirty="0"/>
           </a:p>
@@ -1738,7 +1738,7 @@
           <a:p>
             <a:fld id="{C764DE79-268F-4C1A-8933-263129D2AF90}" type="datetimeFigureOut">
               <a:rPr lang="en-US" dirty="0"/>
-              <a:t>11/13/24</a:t>
+              <a:t>11/14/2024</a:t>
             </a:fld>
             <a:endParaRPr lang="en-US" dirty="0"/>
           </a:p>
@@ -2105,7 +2105,7 @@
           <a:p>
             <a:fld id="{C764DE79-268F-4C1A-8933-263129D2AF90}" type="datetimeFigureOut">
               <a:rPr lang="en-US" dirty="0"/>
-              <a:t>11/13/24</a:t>
+              <a:t>11/14/2024</a:t>
             </a:fld>
             <a:endParaRPr lang="en-US" dirty="0"/>
           </a:p>
@@ -2223,7 +2223,7 @@
           <a:p>
             <a:fld id="{C764DE79-268F-4C1A-8933-263129D2AF90}" type="datetimeFigureOut">
               <a:rPr lang="en-US" dirty="0"/>
-              <a:t>11/13/24</a:t>
+              <a:t>11/14/2024</a:t>
             </a:fld>
             <a:endParaRPr lang="en-US" dirty="0"/>
           </a:p>
@@ -2318,7 +2318,7 @@
           <a:p>
             <a:fld id="{C764DE79-268F-4C1A-8933-263129D2AF90}" type="datetimeFigureOut">
               <a:rPr lang="en-US" dirty="0"/>
-              <a:t>11/13/24</a:t>
+              <a:t>11/14/2024</a:t>
             </a:fld>
             <a:endParaRPr lang="en-US" dirty="0"/>
           </a:p>
@@ -2595,7 +2595,7 @@
           <a:p>
             <a:fld id="{C764DE79-268F-4C1A-8933-263129D2AF90}" type="datetimeFigureOut">
               <a:rPr lang="en-US" dirty="0"/>
-              <a:t>11/13/24</a:t>
+              <a:t>11/14/2024</a:t>
             </a:fld>
             <a:endParaRPr lang="en-US" dirty="0"/>
           </a:p>
@@ -2852,7 +2852,7 @@
           <a:p>
             <a:fld id="{C764DE79-268F-4C1A-8933-263129D2AF90}" type="datetimeFigureOut">
               <a:rPr lang="en-US" dirty="0"/>
-              <a:t>11/13/24</a:t>
+              <a:t>11/14/2024</a:t>
             </a:fld>
             <a:endParaRPr lang="en-US" dirty="0"/>
           </a:p>
@@ -3065,7 +3065,7 @@
           <a:p>
             <a:fld id="{C764DE79-268F-4C1A-8933-263129D2AF90}" type="datetimeFigureOut">
               <a:rPr lang="en-US" dirty="0"/>
-              <a:t>11/13/24</a:t>
+              <a:t>11/14/2024</a:t>
             </a:fld>
             <a:endParaRPr lang="en-US" dirty="0"/>
           </a:p>
@@ -3946,7 +3946,7 @@
         <p:spPr>
           <a:xfrm>
             <a:off x="12344398" y="5954876"/>
-            <a:ext cx="18288000" cy="18288000"/>
+            <a:ext cx="20116800" cy="16459200"/>
           </a:xfrm>
           <a:prstGeom prst="roundRect">
             <a:avLst>
@@ -4015,6 +4015,66 @@
       </p:sp>
       <p:sp>
         <p:nvSpPr>
+          <p:cNvPr id="31" name="Rectangle: Rounded Corners 30">
+            <a:extLst>
+              <a:ext uri="{FF2B5EF4-FFF2-40B4-BE49-F238E27FC236}">
+                <a16:creationId xmlns:a16="http://schemas.microsoft.com/office/drawing/2014/main" id="{F29EA7DA-8DB8-0AD2-6398-3809103A7F69}"/>
+              </a:ext>
+            </a:extLst>
+          </p:cNvPr>
+          <p:cNvSpPr/>
+          <p:nvPr/>
+        </p:nvSpPr>
+        <p:spPr>
+          <a:xfrm>
+            <a:off x="12938369" y="7808299"/>
+            <a:ext cx="7315200" cy="13716000"/>
+          </a:xfrm>
+          <a:prstGeom prst="roundRect">
+            <a:avLst>
+              <a:gd name="adj" fmla="val 4663"/>
+            </a:avLst>
+          </a:prstGeom>
+          <a:solidFill>
+            <a:schemeClr val="bg1"/>
+          </a:solidFill>
+        </p:spPr>
+        <p:style>
+          <a:lnRef idx="2">
+            <a:schemeClr val="accent1">
+              <a:shade val="15000"/>
+            </a:schemeClr>
+          </a:lnRef>
+          <a:fillRef idx="1">
+            <a:schemeClr val="accent1"/>
+          </a:fillRef>
+          <a:effectRef idx="0">
+            <a:schemeClr val="accent1"/>
+          </a:effectRef>
+          <a:fontRef idx="minor">
+            <a:schemeClr val="lt1"/>
+          </a:fontRef>
+        </p:style>
+        <p:txBody>
+          <a:bodyPr lIns="457200" tIns="457200" rIns="457200" bIns="457200" rtlCol="0" anchor="t" anchorCtr="0"/>
+          <a:lstStyle/>
+          <a:p>
+            <a:pPr algn="ctr"/>
+            <a:r>
+              <a:rPr lang="en-US" sz="4800" b="1" dirty="0">
+                <a:solidFill>
+                  <a:schemeClr val="tx1"/>
+                </a:solidFill>
+                <a:latin typeface="Arial" panose="020B0604020202020204" pitchFamily="34" charset="0"/>
+                <a:cs typeface="Arial" panose="020B0604020202020204" pitchFamily="34" charset="0"/>
+              </a:rPr>
+              <a:t>Real World</a:t>
+            </a:r>
+          </a:p>
+        </p:txBody>
+      </p:sp>
+      <p:sp>
+        <p:nvSpPr>
           <p:cNvPr id="16" name="Rectangle: Rounded Corners 15">
             <a:extLst>
               <a:ext uri="{FF2B5EF4-FFF2-40B4-BE49-F238E27FC236}">
@@ -4027,8 +4087,8 @@
         </p:nvSpPr>
         <p:spPr>
           <a:xfrm>
-            <a:off x="32308801" y="5943600"/>
-            <a:ext cx="10972800" cy="8643257"/>
+            <a:off x="33183871" y="5943601"/>
+            <a:ext cx="10058404" cy="6781800"/>
           </a:xfrm>
           <a:prstGeom prst="roundRect">
             <a:avLst>
@@ -4203,8 +4263,8 @@
         </p:nvSpPr>
         <p:spPr>
           <a:xfrm>
-            <a:off x="32308801" y="15932589"/>
-            <a:ext cx="10972800" cy="8310287"/>
+            <a:off x="33183871" y="13414885"/>
+            <a:ext cx="10058404" cy="8999191"/>
           </a:xfrm>
           <a:prstGeom prst="roundRect">
             <a:avLst>
@@ -4432,54 +4492,6 @@
           <a:effectLst/>
         </p:spPr>
       </p:pic>
-      <p:pic>
-        <p:nvPicPr>
-          <p:cNvPr id="1030" name="Picture 6" descr="ABB CRB 15000 robot - RoboDK">
-            <a:extLst>
-              <a:ext uri="{FF2B5EF4-FFF2-40B4-BE49-F238E27FC236}">
-                <a16:creationId xmlns:a16="http://schemas.microsoft.com/office/drawing/2014/main" id="{801D4DA4-8CC1-FDCB-3C5D-35EEECE687F3}"/>
-              </a:ext>
-            </a:extLst>
-          </p:cNvPr>
-          <p:cNvPicPr>
-            <a:picLocks noChangeAspect="1" noChangeArrowheads="1"/>
-          </p:cNvPicPr>
-          <p:nvPr/>
-        </p:nvPicPr>
-        <p:blipFill>
-          <a:blip r:embed="rId3">
-            <a:extLst>
-              <a:ext uri="{28A0092B-C50C-407E-A947-70E740481C1C}">
-                <a14:useLocalDpi xmlns:a14="http://schemas.microsoft.com/office/drawing/2010/main" val="0"/>
-              </a:ext>
-            </a:extLst>
-          </a:blip>
-          <a:srcRect/>
-          <a:stretch>
-            <a:fillRect/>
-          </a:stretch>
-        </p:blipFill>
-        <p:spPr bwMode="auto">
-          <a:xfrm>
-            <a:off x="20632649" y="12237709"/>
-            <a:ext cx="9999750" cy="11428285"/>
-          </a:xfrm>
-          <a:prstGeom prst="rect">
-            <a:avLst/>
-          </a:prstGeom>
-          <a:noFill/>
-          <a:effectLst/>
-          <a:extLst>
-            <a:ext uri="{909E8E84-426E-40DD-AFC4-6F175D3DCCD1}">
-              <a14:hiddenFill xmlns:a14="http://schemas.microsoft.com/office/drawing/2010/main">
-                <a:solidFill>
-                  <a:srgbClr val="FFFFFF"/>
-                </a:solidFill>
-              </a14:hiddenFill>
-            </a:ext>
-          </a:extLst>
-        </p:spPr>
-      </p:pic>
       <p:sp>
         <p:nvSpPr>
           <p:cNvPr id="11" name="TextBox 10">
@@ -4494,8 +4506,8 @@
         </p:nvSpPr>
         <p:spPr>
           <a:xfrm>
-            <a:off x="12793754" y="9906541"/>
-            <a:ext cx="9509758" cy="1938992"/>
+            <a:off x="13652765" y="19753931"/>
+            <a:ext cx="5798434" cy="1384995"/>
           </a:xfrm>
           <a:prstGeom prst="rect">
             <a:avLst/>
@@ -4508,21 +4520,23 @@
           </a:bodyPr>
           <a:lstStyle/>
           <a:p>
+            <a:pPr algn="ctr"/>
             <a:r>
               <a:rPr lang="en-US" sz="4800" b="1" dirty="0">
                 <a:latin typeface="Arial" panose="020B0604020202020204" pitchFamily="34" charset="0"/>
                 <a:cs typeface="Arial" panose="020B0604020202020204" pitchFamily="34" charset="0"/>
               </a:rPr>
-              <a:t>Intel RealSense D455</a:t>
-            </a:r>
-          </a:p>
-          <a:p>
+              <a:t>RealSense Camera</a:t>
+            </a:r>
+          </a:p>
+          <a:p>
+            <a:pPr algn="ctr"/>
             <a:r>
               <a:rPr lang="en-US" sz="3600" dirty="0">
                 <a:latin typeface="Arial" panose="020B0604020202020204" pitchFamily="34" charset="0"/>
                 <a:cs typeface="Arial" panose="020B0604020202020204" pitchFamily="34" charset="0"/>
               </a:rPr>
-              <a:t>High-spec dual camera + depth sensor used to aid the robot in sensing the environment.</a:t>
+              <a:t>Depth &amp; RGB Data</a:t>
             </a:r>
           </a:p>
         </p:txBody>
@@ -4542,7 +4556,7 @@
           <p:nvPr/>
         </p:nvPicPr>
         <p:blipFill rotWithShape="1">
-          <a:blip r:embed="rId4">
+          <a:blip r:embed="rId3">
             <a:extLst>
               <a:ext uri="{28A0092B-C50C-407E-A947-70E740481C1C}">
                 <a14:useLocalDpi xmlns:a14="http://schemas.microsoft.com/office/drawing/2010/main" val="0"/>
@@ -4554,8 +4568,8 @@
         </p:blipFill>
         <p:spPr bwMode="auto">
           <a:xfrm>
-            <a:off x="12176369" y="7652722"/>
-            <a:ext cx="8456279" cy="2305050"/>
+            <a:off x="14302266" y="18336037"/>
+            <a:ext cx="4572000" cy="1246256"/>
           </a:xfrm>
           <a:prstGeom prst="rect">
             <a:avLst/>
@@ -4572,203 +4586,6 @@
           </a:extLst>
         </p:spPr>
       </p:pic>
-      <p:pic>
-        <p:nvPicPr>
-          <p:cNvPr id="1034" name="Picture 10" descr="Nvidia Logo - PNG y Vector">
-            <a:extLst>
-              <a:ext uri="{FF2B5EF4-FFF2-40B4-BE49-F238E27FC236}">
-                <a16:creationId xmlns:a16="http://schemas.microsoft.com/office/drawing/2014/main" id="{83B7F37D-931E-DF97-C9E8-FFA8D855175B}"/>
-              </a:ext>
-            </a:extLst>
-          </p:cNvPr>
-          <p:cNvPicPr>
-            <a:picLocks noChangeAspect="1" noChangeArrowheads="1"/>
-          </p:cNvPicPr>
-          <p:nvPr/>
-        </p:nvPicPr>
-        <p:blipFill rotWithShape="1">
-          <a:blip r:embed="rId5">
-            <a:extLst>
-              <a:ext uri="{28A0092B-C50C-407E-A947-70E740481C1C}">
-                <a14:useLocalDpi xmlns:a14="http://schemas.microsoft.com/office/drawing/2010/main" val="0"/>
-              </a:ext>
-            </a:extLst>
-          </a:blip>
-          <a:srcRect l="12015" t="21157" r="12241" b="21452"/>
-          <a:stretch/>
-        </p:blipFill>
-        <p:spPr bwMode="auto">
-          <a:xfrm>
-            <a:off x="12825093" y="16831829"/>
-            <a:ext cx="5987011" cy="4536413"/>
-          </a:xfrm>
-          <a:prstGeom prst="rect">
-            <a:avLst/>
-          </a:prstGeom>
-          <a:noFill/>
-          <a:effectLst/>
-          <a:extLst>
-            <a:ext uri="{909E8E84-426E-40DD-AFC4-6F175D3DCCD1}">
-              <a14:hiddenFill xmlns:a14="http://schemas.microsoft.com/office/drawing/2010/main">
-                <a:solidFill>
-                  <a:srgbClr val="FFFFFF"/>
-                </a:solidFill>
-              </a14:hiddenFill>
-            </a:ext>
-          </a:extLst>
-        </p:spPr>
-      </p:pic>
-      <p:sp>
-        <p:nvSpPr>
-          <p:cNvPr id="22" name="TextBox 21">
-            <a:extLst>
-              <a:ext uri="{FF2B5EF4-FFF2-40B4-BE49-F238E27FC236}">
-                <a16:creationId xmlns:a16="http://schemas.microsoft.com/office/drawing/2014/main" id="{2609F6B6-7BCB-350C-0B81-7EAFAF6EE15C}"/>
-              </a:ext>
-            </a:extLst>
-          </p:cNvPr>
-          <p:cNvSpPr txBox="1"/>
-          <p:nvPr/>
-        </p:nvSpPr>
-        <p:spPr>
-          <a:xfrm>
-            <a:off x="12793752" y="21735449"/>
-            <a:ext cx="12042532" cy="1938992"/>
-          </a:xfrm>
-          <a:prstGeom prst="rect">
-            <a:avLst/>
-          </a:prstGeom>
-          <a:noFill/>
-        </p:spPr>
-        <p:txBody>
-          <a:bodyPr wrap="square" rtlCol="0">
-            <a:spAutoFit/>
-          </a:bodyPr>
-          <a:lstStyle/>
-          <a:p>
-            <a:r>
-              <a:rPr lang="en-US" sz="4800" b="1" dirty="0">
-                <a:latin typeface="Arial" panose="020B0604020202020204" pitchFamily="34" charset="0"/>
-                <a:cs typeface="Arial" panose="020B0604020202020204" pitchFamily="34" charset="0"/>
-              </a:rPr>
-              <a:t>Isaac Sim</a:t>
-            </a:r>
-          </a:p>
-          <a:p>
-            <a:r>
-              <a:rPr lang="en-US" sz="3600" dirty="0">
-                <a:latin typeface="Arial" panose="020B0604020202020204" pitchFamily="34" charset="0"/>
-                <a:cs typeface="Arial" panose="020B0604020202020204" pitchFamily="34" charset="0"/>
-              </a:rPr>
-              <a:t>Developer simulation platform, allowing the robot to simulate the environment and act upon it in the real world. </a:t>
-            </a:r>
-          </a:p>
-        </p:txBody>
-      </p:sp>
-      <p:sp>
-        <p:nvSpPr>
-          <p:cNvPr id="26" name="Arrow: Down 25">
-            <a:extLst>
-              <a:ext uri="{FF2B5EF4-FFF2-40B4-BE49-F238E27FC236}">
-                <a16:creationId xmlns:a16="http://schemas.microsoft.com/office/drawing/2014/main" id="{F7836AF0-D323-A5E6-9977-A3264BB4EB45}"/>
-              </a:ext>
-            </a:extLst>
-          </p:cNvPr>
-          <p:cNvSpPr/>
-          <p:nvPr/>
-        </p:nvSpPr>
-        <p:spPr>
-          <a:xfrm>
-            <a:off x="14339734" y="12237708"/>
-            <a:ext cx="2064774" cy="4221491"/>
-          </a:xfrm>
-          <a:prstGeom prst="downArrow">
-            <a:avLst/>
-          </a:prstGeom>
-          <a:solidFill>
-            <a:schemeClr val="bg1"/>
-          </a:solidFill>
-          <a:ln>
-            <a:noFill/>
-          </a:ln>
-        </p:spPr>
-        <p:style>
-          <a:lnRef idx="2">
-            <a:schemeClr val="accent1">
-              <a:shade val="15000"/>
-            </a:schemeClr>
-          </a:lnRef>
-          <a:fillRef idx="1">
-            <a:schemeClr val="accent1"/>
-          </a:fillRef>
-          <a:effectRef idx="0">
-            <a:schemeClr val="accent1"/>
-          </a:effectRef>
-          <a:fontRef idx="minor">
-            <a:schemeClr val="lt1"/>
-          </a:fontRef>
-        </p:style>
-        <p:txBody>
-          <a:bodyPr rtlCol="0" anchor="ctr"/>
-          <a:lstStyle/>
-          <a:p>
-            <a:pPr algn="ctr"/>
-            <a:endParaRPr lang="en-US" dirty="0"/>
-          </a:p>
-        </p:txBody>
-      </p:sp>
-      <p:sp>
-        <p:nvSpPr>
-          <p:cNvPr id="27" name="Arrow: Right 26">
-            <a:extLst>
-              <a:ext uri="{FF2B5EF4-FFF2-40B4-BE49-F238E27FC236}">
-                <a16:creationId xmlns:a16="http://schemas.microsoft.com/office/drawing/2014/main" id="{D9AFB0C7-CBB5-3E96-11C1-488B0F633053}"/>
-              </a:ext>
-            </a:extLst>
-          </p:cNvPr>
-          <p:cNvSpPr/>
-          <p:nvPr/>
-        </p:nvSpPr>
-        <p:spPr>
-          <a:xfrm>
-            <a:off x="18464981" y="17516520"/>
-            <a:ext cx="6614117" cy="1938992"/>
-          </a:xfrm>
-          <a:prstGeom prst="rightArrow">
-            <a:avLst/>
-          </a:prstGeom>
-          <a:solidFill>
-            <a:schemeClr val="bg1"/>
-          </a:solidFill>
-          <a:ln>
-            <a:noFill/>
-          </a:ln>
-        </p:spPr>
-        <p:style>
-          <a:lnRef idx="2">
-            <a:schemeClr val="accent1">
-              <a:shade val="15000"/>
-            </a:schemeClr>
-          </a:lnRef>
-          <a:fillRef idx="1">
-            <a:schemeClr val="accent1"/>
-          </a:fillRef>
-          <a:effectRef idx="0">
-            <a:schemeClr val="accent1"/>
-          </a:effectRef>
-          <a:fontRef idx="minor">
-            <a:schemeClr val="lt1"/>
-          </a:fontRef>
-        </p:style>
-        <p:txBody>
-          <a:bodyPr rtlCol="0" anchor="ctr"/>
-          <a:lstStyle/>
-          <a:p>
-            <a:pPr algn="ctr"/>
-            <a:endParaRPr lang="en-US" dirty="0"/>
-          </a:p>
-        </p:txBody>
-      </p:sp>
       <p:sp>
         <p:nvSpPr>
           <p:cNvPr id="28" name="Rectangle: Rounded Corners 27">
@@ -4783,8 +4600,8 @@
         </p:nvSpPr>
         <p:spPr>
           <a:xfrm>
-            <a:off x="12344397" y="24820496"/>
-            <a:ext cx="30937203" cy="3079980"/>
+            <a:off x="12344397" y="23103560"/>
+            <a:ext cx="30937203" cy="4796916"/>
           </a:xfrm>
           <a:prstGeom prst="roundRect">
             <a:avLst>
@@ -4886,6 +4703,28 @@
               </a:rPr>
               <a:t>[2] NVIDIA Isaac Sim Development Guide (2024)</a:t>
             </a:r>
+          </a:p>
+          <a:p>
+            <a:pPr>
+              <a:lnSpc>
+                <a:spcPct val="115000"/>
+              </a:lnSpc>
+              <a:spcAft>
+                <a:spcPts val="800"/>
+              </a:spcAft>
+            </a:pPr>
+            <a:r>
+              <a:rPr lang="en-US" sz="3600" kern="0" dirty="0">
+                <a:solidFill>
+                  <a:schemeClr val="tx1"/>
+                </a:solidFill>
+                <a:effectLst/>
+                <a:latin typeface="Arial" panose="020B0604020202020204" pitchFamily="34" charset="0"/>
+                <a:ea typeface="Times New Roman" panose="02020603050405020304" pitchFamily="18" charset="0"/>
+                <a:cs typeface="Arial" panose="020B0604020202020204" pitchFamily="34" charset="0"/>
+              </a:rPr>
+              <a:t>[3] Previous VCU Capstone Projects (2022-2023) - Phases 1 &amp; 2</a:t>
+            </a:r>
             <a:endParaRPr lang="en-US" sz="3600" kern="100" dirty="0">
               <a:solidFill>
                 <a:schemeClr val="tx1"/>
@@ -4926,12 +4765,208 @@
           </a:p>
         </p:txBody>
       </p:sp>
-      <p:sp>
-        <p:nvSpPr>
-          <p:cNvPr id="2" name="TextBox 1">
+      <p:pic>
+        <p:nvPicPr>
+          <p:cNvPr id="6" name="Picture 6" descr="The Comprehensive Guide to Robots (Cobots) on RS Marketplace">
             <a:extLst>
               <a:ext uri="{FF2B5EF4-FFF2-40B4-BE49-F238E27FC236}">
-                <a16:creationId xmlns:a16="http://schemas.microsoft.com/office/drawing/2014/main" id="{E126598F-4B77-A78B-16C1-DCB265545665}"/>
+                <a16:creationId xmlns:a16="http://schemas.microsoft.com/office/drawing/2014/main" id="{281AB8A6-DA3D-7057-FCA0-6B09FD6CD19D}"/>
+              </a:ext>
+            </a:extLst>
+          </p:cNvPr>
+          <p:cNvPicPr>
+            <a:picLocks noChangeAspect="1" noChangeArrowheads="1"/>
+          </p:cNvPicPr>
+          <p:nvPr/>
+        </p:nvPicPr>
+        <p:blipFill rotWithShape="1">
+          <a:blip r:embed="rId4">
+            <a:extLst>
+              <a:ext uri="{28A0092B-C50C-407E-A947-70E740481C1C}">
+                <a14:useLocalDpi xmlns:a14="http://schemas.microsoft.com/office/drawing/2010/main" val="0"/>
+              </a:ext>
+            </a:extLst>
+          </a:blip>
+          <a:srcRect l="15110" t="19505" r="26643" b="7768"/>
+          <a:stretch/>
+        </p:blipFill>
+        <p:spPr bwMode="auto">
+          <a:xfrm>
+            <a:off x="24098534" y="7808299"/>
+            <a:ext cx="6372320" cy="8378655"/>
+          </a:xfrm>
+          <a:prstGeom prst="rect">
+            <a:avLst/>
+          </a:prstGeom>
+          <a:noFill/>
+          <a:extLst>
+            <a:ext uri="{909E8E84-426E-40DD-AFC4-6F175D3DCCD1}">
+              <a14:hiddenFill xmlns:a14="http://schemas.microsoft.com/office/drawing/2010/main">
+                <a:solidFill>
+                  <a:srgbClr val="FFFFFF"/>
+                </a:solidFill>
+              </a14:hiddenFill>
+            </a:ext>
+          </a:extLst>
+        </p:spPr>
+      </p:pic>
+      <p:sp>
+        <p:nvSpPr>
+          <p:cNvPr id="15" name="Rectangle: Rounded Corners 14">
+            <a:extLst>
+              <a:ext uri="{FF2B5EF4-FFF2-40B4-BE49-F238E27FC236}">
+                <a16:creationId xmlns:a16="http://schemas.microsoft.com/office/drawing/2014/main" id="{B02E8EEB-6D78-B60E-C371-EA4F01AD3EE0}"/>
+              </a:ext>
+            </a:extLst>
+          </p:cNvPr>
+          <p:cNvSpPr/>
+          <p:nvPr/>
+        </p:nvSpPr>
+        <p:spPr>
+          <a:xfrm>
+            <a:off x="20869654" y="16037899"/>
+            <a:ext cx="10972800" cy="5486400"/>
+          </a:xfrm>
+          <a:prstGeom prst="roundRect">
+            <a:avLst>
+              <a:gd name="adj" fmla="val 4663"/>
+            </a:avLst>
+          </a:prstGeom>
+          <a:solidFill>
+            <a:schemeClr val="bg1"/>
+          </a:solidFill>
+        </p:spPr>
+        <p:style>
+          <a:lnRef idx="2">
+            <a:schemeClr val="accent1">
+              <a:shade val="15000"/>
+            </a:schemeClr>
+          </a:lnRef>
+          <a:fillRef idx="1">
+            <a:schemeClr val="accent1"/>
+          </a:fillRef>
+          <a:effectRef idx="0">
+            <a:schemeClr val="accent1"/>
+          </a:effectRef>
+          <a:fontRef idx="minor">
+            <a:schemeClr val="lt1"/>
+          </a:fontRef>
+        </p:style>
+        <p:txBody>
+          <a:bodyPr lIns="457200" tIns="457200" rIns="457200" bIns="457200" rtlCol="0" anchor="t" anchorCtr="0"/>
+          <a:lstStyle/>
+          <a:p>
+            <a:pPr algn="ctr"/>
+            <a:r>
+              <a:rPr lang="en-US" sz="4800" b="1" dirty="0">
+                <a:solidFill>
+                  <a:schemeClr val="tx1"/>
+                </a:solidFill>
+                <a:latin typeface="Arial" panose="020B0604020202020204" pitchFamily="34" charset="0"/>
+                <a:cs typeface="Arial" panose="020B0604020202020204" pitchFamily="34" charset="0"/>
+              </a:rPr>
+              <a:t>Processing &amp; Simulation</a:t>
+            </a:r>
+          </a:p>
+        </p:txBody>
+      </p:sp>
+      <p:pic>
+        <p:nvPicPr>
+          <p:cNvPr id="3" name="Picture 2" descr="OpenCV: Que es OpenCV">
+            <a:extLst>
+              <a:ext uri="{FF2B5EF4-FFF2-40B4-BE49-F238E27FC236}">
+                <a16:creationId xmlns:a16="http://schemas.microsoft.com/office/drawing/2014/main" id="{B4581CC9-ECF6-DBBA-7F79-DC9CDE7F5BD0}"/>
+              </a:ext>
+            </a:extLst>
+          </p:cNvPr>
+          <p:cNvPicPr>
+            <a:picLocks noChangeAspect="1" noChangeArrowheads="1"/>
+          </p:cNvPicPr>
+          <p:nvPr/>
+        </p:nvPicPr>
+        <p:blipFill rotWithShape="1">
+          <a:blip r:embed="rId5">
+            <a:extLst>
+              <a:ext uri="{28A0092B-C50C-407E-A947-70E740481C1C}">
+                <a14:useLocalDpi xmlns:a14="http://schemas.microsoft.com/office/drawing/2010/main" val="0"/>
+              </a:ext>
+            </a:extLst>
+          </a:blip>
+          <a:srcRect b="24392"/>
+          <a:stretch/>
+        </p:blipFill>
+        <p:spPr bwMode="auto">
+          <a:xfrm>
+            <a:off x="22318050" y="17930465"/>
+            <a:ext cx="1962246" cy="1828800"/>
+          </a:xfrm>
+          <a:prstGeom prst="rect">
+            <a:avLst/>
+          </a:prstGeom>
+          <a:noFill/>
+          <a:extLst>
+            <a:ext uri="{909E8E84-426E-40DD-AFC4-6F175D3DCCD1}">
+              <a14:hiddenFill xmlns:a14="http://schemas.microsoft.com/office/drawing/2010/main">
+                <a:solidFill>
+                  <a:srgbClr val="FFFFFF"/>
+                </a:solidFill>
+              </a14:hiddenFill>
+            </a:ext>
+          </a:extLst>
+        </p:spPr>
+      </p:pic>
+      <p:pic>
+        <p:nvPicPr>
+          <p:cNvPr id="1034" name="Picture 10" descr="Nvidia Logo - PNG y Vector">
+            <a:extLst>
+              <a:ext uri="{FF2B5EF4-FFF2-40B4-BE49-F238E27FC236}">
+                <a16:creationId xmlns:a16="http://schemas.microsoft.com/office/drawing/2014/main" id="{83B7F37D-931E-DF97-C9E8-FFA8D855175B}"/>
+              </a:ext>
+            </a:extLst>
+          </p:cNvPr>
+          <p:cNvPicPr>
+            <a:picLocks noChangeAspect="1" noChangeArrowheads="1"/>
+          </p:cNvPicPr>
+          <p:nvPr/>
+        </p:nvPicPr>
+        <p:blipFill rotWithShape="1">
+          <a:blip r:embed="rId6">
+            <a:extLst>
+              <a:ext uri="{28A0092B-C50C-407E-A947-70E740481C1C}">
+                <a14:useLocalDpi xmlns:a14="http://schemas.microsoft.com/office/drawing/2010/main" val="0"/>
+              </a:ext>
+            </a:extLst>
+          </a:blip>
+          <a:srcRect l="17037" t="21156" r="28573" b="41190"/>
+          <a:stretch/>
+        </p:blipFill>
+        <p:spPr bwMode="auto">
+          <a:xfrm>
+            <a:off x="27508262" y="17930465"/>
+            <a:ext cx="2641717" cy="1828800"/>
+          </a:xfrm>
+          <a:prstGeom prst="rect">
+            <a:avLst/>
+          </a:prstGeom>
+          <a:noFill/>
+          <a:effectLst/>
+          <a:extLst>
+            <a:ext uri="{909E8E84-426E-40DD-AFC4-6F175D3DCCD1}">
+              <a14:hiddenFill xmlns:a14="http://schemas.microsoft.com/office/drawing/2010/main">
+                <a:solidFill>
+                  <a:srgbClr val="FFFFFF"/>
+                </a:solidFill>
+              </a14:hiddenFill>
+            </a:ext>
+          </a:extLst>
+        </p:spPr>
+      </p:pic>
+      <p:sp>
+        <p:nvSpPr>
+          <p:cNvPr id="22" name="TextBox 21">
+            <a:extLst>
+              <a:ext uri="{FF2B5EF4-FFF2-40B4-BE49-F238E27FC236}">
+                <a16:creationId xmlns:a16="http://schemas.microsoft.com/office/drawing/2014/main" id="{2609F6B6-7BCB-350C-0B81-7EAFAF6EE15C}"/>
               </a:ext>
             </a:extLst>
           </p:cNvPr>
@@ -4940,8 +4975,8 @@
         </p:nvSpPr>
         <p:spPr>
           <a:xfrm>
-            <a:off x="26384410" y="26037320"/>
-            <a:ext cx="15329647" cy="646331"/>
+            <a:off x="26221301" y="19759265"/>
+            <a:ext cx="5215640" cy="1384995"/>
           </a:xfrm>
           <a:prstGeom prst="rect">
             <a:avLst/>
@@ -4954,27 +4989,653 @@
           </a:bodyPr>
           <a:lstStyle/>
           <a:p>
-            <a:r>
-              <a:rPr lang="en-US" sz="3600" kern="0" dirty="0">
+            <a:pPr algn="ctr"/>
+            <a:r>
+              <a:rPr lang="en-US" sz="4800" b="1" dirty="0">
                 <a:latin typeface="Arial" panose="020B0604020202020204" pitchFamily="34" charset="0"/>
-                <a:ea typeface="Times New Roman" panose="02020603050405020304" pitchFamily="18" charset="0"/>
                 <a:cs typeface="Arial" panose="020B0604020202020204" pitchFamily="34" charset="0"/>
               </a:rPr>
-              <a:t>[3</a:t>
-            </a:r>
-            <a:r>
-              <a:rPr lang="en-US" sz="3600" kern="0" dirty="0">
-                <a:solidFill>
-                  <a:schemeClr val="tx1"/>
-                </a:solidFill>
-                <a:effectLst/>
+              <a:t>Isaac Sim</a:t>
+            </a:r>
+          </a:p>
+          <a:p>
+            <a:pPr algn="ctr"/>
+            <a:r>
+              <a:rPr lang="en-US" sz="3600" dirty="0">
                 <a:latin typeface="Arial" panose="020B0604020202020204" pitchFamily="34" charset="0"/>
-                <a:ea typeface="Times New Roman" panose="02020603050405020304" pitchFamily="18" charset="0"/>
                 <a:cs typeface="Arial" panose="020B0604020202020204" pitchFamily="34" charset="0"/>
               </a:rPr>
-              <a:t>] Previous VCU Capstone Projects (2022-2023) - Phases 1 &amp; 2</a:t>
-            </a:r>
-            <a:endParaRPr lang="en-US" sz="3600" dirty="0"/>
+              <a:t>Environment Simulation </a:t>
+            </a:r>
+          </a:p>
+        </p:txBody>
+      </p:sp>
+      <p:sp>
+        <p:nvSpPr>
+          <p:cNvPr id="17" name="TextBox 16">
+            <a:extLst>
+              <a:ext uri="{FF2B5EF4-FFF2-40B4-BE49-F238E27FC236}">
+                <a16:creationId xmlns:a16="http://schemas.microsoft.com/office/drawing/2014/main" id="{7AF09225-D0F8-3619-4957-A4D1088566D1}"/>
+              </a:ext>
+            </a:extLst>
+          </p:cNvPr>
+          <p:cNvSpPr txBox="1"/>
+          <p:nvPr/>
+        </p:nvSpPr>
+        <p:spPr>
+          <a:xfrm>
+            <a:off x="21393715" y="19759265"/>
+            <a:ext cx="3810916" cy="1384995"/>
+          </a:xfrm>
+          <a:prstGeom prst="rect">
+            <a:avLst/>
+          </a:prstGeom>
+          <a:noFill/>
+        </p:spPr>
+        <p:txBody>
+          <a:bodyPr wrap="square" rtlCol="0">
+            <a:spAutoFit/>
+          </a:bodyPr>
+          <a:lstStyle/>
+          <a:p>
+            <a:pPr algn="ctr"/>
+            <a:r>
+              <a:rPr lang="en-US" sz="4800" b="1" dirty="0">
+                <a:latin typeface="Arial" panose="020B0604020202020204" pitchFamily="34" charset="0"/>
+                <a:cs typeface="Arial" panose="020B0604020202020204" pitchFamily="34" charset="0"/>
+              </a:rPr>
+              <a:t>OpenCV</a:t>
+            </a:r>
+          </a:p>
+          <a:p>
+            <a:pPr algn="ctr"/>
+            <a:r>
+              <a:rPr lang="en-US" sz="3600" dirty="0">
+                <a:latin typeface="Arial" panose="020B0604020202020204" pitchFamily="34" charset="0"/>
+                <a:cs typeface="Arial" panose="020B0604020202020204" pitchFamily="34" charset="0"/>
+              </a:rPr>
+              <a:t>Vision Processing</a:t>
+            </a:r>
+          </a:p>
+        </p:txBody>
+      </p:sp>
+      <p:sp>
+        <p:nvSpPr>
+          <p:cNvPr id="20" name="Arrow: Right 19">
+            <a:extLst>
+              <a:ext uri="{FF2B5EF4-FFF2-40B4-BE49-F238E27FC236}">
+                <a16:creationId xmlns:a16="http://schemas.microsoft.com/office/drawing/2014/main" id="{6FE7D63A-A1D7-B144-994C-360449F3B89E}"/>
+              </a:ext>
+            </a:extLst>
+          </p:cNvPr>
+          <p:cNvSpPr/>
+          <p:nvPr/>
+        </p:nvSpPr>
+        <p:spPr>
+          <a:xfrm>
+            <a:off x="24751279" y="18501965"/>
+            <a:ext cx="2286000" cy="914400"/>
+          </a:xfrm>
+          <a:prstGeom prst="rightArrow">
+            <a:avLst/>
+          </a:prstGeom>
+          <a:solidFill>
+            <a:schemeClr val="bg1"/>
+          </a:solidFill>
+        </p:spPr>
+        <p:style>
+          <a:lnRef idx="2">
+            <a:schemeClr val="accent1">
+              <a:shade val="15000"/>
+            </a:schemeClr>
+          </a:lnRef>
+          <a:fillRef idx="1">
+            <a:schemeClr val="accent1"/>
+          </a:fillRef>
+          <a:effectRef idx="0">
+            <a:schemeClr val="accent1"/>
+          </a:effectRef>
+          <a:fontRef idx="minor">
+            <a:schemeClr val="lt1"/>
+          </a:fontRef>
+        </p:style>
+        <p:txBody>
+          <a:bodyPr rtlCol="0" anchor="ctr"/>
+          <a:lstStyle/>
+          <a:p>
+            <a:pPr algn="ctr"/>
+            <a:endParaRPr lang="en-US" dirty="0"/>
+          </a:p>
+        </p:txBody>
+      </p:sp>
+      <p:pic>
+        <p:nvPicPr>
+          <p:cNvPr id="32" name="Picture 8" descr="Free Person Icon, Download Free Person Icon png images, Free ClipArts ...">
+            <a:extLst>
+              <a:ext uri="{FF2B5EF4-FFF2-40B4-BE49-F238E27FC236}">
+                <a16:creationId xmlns:a16="http://schemas.microsoft.com/office/drawing/2014/main" id="{D244F16B-C5BB-9434-B38E-9BDF2F66CBE1}"/>
+              </a:ext>
+            </a:extLst>
+          </p:cNvPr>
+          <p:cNvPicPr>
+            <a:picLocks noChangeAspect="1" noChangeArrowheads="1"/>
+          </p:cNvPicPr>
+          <p:nvPr/>
+        </p:nvPicPr>
+        <p:blipFill rotWithShape="1">
+          <a:blip r:embed="rId7">
+            <a:extLst>
+              <a:ext uri="{28A0092B-C50C-407E-A947-70E740481C1C}">
+                <a14:useLocalDpi xmlns:a14="http://schemas.microsoft.com/office/drawing/2010/main" val="0"/>
+              </a:ext>
+            </a:extLst>
+          </a:blip>
+          <a:srcRect t="6051" b="5630"/>
+          <a:stretch/>
+        </p:blipFill>
+        <p:spPr bwMode="auto">
+          <a:xfrm>
+            <a:off x="14158645" y="9584034"/>
+            <a:ext cx="4862995" cy="4572000"/>
+          </a:xfrm>
+          <a:prstGeom prst="rect">
+            <a:avLst/>
+          </a:prstGeom>
+          <a:noFill/>
+          <a:extLst>
+            <a:ext uri="{909E8E84-426E-40DD-AFC4-6F175D3DCCD1}">
+              <a14:hiddenFill xmlns:a14="http://schemas.microsoft.com/office/drawing/2010/main">
+                <a:solidFill>
+                  <a:srgbClr val="FFFFFF"/>
+                </a:solidFill>
+              </a14:hiddenFill>
+            </a:ext>
+          </a:extLst>
+        </p:spPr>
+      </p:pic>
+      <p:sp>
+        <p:nvSpPr>
+          <p:cNvPr id="33" name="TextBox 32">
+            <a:extLst>
+              <a:ext uri="{FF2B5EF4-FFF2-40B4-BE49-F238E27FC236}">
+                <a16:creationId xmlns:a16="http://schemas.microsoft.com/office/drawing/2014/main" id="{2CDDCC92-BC00-8C29-D5D8-30CF0865A78B}"/>
+              </a:ext>
+            </a:extLst>
+          </p:cNvPr>
+          <p:cNvSpPr txBox="1"/>
+          <p:nvPr/>
+        </p:nvSpPr>
+        <p:spPr>
+          <a:xfrm>
+            <a:off x="14304142" y="14184476"/>
+            <a:ext cx="4572000" cy="1384995"/>
+          </a:xfrm>
+          <a:prstGeom prst="rect">
+            <a:avLst/>
+          </a:prstGeom>
+          <a:noFill/>
+        </p:spPr>
+        <p:txBody>
+          <a:bodyPr wrap="square" rtlCol="0">
+            <a:spAutoFit/>
+          </a:bodyPr>
+          <a:lstStyle/>
+          <a:p>
+            <a:pPr algn="ctr"/>
+            <a:r>
+              <a:rPr lang="en-US" sz="4800" b="1" dirty="0">
+                <a:latin typeface="Arial" panose="020B0604020202020204" pitchFamily="34" charset="0"/>
+                <a:cs typeface="Arial" panose="020B0604020202020204" pitchFamily="34" charset="0"/>
+              </a:rPr>
+              <a:t>Human Worker</a:t>
+            </a:r>
+          </a:p>
+          <a:p>
+            <a:pPr algn="ctr"/>
+            <a:r>
+              <a:rPr lang="en-US" sz="3600" dirty="0">
+                <a:latin typeface="Arial" panose="020B0604020202020204" pitchFamily="34" charset="0"/>
+                <a:cs typeface="Arial" panose="020B0604020202020204" pitchFamily="34" charset="0"/>
+              </a:rPr>
+              <a:t>Real-time Position</a:t>
+            </a:r>
+          </a:p>
+        </p:txBody>
+      </p:sp>
+      <p:sp>
+        <p:nvSpPr>
+          <p:cNvPr id="34" name="Arrow: Down 33">
+            <a:extLst>
+              <a:ext uri="{FF2B5EF4-FFF2-40B4-BE49-F238E27FC236}">
+                <a16:creationId xmlns:a16="http://schemas.microsoft.com/office/drawing/2014/main" id="{FD7E994B-D6E1-FC96-A24F-90CE66D48430}"/>
+              </a:ext>
+            </a:extLst>
+          </p:cNvPr>
+          <p:cNvSpPr/>
+          <p:nvPr/>
+        </p:nvSpPr>
+        <p:spPr>
+          <a:xfrm>
+            <a:off x="16138769" y="16143716"/>
+            <a:ext cx="914400" cy="1828800"/>
+          </a:xfrm>
+          <a:prstGeom prst="downArrow">
+            <a:avLst/>
+          </a:prstGeom>
+          <a:solidFill>
+            <a:schemeClr val="bg1"/>
+          </a:solidFill>
+        </p:spPr>
+        <p:style>
+          <a:lnRef idx="2">
+            <a:schemeClr val="accent1">
+              <a:shade val="15000"/>
+            </a:schemeClr>
+          </a:lnRef>
+          <a:fillRef idx="1">
+            <a:schemeClr val="accent1"/>
+          </a:fillRef>
+          <a:effectRef idx="0">
+            <a:schemeClr val="accent1"/>
+          </a:effectRef>
+          <a:fontRef idx="minor">
+            <a:schemeClr val="lt1"/>
+          </a:fontRef>
+        </p:style>
+        <p:txBody>
+          <a:bodyPr rtlCol="0" anchor="ctr"/>
+          <a:lstStyle/>
+          <a:p>
+            <a:pPr algn="ctr"/>
+            <a:endParaRPr lang="en-US" dirty="0"/>
+          </a:p>
+        </p:txBody>
+      </p:sp>
+      <p:sp>
+        <p:nvSpPr>
+          <p:cNvPr id="35" name="Arrow: Right 34">
+            <a:extLst>
+              <a:ext uri="{FF2B5EF4-FFF2-40B4-BE49-F238E27FC236}">
+                <a16:creationId xmlns:a16="http://schemas.microsoft.com/office/drawing/2014/main" id="{86DD50D8-94A5-BEE3-3B2A-2A9C8ACA989F}"/>
+              </a:ext>
+            </a:extLst>
+          </p:cNvPr>
+          <p:cNvSpPr/>
+          <p:nvPr/>
+        </p:nvSpPr>
+        <p:spPr>
+          <a:xfrm>
+            <a:off x="19451199" y="18501965"/>
+            <a:ext cx="2286000" cy="914400"/>
+          </a:xfrm>
+          <a:prstGeom prst="rightArrow">
+            <a:avLst/>
+          </a:prstGeom>
+          <a:solidFill>
+            <a:schemeClr val="bg1"/>
+          </a:solidFill>
+        </p:spPr>
+        <p:style>
+          <a:lnRef idx="2">
+            <a:schemeClr val="accent1">
+              <a:shade val="15000"/>
+            </a:schemeClr>
+          </a:lnRef>
+          <a:fillRef idx="1">
+            <a:schemeClr val="accent1"/>
+          </a:fillRef>
+          <a:effectRef idx="0">
+            <a:schemeClr val="accent1"/>
+          </a:effectRef>
+          <a:fontRef idx="minor">
+            <a:schemeClr val="lt1"/>
+          </a:fontRef>
+        </p:style>
+        <p:txBody>
+          <a:bodyPr rtlCol="0" anchor="ctr"/>
+          <a:lstStyle/>
+          <a:p>
+            <a:pPr algn="ctr"/>
+            <a:endParaRPr lang="en-US" dirty="0"/>
+          </a:p>
+        </p:txBody>
+      </p:sp>
+      <p:sp>
+        <p:nvSpPr>
+          <p:cNvPr id="36" name="Arrow: Curved Left 35">
+            <a:extLst>
+              <a:ext uri="{FF2B5EF4-FFF2-40B4-BE49-F238E27FC236}">
+                <a16:creationId xmlns:a16="http://schemas.microsoft.com/office/drawing/2014/main" id="{3669FEC4-9CB4-F456-CFD6-BF9038741D94}"/>
+              </a:ext>
+            </a:extLst>
+          </p:cNvPr>
+          <p:cNvSpPr/>
+          <p:nvPr/>
+        </p:nvSpPr>
+        <p:spPr>
+          <a:xfrm flipV="1">
+            <a:off x="30620962" y="11068781"/>
+            <a:ext cx="1371600" cy="8001000"/>
+          </a:xfrm>
+          <a:prstGeom prst="curvedLeftArrow">
+            <a:avLst/>
+          </a:prstGeom>
+          <a:solidFill>
+            <a:schemeClr val="bg1"/>
+          </a:solidFill>
+          <a:ln>
+            <a:solidFill>
+              <a:schemeClr val="accent1">
+                <a:shade val="15000"/>
+              </a:schemeClr>
+            </a:solidFill>
+            <a:headEnd type="none"/>
+            <a:extLst>
+              <a:ext uri="{C807C97D-BFC1-408E-A445-0C87EB9F89A2}">
+                <ask:lineSketchStyleProps xmlns:ask="http://schemas.microsoft.com/office/drawing/2018/sketchyshapes" sd="1219033472">
+                  <a:custGeom>
+                    <a:avLst/>
+                    <a:gdLst>
+                      <a:gd name="connsiteX0" fmla="*/ 0 w 1371600"/>
+                      <a:gd name="connsiteY0" fmla="*/ 7586210 h 7929110"/>
+                      <a:gd name="connsiteX1" fmla="*/ 342900 w 1371600"/>
+                      <a:gd name="connsiteY1" fmla="*/ 7125585 h 7929110"/>
+                      <a:gd name="connsiteX2" fmla="*/ 342900 w 1371600"/>
+                      <a:gd name="connsiteY2" fmla="*/ 7297035 h 7929110"/>
+                      <a:gd name="connsiteX3" fmla="*/ 1370132 w 1371600"/>
+                      <a:gd name="connsiteY3" fmla="*/ 3878830 h 7929110"/>
+                      <a:gd name="connsiteX4" fmla="*/ 1315030 w 1371600"/>
+                      <a:gd name="connsiteY4" fmla="*/ 5104023 h 7929110"/>
+                      <a:gd name="connsiteX5" fmla="*/ 342898 w 1371600"/>
+                      <a:gd name="connsiteY5" fmla="*/ 7639936 h 7929110"/>
+                      <a:gd name="connsiteX6" fmla="*/ 342900 w 1371600"/>
+                      <a:gd name="connsiteY6" fmla="*/ 7811385 h 7929110"/>
+                      <a:gd name="connsiteX7" fmla="*/ 0 w 1371600"/>
+                      <a:gd name="connsiteY7" fmla="*/ 7586210 h 7929110"/>
+                      <a:gd name="connsiteX0" fmla="*/ 1371600 w 1371600"/>
+                      <a:gd name="connsiteY0" fmla="*/ 4050280 h 7929110"/>
+                      <a:gd name="connsiteX1" fmla="*/ 0 w 1371600"/>
+                      <a:gd name="connsiteY1" fmla="*/ 342900 h 7929110"/>
+                      <a:gd name="connsiteX2" fmla="*/ 0 w 1371600"/>
+                      <a:gd name="connsiteY2" fmla="*/ 0 h 7929110"/>
+                      <a:gd name="connsiteX3" fmla="*/ 1371600 w 1371600"/>
+                      <a:gd name="connsiteY3" fmla="*/ 3707380 h 7929110"/>
+                      <a:gd name="connsiteX4" fmla="*/ 1371600 w 1371600"/>
+                      <a:gd name="connsiteY4" fmla="*/ 4050280 h 7929110"/>
+                      <a:gd name="connsiteX0" fmla="*/ 1371600 w 1371600"/>
+                      <a:gd name="connsiteY0" fmla="*/ 4050280 h 7929110"/>
+                      <a:gd name="connsiteX1" fmla="*/ 0 w 1371600"/>
+                      <a:gd name="connsiteY1" fmla="*/ 342900 h 7929110"/>
+                      <a:gd name="connsiteX2" fmla="*/ 0 w 1371600"/>
+                      <a:gd name="connsiteY2" fmla="*/ 0 h 7929110"/>
+                      <a:gd name="connsiteX3" fmla="*/ 1371600 w 1371600"/>
+                      <a:gd name="connsiteY3" fmla="*/ 3707380 h 7929110"/>
+                      <a:gd name="connsiteX4" fmla="*/ 1371600 w 1371600"/>
+                      <a:gd name="connsiteY4" fmla="*/ 4050280 h 7929110"/>
+                      <a:gd name="connsiteX5" fmla="*/ 342900 w 1371600"/>
+                      <a:gd name="connsiteY5" fmla="*/ 7639935 h 7929110"/>
+                      <a:gd name="connsiteX6" fmla="*/ 342900 w 1371600"/>
+                      <a:gd name="connsiteY6" fmla="*/ 7811385 h 7929110"/>
+                      <a:gd name="connsiteX7" fmla="*/ 0 w 1371600"/>
+                      <a:gd name="connsiteY7" fmla="*/ 7586210 h 7929110"/>
+                      <a:gd name="connsiteX8" fmla="*/ 342900 w 1371600"/>
+                      <a:gd name="connsiteY8" fmla="*/ 7125585 h 7929110"/>
+                      <a:gd name="connsiteX9" fmla="*/ 342900 w 1371600"/>
+                      <a:gd name="connsiteY9" fmla="*/ 7297035 h 7929110"/>
+                      <a:gd name="connsiteX10" fmla="*/ 1370132 w 1371600"/>
+                      <a:gd name="connsiteY10" fmla="*/ 3878830 h 7929110"/>
+                    </a:gdLst>
+                    <a:ahLst/>
+                    <a:cxnLst>
+                      <a:cxn ang="0">
+                        <a:pos x="connsiteX0" y="connsiteY0"/>
+                      </a:cxn>
+                      <a:cxn ang="0">
+                        <a:pos x="connsiteX1" y="connsiteY1"/>
+                      </a:cxn>
+                      <a:cxn ang="0">
+                        <a:pos x="connsiteX2" y="connsiteY2"/>
+                      </a:cxn>
+                      <a:cxn ang="0">
+                        <a:pos x="connsiteX3" y="connsiteY3"/>
+                      </a:cxn>
+                      <a:cxn ang="0">
+                        <a:pos x="connsiteX4" y="connsiteY4"/>
+                      </a:cxn>
+                      <a:cxn ang="0">
+                        <a:pos x="connsiteX5" y="connsiteY5"/>
+                      </a:cxn>
+                      <a:cxn ang="0">
+                        <a:pos x="connsiteX6" y="connsiteY6"/>
+                      </a:cxn>
+                      <a:cxn ang="0">
+                        <a:pos x="connsiteX7" y="connsiteY7"/>
+                      </a:cxn>
+                      <a:cxn ang="0">
+                        <a:pos x="connsiteX8" y="connsiteY8"/>
+                      </a:cxn>
+                      <a:cxn ang="0">
+                        <a:pos x="connsiteX9" y="connsiteY9"/>
+                      </a:cxn>
+                      <a:cxn ang="0">
+                        <a:pos x="connsiteX10" y="connsiteY10"/>
+                      </a:cxn>
+                    </a:cxnLst>
+                    <a:rect l="l" t="t" r="r" b="b"/>
+                    <a:pathLst>
+                      <a:path w="1371600" h="7929110" stroke="0" extrusionOk="0">
+                        <a:moveTo>
+                          <a:pt x="0" y="7586210"/>
+                        </a:moveTo>
+                        <a:cubicBezTo>
+                          <a:pt x="79108" y="7466188"/>
+                          <a:pt x="237338" y="7317141"/>
+                          <a:pt x="342900" y="7125585"/>
+                        </a:cubicBezTo>
+                        <a:cubicBezTo>
+                          <a:pt x="327902" y="7175471"/>
+                          <a:pt x="350208" y="7262421"/>
+                          <a:pt x="342900" y="7297035"/>
+                        </a:cubicBezTo>
+                        <a:cubicBezTo>
+                          <a:pt x="722105" y="7089120"/>
+                          <a:pt x="1317525" y="5640957"/>
+                          <a:pt x="1370132" y="3878830"/>
+                        </a:cubicBezTo>
+                        <a:cubicBezTo>
+                          <a:pt x="1311697" y="4256832"/>
+                          <a:pt x="1423298" y="4737732"/>
+                          <a:pt x="1315030" y="5104023"/>
+                        </a:cubicBezTo>
+                        <a:cubicBezTo>
+                          <a:pt x="1195598" y="6354063"/>
+                          <a:pt x="814966" y="7302602"/>
+                          <a:pt x="342898" y="7639936"/>
+                        </a:cubicBezTo>
+                        <a:cubicBezTo>
+                          <a:pt x="338325" y="7696386"/>
+                          <a:pt x="340277" y="7756704"/>
+                          <a:pt x="342900" y="7811385"/>
+                        </a:cubicBezTo>
+                        <a:cubicBezTo>
+                          <a:pt x="293685" y="7748274"/>
+                          <a:pt x="36902" y="7649104"/>
+                          <a:pt x="0" y="7586210"/>
+                        </a:cubicBezTo>
+                        <a:close/>
+                      </a:path>
+                      <a:path w="1371600" h="7929110" fill="darkenLess" stroke="0" extrusionOk="0">
+                        <a:moveTo>
+                          <a:pt x="1371600" y="4050280"/>
+                        </a:moveTo>
+                        <a:cubicBezTo>
+                          <a:pt x="1401654" y="2019577"/>
+                          <a:pt x="812069" y="356017"/>
+                          <a:pt x="0" y="342900"/>
+                        </a:cubicBezTo>
+                        <a:cubicBezTo>
+                          <a:pt x="22800" y="204180"/>
+                          <a:pt x="10853" y="101574"/>
+                          <a:pt x="0" y="0"/>
+                        </a:cubicBezTo>
+                        <a:cubicBezTo>
+                          <a:pt x="936339" y="266199"/>
+                          <a:pt x="1385907" y="1808026"/>
+                          <a:pt x="1371600" y="3707380"/>
+                        </a:cubicBezTo>
+                        <a:cubicBezTo>
+                          <a:pt x="1360013" y="3797550"/>
+                          <a:pt x="1350426" y="3996213"/>
+                          <a:pt x="1371600" y="4050280"/>
+                        </a:cubicBezTo>
+                        <a:close/>
+                      </a:path>
+                      <a:path w="1371600" h="7929110" fill="none" extrusionOk="0">
+                        <a:moveTo>
+                          <a:pt x="1371600" y="4050280"/>
+                        </a:moveTo>
+                        <a:cubicBezTo>
+                          <a:pt x="1342141" y="2061890"/>
+                          <a:pt x="685684" y="247594"/>
+                          <a:pt x="0" y="342900"/>
+                        </a:cubicBezTo>
+                        <a:cubicBezTo>
+                          <a:pt x="-11132" y="210273"/>
+                          <a:pt x="-11493" y="146976"/>
+                          <a:pt x="0" y="0"/>
+                        </a:cubicBezTo>
+                        <a:cubicBezTo>
+                          <a:pt x="1010931" y="159652"/>
+                          <a:pt x="1338723" y="1667066"/>
+                          <a:pt x="1371600" y="3707380"/>
+                        </a:cubicBezTo>
+                        <a:cubicBezTo>
+                          <a:pt x="1385776" y="3871547"/>
+                          <a:pt x="1341387" y="3898215"/>
+                          <a:pt x="1371600" y="4050280"/>
+                        </a:cubicBezTo>
+                        <a:cubicBezTo>
+                          <a:pt x="1473161" y="5664553"/>
+                          <a:pt x="958654" y="7199644"/>
+                          <a:pt x="342900" y="7639935"/>
+                        </a:cubicBezTo>
+                        <a:cubicBezTo>
+                          <a:pt x="338968" y="7720091"/>
+                          <a:pt x="350605" y="7729929"/>
+                          <a:pt x="342900" y="7811385"/>
+                        </a:cubicBezTo>
+                        <a:cubicBezTo>
+                          <a:pt x="224655" y="7709912"/>
+                          <a:pt x="99877" y="7694450"/>
+                          <a:pt x="0" y="7586210"/>
+                        </a:cubicBezTo>
+                        <a:cubicBezTo>
+                          <a:pt x="162926" y="7421621"/>
+                          <a:pt x="253272" y="7311685"/>
+                          <a:pt x="342900" y="7125585"/>
+                        </a:cubicBezTo>
+                        <a:cubicBezTo>
+                          <a:pt x="344770" y="7197284"/>
+                          <a:pt x="337021" y="7241028"/>
+                          <a:pt x="342900" y="7297035"/>
+                        </a:cubicBezTo>
+                        <a:cubicBezTo>
+                          <a:pt x="949249" y="6891046"/>
+                          <a:pt x="1489969" y="5657055"/>
+                          <a:pt x="1370132" y="3878830"/>
+                        </a:cubicBezTo>
+                      </a:path>
+                      <a:path w="1371600" h="7929110" fill="none" stroke="0" extrusionOk="0">
+                        <a:moveTo>
+                          <a:pt x="1371600" y="4050280"/>
+                        </a:moveTo>
+                        <a:cubicBezTo>
+                          <a:pt x="1453417" y="1931116"/>
+                          <a:pt x="787342" y="202596"/>
+                          <a:pt x="0" y="342900"/>
+                        </a:cubicBezTo>
+                        <a:cubicBezTo>
+                          <a:pt x="24792" y="172885"/>
+                          <a:pt x="1218" y="35033"/>
+                          <a:pt x="0" y="0"/>
+                        </a:cubicBezTo>
+                        <a:cubicBezTo>
+                          <a:pt x="619677" y="-9784"/>
+                          <a:pt x="1354272" y="1624528"/>
+                          <a:pt x="1371600" y="3707380"/>
+                        </a:cubicBezTo>
+                        <a:cubicBezTo>
+                          <a:pt x="1341498" y="3837767"/>
+                          <a:pt x="1363905" y="3925989"/>
+                          <a:pt x="1371600" y="4050280"/>
+                        </a:cubicBezTo>
+                        <a:cubicBezTo>
+                          <a:pt x="1343677" y="5790766"/>
+                          <a:pt x="995845" y="7252486"/>
+                          <a:pt x="342900" y="7639935"/>
+                        </a:cubicBezTo>
+                        <a:cubicBezTo>
+                          <a:pt x="333001" y="7707034"/>
+                          <a:pt x="352516" y="7746827"/>
+                          <a:pt x="342900" y="7811385"/>
+                        </a:cubicBezTo>
+                        <a:cubicBezTo>
+                          <a:pt x="259365" y="7735320"/>
+                          <a:pt x="81396" y="7638197"/>
+                          <a:pt x="0" y="7586210"/>
+                        </a:cubicBezTo>
+                        <a:cubicBezTo>
+                          <a:pt x="33653" y="7509904"/>
+                          <a:pt x="256744" y="7205331"/>
+                          <a:pt x="342900" y="7125585"/>
+                        </a:cubicBezTo>
+                        <a:cubicBezTo>
+                          <a:pt x="353784" y="7202728"/>
+                          <a:pt x="342932" y="7273362"/>
+                          <a:pt x="342900" y="7297035"/>
+                        </a:cubicBezTo>
+                        <a:cubicBezTo>
+                          <a:pt x="1080591" y="7023648"/>
+                          <a:pt x="1260702" y="5750419"/>
+                          <a:pt x="1370132" y="3878830"/>
+                        </a:cubicBezTo>
+                      </a:path>
+                    </a:pathLst>
+                  </a:custGeom>
+                  <ask:type>
+                    <ask:lineSketchNone/>
+                  </ask:type>
+                </ask:lineSketchStyleProps>
+              </a:ext>
+            </a:extLst>
+          </a:ln>
+        </p:spPr>
+        <p:style>
+          <a:lnRef idx="2">
+            <a:schemeClr val="accent1">
+              <a:shade val="15000"/>
+            </a:schemeClr>
+          </a:lnRef>
+          <a:fillRef idx="1">
+            <a:schemeClr val="accent1"/>
+          </a:fillRef>
+          <a:effectRef idx="0">
+            <a:schemeClr val="accent1"/>
+          </a:effectRef>
+          <a:fontRef idx="minor">
+            <a:schemeClr val="lt1"/>
+          </a:fontRef>
+        </p:style>
+        <p:txBody>
+          <a:bodyPr rtlCol="0" anchor="ctr"/>
+          <a:lstStyle/>
+          <a:p>
+            <a:pPr algn="ctr"/>
+            <a:endParaRPr lang="en-US" dirty="0">
+              <a:solidFill>
+                <a:schemeClr val="tx1"/>
+              </a:solidFill>
+            </a:endParaRPr>
           </a:p>
         </p:txBody>
       </p:sp>

--- a/Project Deliverables/CS 25-347_Poster Rough Draft.pptx
+++ b/Project Deliverables/CS 25-347_Poster Rough Draft.pptx
@@ -124,6 +124,3311 @@
     </p:ext>
   </p:extLst>
 </p:presentation>
+</file>
+
+<file path=ppt/diagrams/colors1.xml><?xml version="1.0" encoding="utf-8"?>
+<dgm:colorsDef xmlns:dgm="http://schemas.openxmlformats.org/drawingml/2006/diagram" xmlns:a="http://schemas.openxmlformats.org/drawingml/2006/main" uniqueId="urn:microsoft.com/office/officeart/2005/8/colors/colorful5">
+  <dgm:title val=""/>
+  <dgm:desc val=""/>
+  <dgm:catLst>
+    <dgm:cat type="colorful" pri="10500"/>
+  </dgm:catLst>
+  <dgm:styleLbl name="node0">
+    <dgm:fillClrLst meth="repeat">
+      <a:schemeClr val="accent4"/>
+    </dgm:fillClrLst>
+    <dgm:linClrLst meth="repeat">
+      <a:schemeClr val="lt1"/>
+    </dgm:linClrLst>
+    <dgm:effectClrLst/>
+    <dgm:txLinClrLst/>
+    <dgm:txFillClrLst/>
+    <dgm:txEffectClrLst/>
+  </dgm:styleLbl>
+  <dgm:styleLbl name="node1">
+    <dgm:fillClrLst>
+      <a:schemeClr val="accent5"/>
+      <a:schemeClr val="accent6"/>
+    </dgm:fillClrLst>
+    <dgm:linClrLst meth="repeat">
+      <a:schemeClr val="lt1"/>
+    </dgm:linClrLst>
+    <dgm:effectClrLst/>
+    <dgm:txLinClrLst/>
+    <dgm:txFillClrLst/>
+    <dgm:txEffectClrLst/>
+  </dgm:styleLbl>
+  <dgm:styleLbl name="alignNode1">
+    <dgm:fillClrLst>
+      <a:schemeClr val="accent5"/>
+      <a:schemeClr val="accent6"/>
+    </dgm:fillClrLst>
+    <dgm:linClrLst>
+      <a:schemeClr val="accent5"/>
+      <a:schemeClr val="accent6"/>
+    </dgm:linClrLst>
+    <dgm:effectClrLst/>
+    <dgm:txLinClrLst/>
+    <dgm:txFillClrLst/>
+    <dgm:txEffectClrLst/>
+  </dgm:styleLbl>
+  <dgm:styleLbl name="lnNode1">
+    <dgm:fillClrLst>
+      <a:schemeClr val="accent5"/>
+      <a:schemeClr val="accent6"/>
+    </dgm:fillClrLst>
+    <dgm:linClrLst meth="repeat">
+      <a:schemeClr val="lt1"/>
+    </dgm:linClrLst>
+    <dgm:effectClrLst/>
+    <dgm:txLinClrLst/>
+    <dgm:txFillClrLst/>
+    <dgm:txEffectClrLst/>
+  </dgm:styleLbl>
+  <dgm:styleLbl name="vennNode1">
+    <dgm:fillClrLst>
+      <a:schemeClr val="accent5">
+        <a:alpha val="50000"/>
+      </a:schemeClr>
+      <a:schemeClr val="accent6">
+        <a:alpha val="50000"/>
+      </a:schemeClr>
+    </dgm:fillClrLst>
+    <dgm:linClrLst meth="repeat">
+      <a:schemeClr val="lt1"/>
+    </dgm:linClrLst>
+    <dgm:effectClrLst/>
+    <dgm:txLinClrLst/>
+    <dgm:txFillClrLst/>
+    <dgm:txEffectClrLst/>
+  </dgm:styleLbl>
+  <dgm:styleLbl name="node2">
+    <dgm:fillClrLst>
+      <a:schemeClr val="accent6"/>
+    </dgm:fillClrLst>
+    <dgm:linClrLst meth="repeat">
+      <a:schemeClr val="lt1"/>
+    </dgm:linClrLst>
+    <dgm:effectClrLst/>
+    <dgm:txLinClrLst/>
+    <dgm:txFillClrLst/>
+    <dgm:txEffectClrLst/>
+  </dgm:styleLbl>
+  <dgm:styleLbl name="node3">
+    <dgm:fillClrLst>
+      <a:schemeClr val="accent1"/>
+    </dgm:fillClrLst>
+    <dgm:linClrLst meth="repeat">
+      <a:schemeClr val="lt1"/>
+    </dgm:linClrLst>
+    <dgm:effectClrLst/>
+    <dgm:txLinClrLst/>
+    <dgm:txFillClrLst/>
+    <dgm:txEffectClrLst/>
+  </dgm:styleLbl>
+  <dgm:styleLbl name="node4">
+    <dgm:fillClrLst>
+      <a:schemeClr val="accent2"/>
+    </dgm:fillClrLst>
+    <dgm:linClrLst meth="repeat">
+      <a:schemeClr val="lt1"/>
+    </dgm:linClrLst>
+    <dgm:effectClrLst/>
+    <dgm:txLinClrLst/>
+    <dgm:txFillClrLst/>
+    <dgm:txEffectClrLst/>
+  </dgm:styleLbl>
+  <dgm:styleLbl name="fgImgPlace1">
+    <dgm:fillClrLst>
+      <a:schemeClr val="accent5">
+        <a:tint val="50000"/>
+      </a:schemeClr>
+      <a:schemeClr val="accent6">
+        <a:tint val="50000"/>
+      </a:schemeClr>
+    </dgm:fillClrLst>
+    <dgm:linClrLst meth="repeat">
+      <a:schemeClr val="lt1"/>
+    </dgm:linClrLst>
+    <dgm:effectClrLst/>
+    <dgm:txLinClrLst/>
+    <dgm:txFillClrLst meth="repeat">
+      <a:schemeClr val="lt1"/>
+    </dgm:txFillClrLst>
+    <dgm:txEffectClrLst/>
+  </dgm:styleLbl>
+  <dgm:styleLbl name="alignImgPlace1">
+    <dgm:fillClrLst>
+      <a:schemeClr val="accent5">
+        <a:tint val="50000"/>
+      </a:schemeClr>
+      <a:schemeClr val="accent6">
+        <a:tint val="20000"/>
+      </a:schemeClr>
+    </dgm:fillClrLst>
+    <dgm:linClrLst meth="repeat">
+      <a:schemeClr val="lt1"/>
+    </dgm:linClrLst>
+    <dgm:effectClrLst/>
+    <dgm:txLinClrLst/>
+    <dgm:txFillClrLst meth="repeat">
+      <a:schemeClr val="lt1"/>
+    </dgm:txFillClrLst>
+    <dgm:txEffectClrLst/>
+  </dgm:styleLbl>
+  <dgm:styleLbl name="bgImgPlace1">
+    <dgm:fillClrLst>
+      <a:schemeClr val="accent5">
+        <a:tint val="50000"/>
+      </a:schemeClr>
+      <a:schemeClr val="accent6">
+        <a:tint val="20000"/>
+      </a:schemeClr>
+    </dgm:fillClrLst>
+    <dgm:linClrLst meth="repeat">
+      <a:schemeClr val="lt1"/>
+    </dgm:linClrLst>
+    <dgm:effectClrLst/>
+    <dgm:txLinClrLst/>
+    <dgm:txFillClrLst meth="repeat">
+      <a:schemeClr val="lt1"/>
+    </dgm:txFillClrLst>
+    <dgm:txEffectClrLst/>
+  </dgm:styleLbl>
+  <dgm:styleLbl name="sibTrans2D1">
+    <dgm:fillClrLst>
+      <a:schemeClr val="accent5"/>
+      <a:schemeClr val="accent6"/>
+    </dgm:fillClrLst>
+    <dgm:linClrLst meth="repeat">
+      <a:schemeClr val="lt1"/>
+    </dgm:linClrLst>
+    <dgm:effectClrLst/>
+    <dgm:txLinClrLst/>
+    <dgm:txFillClrLst/>
+    <dgm:txEffectClrLst/>
+  </dgm:styleLbl>
+  <dgm:styleLbl name="fgSibTrans2D1">
+    <dgm:fillClrLst>
+      <a:schemeClr val="accent5"/>
+      <a:schemeClr val="accent6"/>
+    </dgm:fillClrLst>
+    <dgm:linClrLst meth="repeat">
+      <a:schemeClr val="lt1"/>
+    </dgm:linClrLst>
+    <dgm:effectClrLst/>
+    <dgm:txLinClrLst/>
+    <dgm:txFillClrLst meth="repeat">
+      <a:schemeClr val="lt1"/>
+    </dgm:txFillClrLst>
+    <dgm:txEffectClrLst/>
+  </dgm:styleLbl>
+  <dgm:styleLbl name="bgSibTrans2D1">
+    <dgm:fillClrLst>
+      <a:schemeClr val="accent5"/>
+      <a:schemeClr val="accent6"/>
+    </dgm:fillClrLst>
+    <dgm:linClrLst meth="repeat">
+      <a:schemeClr val="lt1"/>
+    </dgm:linClrLst>
+    <dgm:effectClrLst/>
+    <dgm:txLinClrLst/>
+    <dgm:txFillClrLst meth="repeat">
+      <a:schemeClr val="lt1"/>
+    </dgm:txFillClrLst>
+    <dgm:txEffectClrLst/>
+  </dgm:styleLbl>
+  <dgm:styleLbl name="sibTrans1D1">
+    <dgm:fillClrLst/>
+    <dgm:linClrLst>
+      <a:schemeClr val="accent5"/>
+      <a:schemeClr val="accent6"/>
+    </dgm:linClrLst>
+    <dgm:effectClrLst/>
+    <dgm:txLinClrLst/>
+    <dgm:txFillClrLst meth="repeat">
+      <a:schemeClr val="tx1"/>
+    </dgm:txFillClrLst>
+    <dgm:txEffectClrLst/>
+  </dgm:styleLbl>
+  <dgm:styleLbl name="callout">
+    <dgm:fillClrLst meth="repeat">
+      <a:schemeClr val="accent5"/>
+    </dgm:fillClrLst>
+    <dgm:linClrLst meth="repeat">
+      <a:schemeClr val="accent5">
+        <a:tint val="50000"/>
+      </a:schemeClr>
+    </dgm:linClrLst>
+    <dgm:effectClrLst/>
+    <dgm:txLinClrLst/>
+    <dgm:txFillClrLst meth="repeat">
+      <a:schemeClr val="tx1"/>
+    </dgm:txFillClrLst>
+    <dgm:txEffectClrLst/>
+  </dgm:styleLbl>
+  <dgm:styleLbl name="asst0">
+    <dgm:fillClrLst meth="repeat">
+      <a:schemeClr val="accent5"/>
+    </dgm:fillClrLst>
+    <dgm:linClrLst meth="repeat">
+      <a:schemeClr val="lt1">
+        <a:shade val="80000"/>
+      </a:schemeClr>
+    </dgm:linClrLst>
+    <dgm:effectClrLst/>
+    <dgm:txLinClrLst/>
+    <dgm:txFillClrLst/>
+    <dgm:txEffectClrLst/>
+  </dgm:styleLbl>
+  <dgm:styleLbl name="asst1">
+    <dgm:fillClrLst meth="repeat">
+      <a:schemeClr val="accent6"/>
+    </dgm:fillClrLst>
+    <dgm:linClrLst meth="repeat">
+      <a:schemeClr val="lt1">
+        <a:shade val="80000"/>
+      </a:schemeClr>
+    </dgm:linClrLst>
+    <dgm:effectClrLst/>
+    <dgm:txLinClrLst/>
+    <dgm:txFillClrLst/>
+    <dgm:txEffectClrLst/>
+  </dgm:styleLbl>
+  <dgm:styleLbl name="asst2">
+    <dgm:fillClrLst>
+      <a:schemeClr val="accent1"/>
+    </dgm:fillClrLst>
+    <dgm:linClrLst meth="repeat">
+      <a:schemeClr val="lt1"/>
+    </dgm:linClrLst>
+    <dgm:effectClrLst/>
+    <dgm:txLinClrLst/>
+    <dgm:txFillClrLst/>
+    <dgm:txEffectClrLst/>
+  </dgm:styleLbl>
+  <dgm:styleLbl name="asst3">
+    <dgm:fillClrLst>
+      <a:schemeClr val="accent2"/>
+    </dgm:fillClrLst>
+    <dgm:linClrLst meth="repeat">
+      <a:schemeClr val="lt1"/>
+    </dgm:linClrLst>
+    <dgm:effectClrLst/>
+    <dgm:txLinClrLst/>
+    <dgm:txFillClrLst/>
+    <dgm:txEffectClrLst/>
+  </dgm:styleLbl>
+  <dgm:styleLbl name="asst4">
+    <dgm:fillClrLst>
+      <a:schemeClr val="accent3"/>
+    </dgm:fillClrLst>
+    <dgm:linClrLst meth="repeat">
+      <a:schemeClr val="lt1"/>
+    </dgm:linClrLst>
+    <dgm:effectClrLst/>
+    <dgm:txLinClrLst/>
+    <dgm:txFillClrLst/>
+    <dgm:txEffectClrLst/>
+  </dgm:styleLbl>
+  <dgm:styleLbl name="parChTrans2D1">
+    <dgm:fillClrLst meth="repeat">
+      <a:schemeClr val="accent5"/>
+    </dgm:fillClrLst>
+    <dgm:linClrLst meth="repeat">
+      <a:schemeClr val="lt1"/>
+    </dgm:linClrLst>
+    <dgm:effectClrLst/>
+    <dgm:txLinClrLst/>
+    <dgm:txFillClrLst meth="repeat">
+      <a:schemeClr val="lt1"/>
+    </dgm:txFillClrLst>
+    <dgm:txEffectClrLst/>
+  </dgm:styleLbl>
+  <dgm:styleLbl name="parChTrans2D2">
+    <dgm:fillClrLst meth="repeat">
+      <a:schemeClr val="accent6"/>
+    </dgm:fillClrLst>
+    <dgm:linClrLst meth="repeat">
+      <a:schemeClr val="lt1"/>
+    </dgm:linClrLst>
+    <dgm:effectClrLst/>
+    <dgm:txLinClrLst/>
+    <dgm:txFillClrLst/>
+    <dgm:txEffectClrLst/>
+  </dgm:styleLbl>
+  <dgm:styleLbl name="parChTrans2D3">
+    <dgm:fillClrLst meth="repeat">
+      <a:schemeClr val="accent6"/>
+    </dgm:fillClrLst>
+    <dgm:linClrLst meth="repeat">
+      <a:schemeClr val="lt1"/>
+    </dgm:linClrLst>
+    <dgm:effectClrLst/>
+    <dgm:txLinClrLst/>
+    <dgm:txFillClrLst/>
+    <dgm:txEffectClrLst/>
+  </dgm:styleLbl>
+  <dgm:styleLbl name="parChTrans2D4">
+    <dgm:fillClrLst meth="repeat">
+      <a:schemeClr val="accent1"/>
+    </dgm:fillClrLst>
+    <dgm:linClrLst meth="repeat">
+      <a:schemeClr val="lt1"/>
+    </dgm:linClrLst>
+    <dgm:effectClrLst/>
+    <dgm:txLinClrLst/>
+    <dgm:txFillClrLst meth="repeat">
+      <a:schemeClr val="lt1"/>
+    </dgm:txFillClrLst>
+    <dgm:txEffectClrLst/>
+  </dgm:styleLbl>
+  <dgm:styleLbl name="parChTrans1D1">
+    <dgm:fillClrLst meth="repeat">
+      <a:schemeClr val="accent5"/>
+    </dgm:fillClrLst>
+    <dgm:linClrLst meth="repeat">
+      <a:schemeClr val="accent5"/>
+    </dgm:linClrLst>
+    <dgm:effectClrLst/>
+    <dgm:txLinClrLst/>
+    <dgm:txFillClrLst meth="repeat">
+      <a:schemeClr val="tx1"/>
+    </dgm:txFillClrLst>
+    <dgm:txEffectClrLst/>
+  </dgm:styleLbl>
+  <dgm:styleLbl name="parChTrans1D2">
+    <dgm:fillClrLst meth="repeat">
+      <a:schemeClr val="accent6">
+        <a:tint val="90000"/>
+      </a:schemeClr>
+    </dgm:fillClrLst>
+    <dgm:linClrLst meth="repeat">
+      <a:schemeClr val="accent6"/>
+    </dgm:linClrLst>
+    <dgm:effectClrLst/>
+    <dgm:txLinClrLst/>
+    <dgm:txFillClrLst meth="repeat">
+      <a:schemeClr val="tx1"/>
+    </dgm:txFillClrLst>
+    <dgm:txEffectClrLst/>
+  </dgm:styleLbl>
+  <dgm:styleLbl name="parChTrans1D3">
+    <dgm:fillClrLst meth="repeat">
+      <a:schemeClr val="accent6">
+        <a:tint val="70000"/>
+      </a:schemeClr>
+    </dgm:fillClrLst>
+    <dgm:linClrLst meth="repeat">
+      <a:schemeClr val="accent1"/>
+    </dgm:linClrLst>
+    <dgm:effectClrLst/>
+    <dgm:txLinClrLst/>
+    <dgm:txFillClrLst meth="repeat">
+      <a:schemeClr val="tx1"/>
+    </dgm:txFillClrLst>
+    <dgm:txEffectClrLst/>
+  </dgm:styleLbl>
+  <dgm:styleLbl name="parChTrans1D4">
+    <dgm:fillClrLst meth="repeat">
+      <a:schemeClr val="accent6">
+        <a:tint val="50000"/>
+      </a:schemeClr>
+    </dgm:fillClrLst>
+    <dgm:linClrLst meth="repeat">
+      <a:schemeClr val="accent2"/>
+    </dgm:linClrLst>
+    <dgm:effectClrLst/>
+    <dgm:txLinClrLst/>
+    <dgm:txFillClrLst meth="repeat">
+      <a:schemeClr val="tx1"/>
+    </dgm:txFillClrLst>
+    <dgm:txEffectClrLst/>
+  </dgm:styleLbl>
+  <dgm:styleLbl name="fgAcc1">
+    <dgm:fillClrLst meth="repeat">
+      <a:schemeClr val="lt1">
+        <a:alpha val="90000"/>
+      </a:schemeClr>
+    </dgm:fillClrLst>
+    <dgm:linClrLst>
+      <a:schemeClr val="accent5"/>
+      <a:schemeClr val="accent6"/>
+    </dgm:linClrLst>
+    <dgm:effectClrLst/>
+    <dgm:txLinClrLst/>
+    <dgm:txFillClrLst meth="repeat">
+      <a:schemeClr val="dk1"/>
+    </dgm:txFillClrLst>
+    <dgm:txEffectClrLst/>
+  </dgm:styleLbl>
+  <dgm:styleLbl name="conFgAcc1">
+    <dgm:fillClrLst meth="repeat">
+      <a:schemeClr val="lt1">
+        <a:alpha val="90000"/>
+      </a:schemeClr>
+    </dgm:fillClrLst>
+    <dgm:linClrLst>
+      <a:schemeClr val="accent5"/>
+      <a:schemeClr val="accent6"/>
+    </dgm:linClrLst>
+    <dgm:effectClrLst/>
+    <dgm:txLinClrLst/>
+    <dgm:txFillClrLst meth="repeat">
+      <a:schemeClr val="dk1"/>
+    </dgm:txFillClrLst>
+    <dgm:txEffectClrLst/>
+  </dgm:styleLbl>
+  <dgm:styleLbl name="alignAcc1">
+    <dgm:fillClrLst meth="repeat">
+      <a:schemeClr val="lt1">
+        <a:alpha val="90000"/>
+      </a:schemeClr>
+    </dgm:fillClrLst>
+    <dgm:linClrLst>
+      <a:schemeClr val="accent5"/>
+      <a:schemeClr val="accent6"/>
+    </dgm:linClrLst>
+    <dgm:effectClrLst/>
+    <dgm:txLinClrLst/>
+    <dgm:txFillClrLst meth="repeat">
+      <a:schemeClr val="dk1"/>
+    </dgm:txFillClrLst>
+    <dgm:txEffectClrLst/>
+  </dgm:styleLbl>
+  <dgm:styleLbl name="trAlignAcc1">
+    <dgm:fillClrLst meth="repeat">
+      <a:schemeClr val="lt1">
+        <a:alpha val="40000"/>
+      </a:schemeClr>
+    </dgm:fillClrLst>
+    <dgm:linClrLst meth="repeat">
+      <a:schemeClr val="accent5"/>
+    </dgm:linClrLst>
+    <dgm:effectClrLst/>
+    <dgm:txLinClrLst/>
+    <dgm:txFillClrLst meth="repeat">
+      <a:schemeClr val="dk1"/>
+    </dgm:txFillClrLst>
+    <dgm:txEffectClrLst/>
+  </dgm:styleLbl>
+  <dgm:styleLbl name="bgAcc1">
+    <dgm:fillClrLst meth="repeat">
+      <a:schemeClr val="lt1">
+        <a:alpha val="90000"/>
+      </a:schemeClr>
+    </dgm:fillClrLst>
+    <dgm:linClrLst>
+      <a:schemeClr val="accent5"/>
+      <a:schemeClr val="accent6"/>
+    </dgm:linClrLst>
+    <dgm:effectClrLst/>
+    <dgm:txLinClrLst/>
+    <dgm:txFillClrLst meth="repeat">
+      <a:schemeClr val="dk1"/>
+    </dgm:txFillClrLst>
+    <dgm:txEffectClrLst/>
+  </dgm:styleLbl>
+  <dgm:styleLbl name="solidFgAcc1">
+    <dgm:fillClrLst meth="repeat">
+      <a:schemeClr val="lt1"/>
+    </dgm:fillClrLst>
+    <dgm:linClrLst>
+      <a:schemeClr val="accent5"/>
+      <a:schemeClr val="accent6"/>
+    </dgm:linClrLst>
+    <dgm:effectClrLst/>
+    <dgm:txLinClrLst/>
+    <dgm:txFillClrLst meth="repeat">
+      <a:schemeClr val="dk1"/>
+    </dgm:txFillClrLst>
+    <dgm:txEffectClrLst/>
+  </dgm:styleLbl>
+  <dgm:styleLbl name="solidAlignAcc1">
+    <dgm:fillClrLst meth="repeat">
+      <a:schemeClr val="lt1"/>
+    </dgm:fillClrLst>
+    <dgm:linClrLst>
+      <a:schemeClr val="accent5"/>
+      <a:schemeClr val="accent6"/>
+    </dgm:linClrLst>
+    <dgm:effectClrLst/>
+    <dgm:txLinClrLst/>
+    <dgm:txFillClrLst meth="repeat">
+      <a:schemeClr val="dk1"/>
+    </dgm:txFillClrLst>
+    <dgm:txEffectClrLst/>
+  </dgm:styleLbl>
+  <dgm:styleLbl name="solidBgAcc1">
+    <dgm:fillClrLst meth="repeat">
+      <a:schemeClr val="lt1"/>
+    </dgm:fillClrLst>
+    <dgm:linClrLst>
+      <a:schemeClr val="accent5"/>
+      <a:schemeClr val="accent6"/>
+    </dgm:linClrLst>
+    <dgm:effectClrLst/>
+    <dgm:txLinClrLst/>
+    <dgm:txFillClrLst meth="repeat">
+      <a:schemeClr val="dk1"/>
+    </dgm:txFillClrLst>
+    <dgm:txEffectClrLst/>
+  </dgm:styleLbl>
+  <dgm:styleLbl name="fgAccFollowNode1">
+    <dgm:fillClrLst>
+      <a:schemeClr val="accent5">
+        <a:tint val="40000"/>
+        <a:alpha val="90000"/>
+      </a:schemeClr>
+      <a:schemeClr val="accent6">
+        <a:tint val="40000"/>
+        <a:alpha val="90000"/>
+      </a:schemeClr>
+    </dgm:fillClrLst>
+    <dgm:linClrLst>
+      <a:schemeClr val="accent5">
+        <a:tint val="40000"/>
+        <a:alpha val="90000"/>
+      </a:schemeClr>
+      <a:schemeClr val="accent5">
+        <a:tint val="40000"/>
+        <a:alpha val="90000"/>
+      </a:schemeClr>
+    </dgm:linClrLst>
+    <dgm:effectClrLst/>
+    <dgm:txLinClrLst/>
+    <dgm:txFillClrLst meth="repeat">
+      <a:schemeClr val="dk1"/>
+    </dgm:txFillClrLst>
+    <dgm:txEffectClrLst/>
+  </dgm:styleLbl>
+  <dgm:styleLbl name="alignAccFollowNode1">
+    <dgm:fillClrLst>
+      <a:schemeClr val="accent5">
+        <a:tint val="40000"/>
+        <a:alpha val="90000"/>
+      </a:schemeClr>
+      <a:schemeClr val="accent6">
+        <a:tint val="40000"/>
+        <a:alpha val="90000"/>
+      </a:schemeClr>
+    </dgm:fillClrLst>
+    <dgm:linClrLst>
+      <a:schemeClr val="accent5">
+        <a:tint val="40000"/>
+        <a:alpha val="90000"/>
+      </a:schemeClr>
+      <a:schemeClr val="accent6">
+        <a:tint val="40000"/>
+        <a:alpha val="90000"/>
+      </a:schemeClr>
+    </dgm:linClrLst>
+    <dgm:effectClrLst/>
+    <dgm:txLinClrLst/>
+    <dgm:txFillClrLst meth="repeat">
+      <a:schemeClr val="dk1"/>
+    </dgm:txFillClrLst>
+    <dgm:txEffectClrLst/>
+  </dgm:styleLbl>
+  <dgm:styleLbl name="bgAccFollowNode1">
+    <dgm:fillClrLst>
+      <a:schemeClr val="accent5">
+        <a:tint val="40000"/>
+        <a:alpha val="90000"/>
+      </a:schemeClr>
+      <a:schemeClr val="accent6">
+        <a:tint val="40000"/>
+        <a:alpha val="90000"/>
+      </a:schemeClr>
+    </dgm:fillClrLst>
+    <dgm:linClrLst>
+      <a:schemeClr val="accent5">
+        <a:tint val="40000"/>
+        <a:alpha val="90000"/>
+      </a:schemeClr>
+      <a:schemeClr val="accent6">
+        <a:tint val="40000"/>
+        <a:alpha val="90000"/>
+      </a:schemeClr>
+    </dgm:linClrLst>
+    <dgm:effectClrLst/>
+    <dgm:txLinClrLst/>
+    <dgm:txFillClrLst meth="repeat">
+      <a:schemeClr val="dk1"/>
+    </dgm:txFillClrLst>
+    <dgm:txEffectClrLst/>
+  </dgm:styleLbl>
+  <dgm:styleLbl name="fgAcc0">
+    <dgm:fillClrLst meth="repeat">
+      <a:schemeClr val="lt1">
+        <a:alpha val="90000"/>
+      </a:schemeClr>
+    </dgm:fillClrLst>
+    <dgm:linClrLst>
+      <a:schemeClr val="accent4"/>
+    </dgm:linClrLst>
+    <dgm:effectClrLst/>
+    <dgm:txLinClrLst/>
+    <dgm:txFillClrLst meth="repeat">
+      <a:schemeClr val="dk1"/>
+    </dgm:txFillClrLst>
+    <dgm:txEffectClrLst/>
+  </dgm:styleLbl>
+  <dgm:styleLbl name="fgAcc2">
+    <dgm:fillClrLst meth="repeat">
+      <a:schemeClr val="lt1">
+        <a:alpha val="90000"/>
+      </a:schemeClr>
+    </dgm:fillClrLst>
+    <dgm:linClrLst>
+      <a:schemeClr val="accent6"/>
+    </dgm:linClrLst>
+    <dgm:effectClrLst/>
+    <dgm:txLinClrLst/>
+    <dgm:txFillClrLst meth="repeat">
+      <a:schemeClr val="dk1"/>
+    </dgm:txFillClrLst>
+    <dgm:txEffectClrLst/>
+  </dgm:styleLbl>
+  <dgm:styleLbl name="fgAcc3">
+    <dgm:fillClrLst meth="repeat">
+      <a:schemeClr val="lt1">
+        <a:alpha val="90000"/>
+      </a:schemeClr>
+    </dgm:fillClrLst>
+    <dgm:linClrLst>
+      <a:schemeClr val="accent1"/>
+    </dgm:linClrLst>
+    <dgm:effectClrLst/>
+    <dgm:txLinClrLst/>
+    <dgm:txFillClrLst meth="repeat">
+      <a:schemeClr val="dk1"/>
+    </dgm:txFillClrLst>
+    <dgm:txEffectClrLst/>
+  </dgm:styleLbl>
+  <dgm:styleLbl name="fgAcc4">
+    <dgm:fillClrLst meth="repeat">
+      <a:schemeClr val="lt1">
+        <a:alpha val="90000"/>
+      </a:schemeClr>
+    </dgm:fillClrLst>
+    <dgm:linClrLst>
+      <a:schemeClr val="accent2"/>
+    </dgm:linClrLst>
+    <dgm:effectClrLst/>
+    <dgm:txLinClrLst/>
+    <dgm:txFillClrLst meth="repeat">
+      <a:schemeClr val="dk1"/>
+    </dgm:txFillClrLst>
+    <dgm:txEffectClrLst/>
+  </dgm:styleLbl>
+  <dgm:styleLbl name="bgShp">
+    <dgm:fillClrLst meth="repeat">
+      <a:schemeClr val="accent5">
+        <a:tint val="40000"/>
+      </a:schemeClr>
+    </dgm:fillClrLst>
+    <dgm:linClrLst meth="repeat">
+      <a:schemeClr val="dk1"/>
+    </dgm:linClrLst>
+    <dgm:effectClrLst/>
+    <dgm:txLinClrLst/>
+    <dgm:txFillClrLst meth="repeat">
+      <a:schemeClr val="dk1"/>
+    </dgm:txFillClrLst>
+    <dgm:txEffectClrLst/>
+  </dgm:styleLbl>
+  <dgm:styleLbl name="dkBgShp">
+    <dgm:fillClrLst meth="repeat">
+      <a:schemeClr val="accent5">
+        <a:shade val="90000"/>
+      </a:schemeClr>
+    </dgm:fillClrLst>
+    <dgm:linClrLst meth="repeat">
+      <a:schemeClr val="dk1"/>
+    </dgm:linClrLst>
+    <dgm:effectClrLst/>
+    <dgm:txLinClrLst/>
+    <dgm:txFillClrLst meth="repeat">
+      <a:schemeClr val="lt1"/>
+    </dgm:txFillClrLst>
+    <dgm:txEffectClrLst/>
+  </dgm:styleLbl>
+  <dgm:styleLbl name="trBgShp">
+    <dgm:fillClrLst meth="repeat">
+      <a:schemeClr val="accent5">
+        <a:tint val="50000"/>
+        <a:alpha val="40000"/>
+      </a:schemeClr>
+    </dgm:fillClrLst>
+    <dgm:linClrLst meth="repeat">
+      <a:schemeClr val="accent5"/>
+    </dgm:linClrLst>
+    <dgm:effectClrLst/>
+    <dgm:txLinClrLst/>
+    <dgm:txFillClrLst meth="repeat">
+      <a:schemeClr val="lt1"/>
+    </dgm:txFillClrLst>
+    <dgm:txEffectClrLst/>
+  </dgm:styleLbl>
+  <dgm:styleLbl name="fgShp">
+    <dgm:fillClrLst meth="repeat">
+      <a:schemeClr val="accent5">
+        <a:tint val="40000"/>
+      </a:schemeClr>
+    </dgm:fillClrLst>
+    <dgm:linClrLst meth="repeat">
+      <a:schemeClr val="lt1"/>
+    </dgm:linClrLst>
+    <dgm:effectClrLst/>
+    <dgm:txLinClrLst/>
+    <dgm:txFillClrLst meth="repeat">
+      <a:schemeClr val="dk1"/>
+    </dgm:txFillClrLst>
+    <dgm:txEffectClrLst/>
+  </dgm:styleLbl>
+  <dgm:styleLbl name="revTx">
+    <dgm:fillClrLst meth="repeat">
+      <a:schemeClr val="lt1">
+        <a:alpha val="0"/>
+      </a:schemeClr>
+    </dgm:fillClrLst>
+    <dgm:linClrLst meth="repeat">
+      <a:schemeClr val="dk1">
+        <a:alpha val="0"/>
+      </a:schemeClr>
+    </dgm:linClrLst>
+    <dgm:effectClrLst/>
+    <dgm:txLinClrLst/>
+    <dgm:txFillClrLst meth="repeat">
+      <a:schemeClr val="tx1"/>
+    </dgm:txFillClrLst>
+    <dgm:txEffectClrLst/>
+  </dgm:styleLbl>
+</dgm:colorsDef>
+</file>
+
+<file path=ppt/diagrams/data1.xml><?xml version="1.0" encoding="utf-8"?>
+<dgm:dataModel xmlns:dgm="http://schemas.openxmlformats.org/drawingml/2006/diagram" xmlns:a="http://schemas.openxmlformats.org/drawingml/2006/main">
+  <dgm:ptLst>
+    <dgm:pt modelId="{326933D4-BF8D-400A-9380-E1B23D04BFA2}" type="doc">
+      <dgm:prSet loTypeId="urn:microsoft.com/office/officeart/2005/8/layout/chevron2" loCatId="process" qsTypeId="urn:microsoft.com/office/officeart/2005/8/quickstyle/simple1" qsCatId="simple" csTypeId="urn:microsoft.com/office/officeart/2005/8/colors/colorful5" csCatId="colorful" phldr="1"/>
+      <dgm:spPr/>
+      <dgm:t>
+        <a:bodyPr/>
+        <a:lstStyle/>
+        <a:p>
+          <a:endParaRPr lang="en-US"/>
+        </a:p>
+      </dgm:t>
+    </dgm:pt>
+    <dgm:pt modelId="{7C4F285A-31FF-4A20-86EF-659530839A2B}">
+      <dgm:prSet phldrT="[Text]" custT="1"/>
+      <dgm:spPr/>
+      <dgm:t>
+        <a:bodyPr/>
+        <a:lstStyle/>
+        <a:p>
+          <a:r>
+            <a:rPr lang="en-US" sz="3600" dirty="0">
+              <a:latin typeface="Arial" panose="020B0604020202020204" pitchFamily="34" charset="0"/>
+              <a:cs typeface="Arial" panose="020B0604020202020204" pitchFamily="34" charset="0"/>
+            </a:rPr>
+            <a:t>Phase 1</a:t>
+          </a:r>
+        </a:p>
+      </dgm:t>
+    </dgm:pt>
+    <dgm:pt modelId="{2032A9BC-B47F-4668-BF7D-EAB67D32BED2}" type="parTrans" cxnId="{22F74170-6C36-40CA-92A4-FB165E5DDBF9}">
+      <dgm:prSet/>
+      <dgm:spPr/>
+      <dgm:t>
+        <a:bodyPr/>
+        <a:lstStyle/>
+        <a:p>
+          <a:endParaRPr lang="en-US"/>
+        </a:p>
+      </dgm:t>
+    </dgm:pt>
+    <dgm:pt modelId="{A6CE1C43-6E92-43EE-B34F-05DBC918DD6F}" type="sibTrans" cxnId="{22F74170-6C36-40CA-92A4-FB165E5DDBF9}">
+      <dgm:prSet/>
+      <dgm:spPr/>
+      <dgm:t>
+        <a:bodyPr/>
+        <a:lstStyle/>
+        <a:p>
+          <a:endParaRPr lang="en-US"/>
+        </a:p>
+      </dgm:t>
+    </dgm:pt>
+    <dgm:pt modelId="{506AC832-48FF-47AC-A1BE-6E4F58CEC5C0}">
+      <dgm:prSet phldrT="[Text]" custT="1"/>
+      <dgm:spPr/>
+      <dgm:t>
+        <a:bodyPr/>
+        <a:lstStyle/>
+        <a:p>
+          <a:r>
+            <a:rPr lang="en-US" sz="3600" dirty="0">
+              <a:latin typeface="Arial" panose="020B0604020202020204" pitchFamily="34" charset="0"/>
+              <a:cs typeface="Arial" panose="020B0604020202020204" pitchFamily="34" charset="0"/>
+            </a:rPr>
+            <a:t>Development</a:t>
+          </a:r>
+        </a:p>
+      </dgm:t>
+    </dgm:pt>
+    <dgm:pt modelId="{8E20EA55-7F85-4EAE-8D0D-37864CA0BFF4}" type="parTrans" cxnId="{8F620B80-D5BC-47F5-9DCE-5F92B69EFF70}">
+      <dgm:prSet/>
+      <dgm:spPr/>
+      <dgm:t>
+        <a:bodyPr/>
+        <a:lstStyle/>
+        <a:p>
+          <a:endParaRPr lang="en-US"/>
+        </a:p>
+      </dgm:t>
+    </dgm:pt>
+    <dgm:pt modelId="{315F4BBA-8167-4EB0-A9DD-52D3E1B45730}" type="sibTrans" cxnId="{8F620B80-D5BC-47F5-9DCE-5F92B69EFF70}">
+      <dgm:prSet/>
+      <dgm:spPr/>
+      <dgm:t>
+        <a:bodyPr/>
+        <a:lstStyle/>
+        <a:p>
+          <a:endParaRPr lang="en-US"/>
+        </a:p>
+      </dgm:t>
+    </dgm:pt>
+    <dgm:pt modelId="{2653AF4E-38DC-4FE5-8A11-A52B7F6F32DC}">
+      <dgm:prSet phldrT="[Text]" custT="1"/>
+      <dgm:spPr/>
+      <dgm:t>
+        <a:bodyPr/>
+        <a:lstStyle/>
+        <a:p>
+          <a:r>
+            <a:rPr lang="en-US" sz="3600" dirty="0">
+              <a:latin typeface="Arial" panose="020B0604020202020204" pitchFamily="34" charset="0"/>
+              <a:cs typeface="Arial" panose="020B0604020202020204" pitchFamily="34" charset="0"/>
+            </a:rPr>
+            <a:t>Phase 2</a:t>
+          </a:r>
+        </a:p>
+      </dgm:t>
+    </dgm:pt>
+    <dgm:pt modelId="{08C57E07-4DDE-4B1A-ADCA-39CA038382AB}" type="parTrans" cxnId="{D4FCE240-FA70-45EC-80A0-C053F3AA5163}">
+      <dgm:prSet/>
+      <dgm:spPr/>
+      <dgm:t>
+        <a:bodyPr/>
+        <a:lstStyle/>
+        <a:p>
+          <a:endParaRPr lang="en-US"/>
+        </a:p>
+      </dgm:t>
+    </dgm:pt>
+    <dgm:pt modelId="{3D19DAC5-4F90-4211-AE36-EECF302A381F}" type="sibTrans" cxnId="{D4FCE240-FA70-45EC-80A0-C053F3AA5163}">
+      <dgm:prSet/>
+      <dgm:spPr/>
+      <dgm:t>
+        <a:bodyPr/>
+        <a:lstStyle/>
+        <a:p>
+          <a:endParaRPr lang="en-US"/>
+        </a:p>
+      </dgm:t>
+    </dgm:pt>
+    <dgm:pt modelId="{091C139F-8918-4E75-BE68-3ED33DDD6B5A}">
+      <dgm:prSet phldrT="[Text]" custT="1"/>
+      <dgm:spPr/>
+      <dgm:t>
+        <a:bodyPr/>
+        <a:lstStyle/>
+        <a:p>
+          <a:r>
+            <a:rPr lang="en-US" sz="3600" dirty="0">
+              <a:latin typeface="Arial" panose="020B0604020202020204" pitchFamily="34" charset="0"/>
+              <a:cs typeface="Arial" panose="020B0604020202020204" pitchFamily="34" charset="0"/>
+            </a:rPr>
+            <a:t>Testing</a:t>
+          </a:r>
+        </a:p>
+      </dgm:t>
+    </dgm:pt>
+    <dgm:pt modelId="{B4270A1E-58F7-4CCE-8412-10B820F22C66}" type="parTrans" cxnId="{ABEB0A02-C61A-47C0-B81B-277EA614A948}">
+      <dgm:prSet/>
+      <dgm:spPr/>
+      <dgm:t>
+        <a:bodyPr/>
+        <a:lstStyle/>
+        <a:p>
+          <a:endParaRPr lang="en-US"/>
+        </a:p>
+      </dgm:t>
+    </dgm:pt>
+    <dgm:pt modelId="{EB67DD3C-EEB0-41F7-9C69-3DAF4A05CB19}" type="sibTrans" cxnId="{ABEB0A02-C61A-47C0-B81B-277EA614A948}">
+      <dgm:prSet/>
+      <dgm:spPr/>
+      <dgm:t>
+        <a:bodyPr/>
+        <a:lstStyle/>
+        <a:p>
+          <a:endParaRPr lang="en-US"/>
+        </a:p>
+      </dgm:t>
+    </dgm:pt>
+    <dgm:pt modelId="{CF7D55CC-FFEB-457B-9DAF-E5493E22DED3}">
+      <dgm:prSet phldrT="[Text]" custT="1"/>
+      <dgm:spPr/>
+      <dgm:t>
+        <a:bodyPr/>
+        <a:lstStyle/>
+        <a:p>
+          <a:r>
+            <a:rPr lang="en-US" sz="3600" dirty="0">
+              <a:latin typeface="Arial" panose="020B0604020202020204" pitchFamily="34" charset="0"/>
+              <a:cs typeface="Arial" panose="020B0604020202020204" pitchFamily="34" charset="0"/>
+            </a:rPr>
+            <a:t>Phase 3</a:t>
+          </a:r>
+        </a:p>
+      </dgm:t>
+    </dgm:pt>
+    <dgm:pt modelId="{06A6C756-F68A-441A-BDEE-437C4974D1DD}" type="parTrans" cxnId="{D6006773-8A08-4D87-87EA-960735F25EC1}">
+      <dgm:prSet/>
+      <dgm:spPr/>
+      <dgm:t>
+        <a:bodyPr/>
+        <a:lstStyle/>
+        <a:p>
+          <a:endParaRPr lang="en-US"/>
+        </a:p>
+      </dgm:t>
+    </dgm:pt>
+    <dgm:pt modelId="{186D7217-4EC9-4BDC-B975-B77BAB0330F2}" type="sibTrans" cxnId="{D6006773-8A08-4D87-87EA-960735F25EC1}">
+      <dgm:prSet/>
+      <dgm:spPr/>
+      <dgm:t>
+        <a:bodyPr/>
+        <a:lstStyle/>
+        <a:p>
+          <a:endParaRPr lang="en-US"/>
+        </a:p>
+      </dgm:t>
+    </dgm:pt>
+    <dgm:pt modelId="{C2144E31-FAA4-45F3-A8AD-A4BA0574CC44}">
+      <dgm:prSet phldrT="[Text]" custT="1"/>
+      <dgm:spPr/>
+      <dgm:t>
+        <a:bodyPr/>
+        <a:lstStyle/>
+        <a:p>
+          <a:r>
+            <a:rPr lang="en-US" sz="3600" dirty="0">
+              <a:latin typeface="Arial" panose="020B0604020202020204" pitchFamily="34" charset="0"/>
+              <a:cs typeface="Arial" panose="020B0604020202020204" pitchFamily="34" charset="0"/>
+            </a:rPr>
+            <a:t>Integration</a:t>
+          </a:r>
+        </a:p>
+      </dgm:t>
+    </dgm:pt>
+    <dgm:pt modelId="{CF0DED5C-6CED-4FA5-BE3D-FC8322ECBDBF}" type="parTrans" cxnId="{E895C86E-FF66-4E19-8BAD-89BE8C388974}">
+      <dgm:prSet/>
+      <dgm:spPr/>
+      <dgm:t>
+        <a:bodyPr/>
+        <a:lstStyle/>
+        <a:p>
+          <a:endParaRPr lang="en-US"/>
+        </a:p>
+      </dgm:t>
+    </dgm:pt>
+    <dgm:pt modelId="{6856DA7A-8D04-4108-BFEA-7A4592C6A184}" type="sibTrans" cxnId="{E895C86E-FF66-4E19-8BAD-89BE8C388974}">
+      <dgm:prSet/>
+      <dgm:spPr/>
+      <dgm:t>
+        <a:bodyPr/>
+        <a:lstStyle/>
+        <a:p>
+          <a:endParaRPr lang="en-US"/>
+        </a:p>
+      </dgm:t>
+    </dgm:pt>
+    <dgm:pt modelId="{1198B60B-E03F-4879-A4F3-0392DDBC4E75}">
+      <dgm:prSet phldrT="[Text]" custT="1"/>
+      <dgm:spPr/>
+      <dgm:t>
+        <a:bodyPr/>
+        <a:lstStyle/>
+        <a:p>
+          <a:r>
+            <a:rPr lang="en-US" sz="3600" dirty="0">
+              <a:latin typeface="Arial" panose="020B0604020202020204" pitchFamily="34" charset="0"/>
+              <a:cs typeface="Arial" panose="020B0604020202020204" pitchFamily="34" charset="0"/>
+            </a:rPr>
+            <a:t>Sensor Integration</a:t>
+          </a:r>
+        </a:p>
+      </dgm:t>
+    </dgm:pt>
+    <dgm:pt modelId="{25135EF1-9A2F-4A39-9C0E-9DE29AF2326B}" type="parTrans" cxnId="{5108FDDB-0458-4C5F-88B1-E0E4AB14AB27}">
+      <dgm:prSet/>
+      <dgm:spPr/>
+      <dgm:t>
+        <a:bodyPr/>
+        <a:lstStyle/>
+        <a:p>
+          <a:endParaRPr lang="en-US"/>
+        </a:p>
+      </dgm:t>
+    </dgm:pt>
+    <dgm:pt modelId="{E7F7A632-D07B-4C92-BA33-915A3AF1B3BB}" type="sibTrans" cxnId="{5108FDDB-0458-4C5F-88B1-E0E4AB14AB27}">
+      <dgm:prSet/>
+      <dgm:spPr/>
+      <dgm:t>
+        <a:bodyPr/>
+        <a:lstStyle/>
+        <a:p>
+          <a:endParaRPr lang="en-US"/>
+        </a:p>
+      </dgm:t>
+    </dgm:pt>
+    <dgm:pt modelId="{6B91897B-3573-4ADB-AD57-1D858C4A3557}">
+      <dgm:prSet phldrT="[Text]" custT="1"/>
+      <dgm:spPr/>
+      <dgm:t>
+        <a:bodyPr/>
+        <a:lstStyle/>
+        <a:p>
+          <a:r>
+            <a:rPr lang="en-US" sz="3600" dirty="0">
+              <a:latin typeface="Arial" panose="020B0604020202020204" pitchFamily="34" charset="0"/>
+              <a:cs typeface="Arial" panose="020B0604020202020204" pitchFamily="34" charset="0"/>
+            </a:rPr>
+            <a:t>Basic testing Environment</a:t>
+          </a:r>
+        </a:p>
+      </dgm:t>
+    </dgm:pt>
+    <dgm:pt modelId="{F4C9C400-5B8A-4850-A7F0-35DFC4AB464C}" type="parTrans" cxnId="{40EEF86C-A81A-4E54-9C1E-9FB4A0B46B5A}">
+      <dgm:prSet/>
+      <dgm:spPr/>
+      <dgm:t>
+        <a:bodyPr/>
+        <a:lstStyle/>
+        <a:p>
+          <a:endParaRPr lang="en-US"/>
+        </a:p>
+      </dgm:t>
+    </dgm:pt>
+    <dgm:pt modelId="{714D275B-E861-43D5-BEEF-08CA477989E8}" type="sibTrans" cxnId="{40EEF86C-A81A-4E54-9C1E-9FB4A0B46B5A}">
+      <dgm:prSet/>
+      <dgm:spPr/>
+      <dgm:t>
+        <a:bodyPr/>
+        <a:lstStyle/>
+        <a:p>
+          <a:endParaRPr lang="en-US"/>
+        </a:p>
+      </dgm:t>
+    </dgm:pt>
+    <dgm:pt modelId="{FC5A45A2-D9B8-4D1A-9A47-BA338CE9E77C}">
+      <dgm:prSet phldrT="[Text]" custT="1"/>
+      <dgm:spPr/>
+      <dgm:t>
+        <a:bodyPr/>
+        <a:lstStyle/>
+        <a:p>
+          <a:r>
+            <a:rPr lang="en-US" sz="3600" dirty="0">
+              <a:latin typeface="Arial" panose="020B0604020202020204" pitchFamily="34" charset="0"/>
+              <a:cs typeface="Arial" panose="020B0604020202020204" pitchFamily="34" charset="0"/>
+            </a:rPr>
+            <a:t>Proximity Detection</a:t>
+          </a:r>
+        </a:p>
+      </dgm:t>
+    </dgm:pt>
+    <dgm:pt modelId="{E5D71A20-8DC1-44A5-A57A-8A3B55F9997F}" type="parTrans" cxnId="{91715B5A-6785-4CF6-AC3A-16CB72A2A3D0}">
+      <dgm:prSet/>
+      <dgm:spPr/>
+      <dgm:t>
+        <a:bodyPr/>
+        <a:lstStyle/>
+        <a:p>
+          <a:endParaRPr lang="en-US"/>
+        </a:p>
+      </dgm:t>
+    </dgm:pt>
+    <dgm:pt modelId="{EEC8114B-3A59-4BA1-9E0A-4778FE83DD58}" type="sibTrans" cxnId="{91715B5A-6785-4CF6-AC3A-16CB72A2A3D0}">
+      <dgm:prSet/>
+      <dgm:spPr/>
+      <dgm:t>
+        <a:bodyPr/>
+        <a:lstStyle/>
+        <a:p>
+          <a:endParaRPr lang="en-US"/>
+        </a:p>
+      </dgm:t>
+    </dgm:pt>
+    <dgm:pt modelId="{90159098-63BB-4FA3-A53D-9F45FF5B8B12}">
+      <dgm:prSet phldrT="[Text]" custT="1"/>
+      <dgm:spPr/>
+      <dgm:t>
+        <a:bodyPr/>
+        <a:lstStyle/>
+        <a:p>
+          <a:r>
+            <a:rPr lang="en-US" sz="3600" dirty="0">
+              <a:latin typeface="Arial" panose="020B0604020202020204" pitchFamily="34" charset="0"/>
+              <a:cs typeface="Arial" panose="020B0604020202020204" pitchFamily="34" charset="0"/>
+            </a:rPr>
+            <a:t>Safety Zone Validation</a:t>
+          </a:r>
+        </a:p>
+      </dgm:t>
+    </dgm:pt>
+    <dgm:pt modelId="{8F3EF0A3-D312-4847-9CCF-BA6E6AB653C1}" type="parTrans" cxnId="{F2473073-C756-4A40-BBF7-2EAE5EFBCEFD}">
+      <dgm:prSet/>
+      <dgm:spPr/>
+      <dgm:t>
+        <a:bodyPr/>
+        <a:lstStyle/>
+        <a:p>
+          <a:endParaRPr lang="en-US"/>
+        </a:p>
+      </dgm:t>
+    </dgm:pt>
+    <dgm:pt modelId="{81ADA357-DA65-4802-9F97-A042726BDC69}" type="sibTrans" cxnId="{F2473073-C756-4A40-BBF7-2EAE5EFBCEFD}">
+      <dgm:prSet/>
+      <dgm:spPr/>
+      <dgm:t>
+        <a:bodyPr/>
+        <a:lstStyle/>
+        <a:p>
+          <a:endParaRPr lang="en-US"/>
+        </a:p>
+      </dgm:t>
+    </dgm:pt>
+    <dgm:pt modelId="{72791001-CDA9-4D5E-8B06-6F99BD1A8E39}">
+      <dgm:prSet phldrT="[Text]" custT="1"/>
+      <dgm:spPr/>
+      <dgm:t>
+        <a:bodyPr/>
+        <a:lstStyle/>
+        <a:p>
+          <a:r>
+            <a:rPr lang="en-US" sz="3600" dirty="0">
+              <a:latin typeface="Arial" panose="020B0604020202020204" pitchFamily="34" charset="0"/>
+              <a:cs typeface="Arial" panose="020B0604020202020204" pitchFamily="34" charset="0"/>
+            </a:rPr>
+            <a:t>Full System Assembly</a:t>
+          </a:r>
+        </a:p>
+      </dgm:t>
+    </dgm:pt>
+    <dgm:pt modelId="{8D5B03AD-7181-4B44-820D-95746619824C}" type="parTrans" cxnId="{491F846D-6FAD-459E-BD27-1311F175068D}">
+      <dgm:prSet/>
+      <dgm:spPr/>
+      <dgm:t>
+        <a:bodyPr/>
+        <a:lstStyle/>
+        <a:p>
+          <a:endParaRPr lang="en-US"/>
+        </a:p>
+      </dgm:t>
+    </dgm:pt>
+    <dgm:pt modelId="{6320CF75-3C43-4A67-B77F-379C9EE706BD}" type="sibTrans" cxnId="{491F846D-6FAD-459E-BD27-1311F175068D}">
+      <dgm:prSet/>
+      <dgm:spPr/>
+      <dgm:t>
+        <a:bodyPr/>
+        <a:lstStyle/>
+        <a:p>
+          <a:endParaRPr lang="en-US"/>
+        </a:p>
+      </dgm:t>
+    </dgm:pt>
+    <dgm:pt modelId="{10554F36-FC5B-4548-BCC3-63AACF4CF775}">
+      <dgm:prSet phldrT="[Text]" custT="1"/>
+      <dgm:spPr/>
+      <dgm:t>
+        <a:bodyPr/>
+        <a:lstStyle/>
+        <a:p>
+          <a:r>
+            <a:rPr lang="en-US" sz="3600" dirty="0">
+              <a:latin typeface="Arial" panose="020B0604020202020204" pitchFamily="34" charset="0"/>
+              <a:cs typeface="Arial" panose="020B0604020202020204" pitchFamily="34" charset="0"/>
+            </a:rPr>
+            <a:t>Performance Validation</a:t>
+          </a:r>
+        </a:p>
+      </dgm:t>
+    </dgm:pt>
+    <dgm:pt modelId="{41B5C8C1-7FCE-4E74-8187-FFDCDA3DC847}" type="parTrans" cxnId="{3219361F-5375-446D-B61A-56F66D3CBC74}">
+      <dgm:prSet/>
+      <dgm:spPr/>
+      <dgm:t>
+        <a:bodyPr/>
+        <a:lstStyle/>
+        <a:p>
+          <a:endParaRPr lang="en-US"/>
+        </a:p>
+      </dgm:t>
+    </dgm:pt>
+    <dgm:pt modelId="{23E3C08D-7E07-42D7-B38C-D4AE1F847E73}" type="sibTrans" cxnId="{3219361F-5375-446D-B61A-56F66D3CBC74}">
+      <dgm:prSet/>
+      <dgm:spPr/>
+      <dgm:t>
+        <a:bodyPr/>
+        <a:lstStyle/>
+        <a:p>
+          <a:endParaRPr lang="en-US"/>
+        </a:p>
+      </dgm:t>
+    </dgm:pt>
+    <dgm:pt modelId="{493E919F-764C-4252-8440-869103FBBA98}" type="pres">
+      <dgm:prSet presAssocID="{326933D4-BF8D-400A-9380-E1B23D04BFA2}" presName="linearFlow" presStyleCnt="0">
+        <dgm:presLayoutVars>
+          <dgm:dir/>
+          <dgm:animLvl val="lvl"/>
+          <dgm:resizeHandles val="exact"/>
+        </dgm:presLayoutVars>
+      </dgm:prSet>
+      <dgm:spPr/>
+    </dgm:pt>
+    <dgm:pt modelId="{28195233-8149-4E06-86B9-5B9A6322BBDA}" type="pres">
+      <dgm:prSet presAssocID="{7C4F285A-31FF-4A20-86EF-659530839A2B}" presName="composite" presStyleCnt="0"/>
+      <dgm:spPr/>
+    </dgm:pt>
+    <dgm:pt modelId="{7D3439AF-6FA7-4543-95B5-071FCFA47F44}" type="pres">
+      <dgm:prSet presAssocID="{7C4F285A-31FF-4A20-86EF-659530839A2B}" presName="parentText" presStyleLbl="alignNode1" presStyleIdx="0" presStyleCnt="3">
+        <dgm:presLayoutVars>
+          <dgm:chMax val="1"/>
+          <dgm:bulletEnabled val="1"/>
+        </dgm:presLayoutVars>
+      </dgm:prSet>
+      <dgm:spPr/>
+    </dgm:pt>
+    <dgm:pt modelId="{C2A3B7FB-C61F-4766-8C4C-B7C4460088D6}" type="pres">
+      <dgm:prSet presAssocID="{7C4F285A-31FF-4A20-86EF-659530839A2B}" presName="descendantText" presStyleLbl="alignAcc1" presStyleIdx="0" presStyleCnt="3" custLinFactNeighborX="27088" custLinFactNeighborY="-45942">
+        <dgm:presLayoutVars>
+          <dgm:bulletEnabled val="1"/>
+        </dgm:presLayoutVars>
+      </dgm:prSet>
+      <dgm:spPr/>
+    </dgm:pt>
+    <dgm:pt modelId="{744C2056-19EF-49B4-BBA1-16C978220FC7}" type="pres">
+      <dgm:prSet presAssocID="{A6CE1C43-6E92-43EE-B34F-05DBC918DD6F}" presName="sp" presStyleCnt="0"/>
+      <dgm:spPr/>
+    </dgm:pt>
+    <dgm:pt modelId="{6076C1FD-444E-45A9-8B18-1454DEADCB74}" type="pres">
+      <dgm:prSet presAssocID="{2653AF4E-38DC-4FE5-8A11-A52B7F6F32DC}" presName="composite" presStyleCnt="0"/>
+      <dgm:spPr/>
+    </dgm:pt>
+    <dgm:pt modelId="{5661D581-7687-4E27-8B15-D81D9918976E}" type="pres">
+      <dgm:prSet presAssocID="{2653AF4E-38DC-4FE5-8A11-A52B7F6F32DC}" presName="parentText" presStyleLbl="alignNode1" presStyleIdx="1" presStyleCnt="3">
+        <dgm:presLayoutVars>
+          <dgm:chMax val="1"/>
+          <dgm:bulletEnabled val="1"/>
+        </dgm:presLayoutVars>
+      </dgm:prSet>
+      <dgm:spPr/>
+    </dgm:pt>
+    <dgm:pt modelId="{0A95C880-5784-46F1-9EB1-E9A093390E9D}" type="pres">
+      <dgm:prSet presAssocID="{2653AF4E-38DC-4FE5-8A11-A52B7F6F32DC}" presName="descendantText" presStyleLbl="alignAcc1" presStyleIdx="1" presStyleCnt="3">
+        <dgm:presLayoutVars>
+          <dgm:bulletEnabled val="1"/>
+        </dgm:presLayoutVars>
+      </dgm:prSet>
+      <dgm:spPr/>
+    </dgm:pt>
+    <dgm:pt modelId="{418DFCC4-6549-4C8D-93C2-ACF6288E9A80}" type="pres">
+      <dgm:prSet presAssocID="{3D19DAC5-4F90-4211-AE36-EECF302A381F}" presName="sp" presStyleCnt="0"/>
+      <dgm:spPr/>
+    </dgm:pt>
+    <dgm:pt modelId="{C4CE0B11-085C-4CDD-8D76-482FA44B6AB5}" type="pres">
+      <dgm:prSet presAssocID="{CF7D55CC-FFEB-457B-9DAF-E5493E22DED3}" presName="composite" presStyleCnt="0"/>
+      <dgm:spPr/>
+    </dgm:pt>
+    <dgm:pt modelId="{A6E2B7A8-BCF8-4954-9DF7-F12F80F45AE5}" type="pres">
+      <dgm:prSet presAssocID="{CF7D55CC-FFEB-457B-9DAF-E5493E22DED3}" presName="parentText" presStyleLbl="alignNode1" presStyleIdx="2" presStyleCnt="3">
+        <dgm:presLayoutVars>
+          <dgm:chMax val="1"/>
+          <dgm:bulletEnabled val="1"/>
+        </dgm:presLayoutVars>
+      </dgm:prSet>
+      <dgm:spPr/>
+    </dgm:pt>
+    <dgm:pt modelId="{81A17F33-DFC3-4D91-B670-687AF742B690}" type="pres">
+      <dgm:prSet presAssocID="{CF7D55CC-FFEB-457B-9DAF-E5493E22DED3}" presName="descendantText" presStyleLbl="alignAcc1" presStyleIdx="2" presStyleCnt="3">
+        <dgm:presLayoutVars>
+          <dgm:bulletEnabled val="1"/>
+        </dgm:presLayoutVars>
+      </dgm:prSet>
+      <dgm:spPr/>
+    </dgm:pt>
+  </dgm:ptLst>
+  <dgm:cxnLst>
+    <dgm:cxn modelId="{ABEB0A02-C61A-47C0-B81B-277EA614A948}" srcId="{2653AF4E-38DC-4FE5-8A11-A52B7F6F32DC}" destId="{091C139F-8918-4E75-BE68-3ED33DDD6B5A}" srcOrd="0" destOrd="0" parTransId="{B4270A1E-58F7-4CCE-8412-10B820F22C66}" sibTransId="{EB67DD3C-EEB0-41F7-9C69-3DAF4A05CB19}"/>
+    <dgm:cxn modelId="{D003D40A-9704-4A71-BFC6-AB52445D7B94}" type="presOf" srcId="{1198B60B-E03F-4879-A4F3-0392DDBC4E75}" destId="{C2A3B7FB-C61F-4766-8C4C-B7C4460088D6}" srcOrd="0" destOrd="1" presId="urn:microsoft.com/office/officeart/2005/8/layout/chevron2"/>
+    <dgm:cxn modelId="{40FA4714-1ADF-4898-9A84-0288A5A8C1A6}" type="presOf" srcId="{2653AF4E-38DC-4FE5-8A11-A52B7F6F32DC}" destId="{5661D581-7687-4E27-8B15-D81D9918976E}" srcOrd="0" destOrd="0" presId="urn:microsoft.com/office/officeart/2005/8/layout/chevron2"/>
+    <dgm:cxn modelId="{6BEA9A16-0691-4A1A-AD77-AC581DD5A739}" type="presOf" srcId="{10554F36-FC5B-4548-BCC3-63AACF4CF775}" destId="{81A17F33-DFC3-4D91-B670-687AF742B690}" srcOrd="0" destOrd="2" presId="urn:microsoft.com/office/officeart/2005/8/layout/chevron2"/>
+    <dgm:cxn modelId="{3219361F-5375-446D-B61A-56F66D3CBC74}" srcId="{C2144E31-FAA4-45F3-A8AD-A4BA0574CC44}" destId="{10554F36-FC5B-4548-BCC3-63AACF4CF775}" srcOrd="1" destOrd="0" parTransId="{41B5C8C1-7FCE-4E74-8187-FFDCDA3DC847}" sibTransId="{23E3C08D-7E07-42D7-B38C-D4AE1F847E73}"/>
+    <dgm:cxn modelId="{B28D8630-8952-4C23-BDB1-956F92F95DFE}" type="presOf" srcId="{7C4F285A-31FF-4A20-86EF-659530839A2B}" destId="{7D3439AF-6FA7-4543-95B5-071FCFA47F44}" srcOrd="0" destOrd="0" presId="urn:microsoft.com/office/officeart/2005/8/layout/chevron2"/>
+    <dgm:cxn modelId="{BFA3E130-6109-4BE0-A23A-43B34446339A}" type="presOf" srcId="{326933D4-BF8D-400A-9380-E1B23D04BFA2}" destId="{493E919F-764C-4252-8440-869103FBBA98}" srcOrd="0" destOrd="0" presId="urn:microsoft.com/office/officeart/2005/8/layout/chevron2"/>
+    <dgm:cxn modelId="{AFD21939-2C49-4BC6-8E68-D8ED60D28F66}" type="presOf" srcId="{C2144E31-FAA4-45F3-A8AD-A4BA0574CC44}" destId="{81A17F33-DFC3-4D91-B670-687AF742B690}" srcOrd="0" destOrd="0" presId="urn:microsoft.com/office/officeart/2005/8/layout/chevron2"/>
+    <dgm:cxn modelId="{D4FCE240-FA70-45EC-80A0-C053F3AA5163}" srcId="{326933D4-BF8D-400A-9380-E1B23D04BFA2}" destId="{2653AF4E-38DC-4FE5-8A11-A52B7F6F32DC}" srcOrd="1" destOrd="0" parTransId="{08C57E07-4DDE-4B1A-ADCA-39CA038382AB}" sibTransId="{3D19DAC5-4F90-4211-AE36-EECF302A381F}"/>
+    <dgm:cxn modelId="{9D03935D-DA21-432A-91EA-B8D466F16057}" type="presOf" srcId="{6B91897B-3573-4ADB-AD57-1D858C4A3557}" destId="{C2A3B7FB-C61F-4766-8C4C-B7C4460088D6}" srcOrd="0" destOrd="2" presId="urn:microsoft.com/office/officeart/2005/8/layout/chevron2"/>
+    <dgm:cxn modelId="{183EB760-98EA-4B80-A1CD-DDAF36894DBF}" type="presOf" srcId="{72791001-CDA9-4D5E-8B06-6F99BD1A8E39}" destId="{81A17F33-DFC3-4D91-B670-687AF742B690}" srcOrd="0" destOrd="1" presId="urn:microsoft.com/office/officeart/2005/8/layout/chevron2"/>
+    <dgm:cxn modelId="{40EEF86C-A81A-4E54-9C1E-9FB4A0B46B5A}" srcId="{506AC832-48FF-47AC-A1BE-6E4F58CEC5C0}" destId="{6B91897B-3573-4ADB-AD57-1D858C4A3557}" srcOrd="1" destOrd="0" parTransId="{F4C9C400-5B8A-4850-A7F0-35DFC4AB464C}" sibTransId="{714D275B-E861-43D5-BEEF-08CA477989E8}"/>
+    <dgm:cxn modelId="{491F846D-6FAD-459E-BD27-1311F175068D}" srcId="{C2144E31-FAA4-45F3-A8AD-A4BA0574CC44}" destId="{72791001-CDA9-4D5E-8B06-6F99BD1A8E39}" srcOrd="0" destOrd="0" parTransId="{8D5B03AD-7181-4B44-820D-95746619824C}" sibTransId="{6320CF75-3C43-4A67-B77F-379C9EE706BD}"/>
+    <dgm:cxn modelId="{E895C86E-FF66-4E19-8BAD-89BE8C388974}" srcId="{CF7D55CC-FFEB-457B-9DAF-E5493E22DED3}" destId="{C2144E31-FAA4-45F3-A8AD-A4BA0574CC44}" srcOrd="0" destOrd="0" parTransId="{CF0DED5C-6CED-4FA5-BE3D-FC8322ECBDBF}" sibTransId="{6856DA7A-8D04-4108-BFEA-7A4592C6A184}"/>
+    <dgm:cxn modelId="{22F74170-6C36-40CA-92A4-FB165E5DDBF9}" srcId="{326933D4-BF8D-400A-9380-E1B23D04BFA2}" destId="{7C4F285A-31FF-4A20-86EF-659530839A2B}" srcOrd="0" destOrd="0" parTransId="{2032A9BC-B47F-4668-BF7D-EAB67D32BED2}" sibTransId="{A6CE1C43-6E92-43EE-B34F-05DBC918DD6F}"/>
+    <dgm:cxn modelId="{F2473073-C756-4A40-BBF7-2EAE5EFBCEFD}" srcId="{091C139F-8918-4E75-BE68-3ED33DDD6B5A}" destId="{90159098-63BB-4FA3-A53D-9F45FF5B8B12}" srcOrd="1" destOrd="0" parTransId="{8F3EF0A3-D312-4847-9CCF-BA6E6AB653C1}" sibTransId="{81ADA357-DA65-4802-9F97-A042726BDC69}"/>
+    <dgm:cxn modelId="{D6006773-8A08-4D87-87EA-960735F25EC1}" srcId="{326933D4-BF8D-400A-9380-E1B23D04BFA2}" destId="{CF7D55CC-FFEB-457B-9DAF-E5493E22DED3}" srcOrd="2" destOrd="0" parTransId="{06A6C756-F68A-441A-BDEE-437C4974D1DD}" sibTransId="{186D7217-4EC9-4BDC-B975-B77BAB0330F2}"/>
+    <dgm:cxn modelId="{C3AA9E59-97D4-43C2-A979-7896428ACBE5}" type="presOf" srcId="{CF7D55CC-FFEB-457B-9DAF-E5493E22DED3}" destId="{A6E2B7A8-BCF8-4954-9DF7-F12F80F45AE5}" srcOrd="0" destOrd="0" presId="urn:microsoft.com/office/officeart/2005/8/layout/chevron2"/>
+    <dgm:cxn modelId="{91715B5A-6785-4CF6-AC3A-16CB72A2A3D0}" srcId="{091C139F-8918-4E75-BE68-3ED33DDD6B5A}" destId="{FC5A45A2-D9B8-4D1A-9A47-BA338CE9E77C}" srcOrd="0" destOrd="0" parTransId="{E5D71A20-8DC1-44A5-A57A-8A3B55F9997F}" sibTransId="{EEC8114B-3A59-4BA1-9E0A-4778FE83DD58}"/>
+    <dgm:cxn modelId="{8F620B80-D5BC-47F5-9DCE-5F92B69EFF70}" srcId="{7C4F285A-31FF-4A20-86EF-659530839A2B}" destId="{506AC832-48FF-47AC-A1BE-6E4F58CEC5C0}" srcOrd="0" destOrd="0" parTransId="{8E20EA55-7F85-4EAE-8D0D-37864CA0BFF4}" sibTransId="{315F4BBA-8167-4EB0-A9DD-52D3E1B45730}"/>
+    <dgm:cxn modelId="{07DA0D90-1337-43C4-A26F-296716989598}" type="presOf" srcId="{90159098-63BB-4FA3-A53D-9F45FF5B8B12}" destId="{0A95C880-5784-46F1-9EB1-E9A093390E9D}" srcOrd="0" destOrd="2" presId="urn:microsoft.com/office/officeart/2005/8/layout/chevron2"/>
+    <dgm:cxn modelId="{1E99DB99-D488-4373-B53D-B7489F447A5A}" type="presOf" srcId="{FC5A45A2-D9B8-4D1A-9A47-BA338CE9E77C}" destId="{0A95C880-5784-46F1-9EB1-E9A093390E9D}" srcOrd="0" destOrd="1" presId="urn:microsoft.com/office/officeart/2005/8/layout/chevron2"/>
+    <dgm:cxn modelId="{F7A326BA-16B7-43FD-AF0E-BDE4F5B4AB04}" type="presOf" srcId="{091C139F-8918-4E75-BE68-3ED33DDD6B5A}" destId="{0A95C880-5784-46F1-9EB1-E9A093390E9D}" srcOrd="0" destOrd="0" presId="urn:microsoft.com/office/officeart/2005/8/layout/chevron2"/>
+    <dgm:cxn modelId="{A27104CA-3B9C-4807-B994-3E47F45479D5}" type="presOf" srcId="{506AC832-48FF-47AC-A1BE-6E4F58CEC5C0}" destId="{C2A3B7FB-C61F-4766-8C4C-B7C4460088D6}" srcOrd="0" destOrd="0" presId="urn:microsoft.com/office/officeart/2005/8/layout/chevron2"/>
+    <dgm:cxn modelId="{5108FDDB-0458-4C5F-88B1-E0E4AB14AB27}" srcId="{506AC832-48FF-47AC-A1BE-6E4F58CEC5C0}" destId="{1198B60B-E03F-4879-A4F3-0392DDBC4E75}" srcOrd="0" destOrd="0" parTransId="{25135EF1-9A2F-4A39-9C0E-9DE29AF2326B}" sibTransId="{E7F7A632-D07B-4C92-BA33-915A3AF1B3BB}"/>
+    <dgm:cxn modelId="{4219A543-131A-42C1-85BD-3909119FFFBC}" type="presParOf" srcId="{493E919F-764C-4252-8440-869103FBBA98}" destId="{28195233-8149-4E06-86B9-5B9A6322BBDA}" srcOrd="0" destOrd="0" presId="urn:microsoft.com/office/officeart/2005/8/layout/chevron2"/>
+    <dgm:cxn modelId="{C874548F-F572-428C-A304-C9BAA2BB02D5}" type="presParOf" srcId="{28195233-8149-4E06-86B9-5B9A6322BBDA}" destId="{7D3439AF-6FA7-4543-95B5-071FCFA47F44}" srcOrd="0" destOrd="0" presId="urn:microsoft.com/office/officeart/2005/8/layout/chevron2"/>
+    <dgm:cxn modelId="{DB182EC0-19C8-43C6-A482-FA43DB1F40C9}" type="presParOf" srcId="{28195233-8149-4E06-86B9-5B9A6322BBDA}" destId="{C2A3B7FB-C61F-4766-8C4C-B7C4460088D6}" srcOrd="1" destOrd="0" presId="urn:microsoft.com/office/officeart/2005/8/layout/chevron2"/>
+    <dgm:cxn modelId="{68008ADB-DF2C-43F4-9FA1-6FEFE969F8E7}" type="presParOf" srcId="{493E919F-764C-4252-8440-869103FBBA98}" destId="{744C2056-19EF-49B4-BBA1-16C978220FC7}" srcOrd="1" destOrd="0" presId="urn:microsoft.com/office/officeart/2005/8/layout/chevron2"/>
+    <dgm:cxn modelId="{37AD0278-91FF-43EC-B077-62ADEC46E0F9}" type="presParOf" srcId="{493E919F-764C-4252-8440-869103FBBA98}" destId="{6076C1FD-444E-45A9-8B18-1454DEADCB74}" srcOrd="2" destOrd="0" presId="urn:microsoft.com/office/officeart/2005/8/layout/chevron2"/>
+    <dgm:cxn modelId="{6D7CA1DE-BA31-493A-A0F7-3873A9F6B766}" type="presParOf" srcId="{6076C1FD-444E-45A9-8B18-1454DEADCB74}" destId="{5661D581-7687-4E27-8B15-D81D9918976E}" srcOrd="0" destOrd="0" presId="urn:microsoft.com/office/officeart/2005/8/layout/chevron2"/>
+    <dgm:cxn modelId="{4B72441B-1E74-427F-A6BA-D62CA8F8F19D}" type="presParOf" srcId="{6076C1FD-444E-45A9-8B18-1454DEADCB74}" destId="{0A95C880-5784-46F1-9EB1-E9A093390E9D}" srcOrd="1" destOrd="0" presId="urn:microsoft.com/office/officeart/2005/8/layout/chevron2"/>
+    <dgm:cxn modelId="{F2175534-C7E9-4986-9123-BC1DBBA884FB}" type="presParOf" srcId="{493E919F-764C-4252-8440-869103FBBA98}" destId="{418DFCC4-6549-4C8D-93C2-ACF6288E9A80}" srcOrd="3" destOrd="0" presId="urn:microsoft.com/office/officeart/2005/8/layout/chevron2"/>
+    <dgm:cxn modelId="{D7B3C994-1A33-49C5-9B72-BBFBA1F985DE}" type="presParOf" srcId="{493E919F-764C-4252-8440-869103FBBA98}" destId="{C4CE0B11-085C-4CDD-8D76-482FA44B6AB5}" srcOrd="4" destOrd="0" presId="urn:microsoft.com/office/officeart/2005/8/layout/chevron2"/>
+    <dgm:cxn modelId="{CA84725B-3C54-48C1-94A1-4FE91C62E0BE}" type="presParOf" srcId="{C4CE0B11-085C-4CDD-8D76-482FA44B6AB5}" destId="{A6E2B7A8-BCF8-4954-9DF7-F12F80F45AE5}" srcOrd="0" destOrd="0" presId="urn:microsoft.com/office/officeart/2005/8/layout/chevron2"/>
+    <dgm:cxn modelId="{7A3B1925-870F-4C54-8023-22194CF3BF30}" type="presParOf" srcId="{C4CE0B11-085C-4CDD-8D76-482FA44B6AB5}" destId="{81A17F33-DFC3-4D91-B670-687AF742B690}" srcOrd="1" destOrd="0" presId="urn:microsoft.com/office/officeart/2005/8/layout/chevron2"/>
+  </dgm:cxnLst>
+  <dgm:bg/>
+  <dgm:whole/>
+  <dgm:extLst>
+    <a:ext uri="http://schemas.microsoft.com/office/drawing/2008/diagram">
+      <dsp:dataModelExt xmlns:dsp="http://schemas.microsoft.com/office/drawing/2008/diagram" relId="rId12" minVer="http://schemas.openxmlformats.org/drawingml/2006/diagram"/>
+    </a:ext>
+  </dgm:extLst>
+</dgm:dataModel>
+</file>
+
+<file path=ppt/diagrams/drawing1.xml><?xml version="1.0" encoding="utf-8"?>
+<dsp:drawing xmlns:dgm="http://schemas.openxmlformats.org/drawingml/2006/diagram" xmlns:dsp="http://schemas.microsoft.com/office/drawing/2008/diagram" xmlns:a="http://schemas.openxmlformats.org/drawingml/2006/main">
+  <dsp:spTree>
+    <dsp:nvGrpSpPr>
+      <dsp:cNvPr id="0" name=""/>
+      <dsp:cNvGrpSpPr/>
+    </dsp:nvGrpSpPr>
+    <dsp:grpSpPr/>
+    <dsp:sp modelId="{7D3439AF-6FA7-4543-95B5-071FCFA47F44}">
+      <dsp:nvSpPr>
+        <dsp:cNvPr id="0" name=""/>
+        <dsp:cNvSpPr/>
+      </dsp:nvSpPr>
+      <dsp:spPr>
+        <a:xfrm rot="5400000">
+          <a:off x="-464739" y="465511"/>
+          <a:ext cx="3098264" cy="2168785"/>
+        </a:xfrm>
+        <a:prstGeom prst="chevron">
+          <a:avLst/>
+        </a:prstGeom>
+        <a:solidFill>
+          <a:schemeClr val="accent5">
+            <a:hueOff val="0"/>
+            <a:satOff val="0"/>
+            <a:lumOff val="0"/>
+            <a:alphaOff val="0"/>
+          </a:schemeClr>
+        </a:solidFill>
+        <a:ln w="12700" cap="flat" cmpd="sng" algn="ctr">
+          <a:solidFill>
+            <a:schemeClr val="accent5">
+              <a:hueOff val="0"/>
+              <a:satOff val="0"/>
+              <a:lumOff val="0"/>
+              <a:alphaOff val="0"/>
+            </a:schemeClr>
+          </a:solidFill>
+          <a:prstDash val="solid"/>
+          <a:miter lim="800000"/>
+        </a:ln>
+        <a:effectLst/>
+      </dsp:spPr>
+      <dsp:style>
+        <a:lnRef idx="2">
+          <a:scrgbClr r="0" g="0" b="0"/>
+        </a:lnRef>
+        <a:fillRef idx="1">
+          <a:scrgbClr r="0" g="0" b="0"/>
+        </a:fillRef>
+        <a:effectRef idx="0">
+          <a:scrgbClr r="0" g="0" b="0"/>
+        </a:effectRef>
+        <a:fontRef idx="minor">
+          <a:schemeClr val="lt1"/>
+        </a:fontRef>
+      </dsp:style>
+      <dsp:txBody>
+        <a:bodyPr spcFirstLastPara="0" vert="horz" wrap="square" lIns="22860" tIns="22860" rIns="22860" bIns="22860" numCol="1" spcCol="1270" anchor="ctr" anchorCtr="0">
+          <a:noAutofit/>
+        </a:bodyPr>
+        <a:lstStyle/>
+        <a:p>
+          <a:pPr marL="0" lvl="0" indent="0" algn="ctr" defTabSz="1600200">
+            <a:lnSpc>
+              <a:spcPct val="90000"/>
+            </a:lnSpc>
+            <a:spcBef>
+              <a:spcPct val="0"/>
+            </a:spcBef>
+            <a:spcAft>
+              <a:spcPct val="35000"/>
+            </a:spcAft>
+            <a:buNone/>
+          </a:pPr>
+          <a:r>
+            <a:rPr lang="en-US" sz="3600" kern="1200" dirty="0">
+              <a:latin typeface="Arial" panose="020B0604020202020204" pitchFamily="34" charset="0"/>
+              <a:cs typeface="Arial" panose="020B0604020202020204" pitchFamily="34" charset="0"/>
+            </a:rPr>
+            <a:t>Phase 1</a:t>
+          </a:r>
+        </a:p>
+      </dsp:txBody>
+      <dsp:txXfrm rot="-5400000">
+        <a:off x="1" y="1085165"/>
+        <a:ext cx="2168785" cy="929479"/>
+      </dsp:txXfrm>
+    </dsp:sp>
+    <dsp:sp modelId="{C2A3B7FB-C61F-4766-8C4C-B7C4460088D6}">
+      <dsp:nvSpPr>
+        <dsp:cNvPr id="0" name=""/>
+        <dsp:cNvSpPr/>
+      </dsp:nvSpPr>
+      <dsp:spPr>
+        <a:xfrm rot="5400000">
+          <a:off x="5250906" y="-3082121"/>
+          <a:ext cx="2013871" cy="8178114"/>
+        </a:xfrm>
+        <a:prstGeom prst="round2SameRect">
+          <a:avLst/>
+        </a:prstGeom>
+        <a:solidFill>
+          <a:schemeClr val="lt1">
+            <a:alpha val="90000"/>
+            <a:hueOff val="0"/>
+            <a:satOff val="0"/>
+            <a:lumOff val="0"/>
+            <a:alphaOff val="0"/>
+          </a:schemeClr>
+        </a:solidFill>
+        <a:ln w="12700" cap="flat" cmpd="sng" algn="ctr">
+          <a:solidFill>
+            <a:schemeClr val="accent5">
+              <a:hueOff val="0"/>
+              <a:satOff val="0"/>
+              <a:lumOff val="0"/>
+              <a:alphaOff val="0"/>
+            </a:schemeClr>
+          </a:solidFill>
+          <a:prstDash val="solid"/>
+          <a:miter lim="800000"/>
+        </a:ln>
+        <a:effectLst/>
+      </dsp:spPr>
+      <dsp:style>
+        <a:lnRef idx="2">
+          <a:scrgbClr r="0" g="0" b="0"/>
+        </a:lnRef>
+        <a:fillRef idx="1">
+          <a:scrgbClr r="0" g="0" b="0"/>
+        </a:fillRef>
+        <a:effectRef idx="0">
+          <a:scrgbClr r="0" g="0" b="0"/>
+        </a:effectRef>
+        <a:fontRef idx="minor"/>
+      </dsp:style>
+      <dsp:txBody>
+        <a:bodyPr spcFirstLastPara="0" vert="horz" wrap="square" lIns="256032" tIns="22860" rIns="22860" bIns="22860" numCol="1" spcCol="1270" anchor="ctr" anchorCtr="0">
+          <a:noAutofit/>
+        </a:bodyPr>
+        <a:lstStyle/>
+        <a:p>
+          <a:pPr marL="285750" lvl="1" indent="-285750" algn="l" defTabSz="1600200">
+            <a:lnSpc>
+              <a:spcPct val="90000"/>
+            </a:lnSpc>
+            <a:spcBef>
+              <a:spcPct val="0"/>
+            </a:spcBef>
+            <a:spcAft>
+              <a:spcPct val="15000"/>
+            </a:spcAft>
+            <a:buChar char="•"/>
+          </a:pPr>
+          <a:r>
+            <a:rPr lang="en-US" sz="3600" kern="1200" dirty="0">
+              <a:latin typeface="Arial" panose="020B0604020202020204" pitchFamily="34" charset="0"/>
+              <a:cs typeface="Arial" panose="020B0604020202020204" pitchFamily="34" charset="0"/>
+            </a:rPr>
+            <a:t>Development</a:t>
+          </a:r>
+        </a:p>
+        <a:p>
+          <a:pPr marL="571500" lvl="2" indent="-285750" algn="l" defTabSz="1600200">
+            <a:lnSpc>
+              <a:spcPct val="90000"/>
+            </a:lnSpc>
+            <a:spcBef>
+              <a:spcPct val="0"/>
+            </a:spcBef>
+            <a:spcAft>
+              <a:spcPct val="15000"/>
+            </a:spcAft>
+            <a:buChar char="•"/>
+          </a:pPr>
+          <a:r>
+            <a:rPr lang="en-US" sz="3600" kern="1200" dirty="0">
+              <a:latin typeface="Arial" panose="020B0604020202020204" pitchFamily="34" charset="0"/>
+              <a:cs typeface="Arial" panose="020B0604020202020204" pitchFamily="34" charset="0"/>
+            </a:rPr>
+            <a:t>Sensor Integration</a:t>
+          </a:r>
+        </a:p>
+        <a:p>
+          <a:pPr marL="571500" lvl="2" indent="-285750" algn="l" defTabSz="1600200">
+            <a:lnSpc>
+              <a:spcPct val="90000"/>
+            </a:lnSpc>
+            <a:spcBef>
+              <a:spcPct val="0"/>
+            </a:spcBef>
+            <a:spcAft>
+              <a:spcPct val="15000"/>
+            </a:spcAft>
+            <a:buChar char="•"/>
+          </a:pPr>
+          <a:r>
+            <a:rPr lang="en-US" sz="3600" kern="1200" dirty="0">
+              <a:latin typeface="Arial" panose="020B0604020202020204" pitchFamily="34" charset="0"/>
+              <a:cs typeface="Arial" panose="020B0604020202020204" pitchFamily="34" charset="0"/>
+            </a:rPr>
+            <a:t>Basic testing Environment</a:t>
+          </a:r>
+        </a:p>
+      </dsp:txBody>
+      <dsp:txXfrm rot="-5400000">
+        <a:off x="2168785" y="98309"/>
+        <a:ext cx="8079805" cy="1817253"/>
+      </dsp:txXfrm>
+    </dsp:sp>
+    <dsp:sp modelId="{5661D581-7687-4E27-8B15-D81D9918976E}">
+      <dsp:nvSpPr>
+        <dsp:cNvPr id="0" name=""/>
+        <dsp:cNvSpPr/>
+      </dsp:nvSpPr>
+      <dsp:spPr>
+        <a:xfrm rot="5400000">
+          <a:off x="-464739" y="3377805"/>
+          <a:ext cx="3098264" cy="2168785"/>
+        </a:xfrm>
+        <a:prstGeom prst="chevron">
+          <a:avLst/>
+        </a:prstGeom>
+        <a:solidFill>
+          <a:schemeClr val="accent5">
+            <a:hueOff val="-3379271"/>
+            <a:satOff val="-8710"/>
+            <a:lumOff val="-5883"/>
+            <a:alphaOff val="0"/>
+          </a:schemeClr>
+        </a:solidFill>
+        <a:ln w="12700" cap="flat" cmpd="sng" algn="ctr">
+          <a:solidFill>
+            <a:schemeClr val="accent5">
+              <a:hueOff val="-3379271"/>
+              <a:satOff val="-8710"/>
+              <a:lumOff val="-5883"/>
+              <a:alphaOff val="0"/>
+            </a:schemeClr>
+          </a:solidFill>
+          <a:prstDash val="solid"/>
+          <a:miter lim="800000"/>
+        </a:ln>
+        <a:effectLst/>
+      </dsp:spPr>
+      <dsp:style>
+        <a:lnRef idx="2">
+          <a:scrgbClr r="0" g="0" b="0"/>
+        </a:lnRef>
+        <a:fillRef idx="1">
+          <a:scrgbClr r="0" g="0" b="0"/>
+        </a:fillRef>
+        <a:effectRef idx="0">
+          <a:scrgbClr r="0" g="0" b="0"/>
+        </a:effectRef>
+        <a:fontRef idx="minor">
+          <a:schemeClr val="lt1"/>
+        </a:fontRef>
+      </dsp:style>
+      <dsp:txBody>
+        <a:bodyPr spcFirstLastPara="0" vert="horz" wrap="square" lIns="22860" tIns="22860" rIns="22860" bIns="22860" numCol="1" spcCol="1270" anchor="ctr" anchorCtr="0">
+          <a:noAutofit/>
+        </a:bodyPr>
+        <a:lstStyle/>
+        <a:p>
+          <a:pPr marL="0" lvl="0" indent="0" algn="ctr" defTabSz="1600200">
+            <a:lnSpc>
+              <a:spcPct val="90000"/>
+            </a:lnSpc>
+            <a:spcBef>
+              <a:spcPct val="0"/>
+            </a:spcBef>
+            <a:spcAft>
+              <a:spcPct val="35000"/>
+            </a:spcAft>
+            <a:buNone/>
+          </a:pPr>
+          <a:r>
+            <a:rPr lang="en-US" sz="3600" kern="1200" dirty="0">
+              <a:latin typeface="Arial" panose="020B0604020202020204" pitchFamily="34" charset="0"/>
+              <a:cs typeface="Arial" panose="020B0604020202020204" pitchFamily="34" charset="0"/>
+            </a:rPr>
+            <a:t>Phase 2</a:t>
+          </a:r>
+        </a:p>
+      </dsp:txBody>
+      <dsp:txXfrm rot="-5400000">
+        <a:off x="1" y="3997459"/>
+        <a:ext cx="2168785" cy="929479"/>
+      </dsp:txXfrm>
+    </dsp:sp>
+    <dsp:sp modelId="{0A95C880-5784-46F1-9EB1-E9A093390E9D}">
+      <dsp:nvSpPr>
+        <dsp:cNvPr id="0" name=""/>
+        <dsp:cNvSpPr/>
+      </dsp:nvSpPr>
+      <dsp:spPr>
+        <a:xfrm rot="5400000">
+          <a:off x="5250906" y="-169055"/>
+          <a:ext cx="2013871" cy="8178114"/>
+        </a:xfrm>
+        <a:prstGeom prst="round2SameRect">
+          <a:avLst/>
+        </a:prstGeom>
+        <a:solidFill>
+          <a:schemeClr val="lt1">
+            <a:alpha val="90000"/>
+            <a:hueOff val="0"/>
+            <a:satOff val="0"/>
+            <a:lumOff val="0"/>
+            <a:alphaOff val="0"/>
+          </a:schemeClr>
+        </a:solidFill>
+        <a:ln w="12700" cap="flat" cmpd="sng" algn="ctr">
+          <a:solidFill>
+            <a:schemeClr val="accent5">
+              <a:hueOff val="-3379271"/>
+              <a:satOff val="-8710"/>
+              <a:lumOff val="-5883"/>
+              <a:alphaOff val="0"/>
+            </a:schemeClr>
+          </a:solidFill>
+          <a:prstDash val="solid"/>
+          <a:miter lim="800000"/>
+        </a:ln>
+        <a:effectLst/>
+      </dsp:spPr>
+      <dsp:style>
+        <a:lnRef idx="2">
+          <a:scrgbClr r="0" g="0" b="0"/>
+        </a:lnRef>
+        <a:fillRef idx="1">
+          <a:scrgbClr r="0" g="0" b="0"/>
+        </a:fillRef>
+        <a:effectRef idx="0">
+          <a:scrgbClr r="0" g="0" b="0"/>
+        </a:effectRef>
+        <a:fontRef idx="minor"/>
+      </dsp:style>
+      <dsp:txBody>
+        <a:bodyPr spcFirstLastPara="0" vert="horz" wrap="square" lIns="256032" tIns="22860" rIns="22860" bIns="22860" numCol="1" spcCol="1270" anchor="ctr" anchorCtr="0">
+          <a:noAutofit/>
+        </a:bodyPr>
+        <a:lstStyle/>
+        <a:p>
+          <a:pPr marL="285750" lvl="1" indent="-285750" algn="l" defTabSz="1600200">
+            <a:lnSpc>
+              <a:spcPct val="90000"/>
+            </a:lnSpc>
+            <a:spcBef>
+              <a:spcPct val="0"/>
+            </a:spcBef>
+            <a:spcAft>
+              <a:spcPct val="15000"/>
+            </a:spcAft>
+            <a:buChar char="•"/>
+          </a:pPr>
+          <a:r>
+            <a:rPr lang="en-US" sz="3600" kern="1200" dirty="0">
+              <a:latin typeface="Arial" panose="020B0604020202020204" pitchFamily="34" charset="0"/>
+              <a:cs typeface="Arial" panose="020B0604020202020204" pitchFamily="34" charset="0"/>
+            </a:rPr>
+            <a:t>Testing</a:t>
+          </a:r>
+        </a:p>
+        <a:p>
+          <a:pPr marL="571500" lvl="2" indent="-285750" algn="l" defTabSz="1600200">
+            <a:lnSpc>
+              <a:spcPct val="90000"/>
+            </a:lnSpc>
+            <a:spcBef>
+              <a:spcPct val="0"/>
+            </a:spcBef>
+            <a:spcAft>
+              <a:spcPct val="15000"/>
+            </a:spcAft>
+            <a:buChar char="•"/>
+          </a:pPr>
+          <a:r>
+            <a:rPr lang="en-US" sz="3600" kern="1200" dirty="0">
+              <a:latin typeface="Arial" panose="020B0604020202020204" pitchFamily="34" charset="0"/>
+              <a:cs typeface="Arial" panose="020B0604020202020204" pitchFamily="34" charset="0"/>
+            </a:rPr>
+            <a:t>Proximity Detection</a:t>
+          </a:r>
+        </a:p>
+        <a:p>
+          <a:pPr marL="571500" lvl="2" indent="-285750" algn="l" defTabSz="1600200">
+            <a:lnSpc>
+              <a:spcPct val="90000"/>
+            </a:lnSpc>
+            <a:spcBef>
+              <a:spcPct val="0"/>
+            </a:spcBef>
+            <a:spcAft>
+              <a:spcPct val="15000"/>
+            </a:spcAft>
+            <a:buChar char="•"/>
+          </a:pPr>
+          <a:r>
+            <a:rPr lang="en-US" sz="3600" kern="1200" dirty="0">
+              <a:latin typeface="Arial" panose="020B0604020202020204" pitchFamily="34" charset="0"/>
+              <a:cs typeface="Arial" panose="020B0604020202020204" pitchFamily="34" charset="0"/>
+            </a:rPr>
+            <a:t>Safety Zone Validation</a:t>
+          </a:r>
+        </a:p>
+      </dsp:txBody>
+      <dsp:txXfrm rot="-5400000">
+        <a:off x="2168785" y="3011375"/>
+        <a:ext cx="8079805" cy="1817253"/>
+      </dsp:txXfrm>
+    </dsp:sp>
+    <dsp:sp modelId="{A6E2B7A8-BCF8-4954-9DF7-F12F80F45AE5}">
+      <dsp:nvSpPr>
+        <dsp:cNvPr id="0" name=""/>
+        <dsp:cNvSpPr/>
+      </dsp:nvSpPr>
+      <dsp:spPr>
+        <a:xfrm rot="5400000">
+          <a:off x="-464739" y="6290098"/>
+          <a:ext cx="3098264" cy="2168785"/>
+        </a:xfrm>
+        <a:prstGeom prst="chevron">
+          <a:avLst/>
+        </a:prstGeom>
+        <a:solidFill>
+          <a:schemeClr val="accent5">
+            <a:hueOff val="-6758543"/>
+            <a:satOff val="-17419"/>
+            <a:lumOff val="-11765"/>
+            <a:alphaOff val="0"/>
+          </a:schemeClr>
+        </a:solidFill>
+        <a:ln w="12700" cap="flat" cmpd="sng" algn="ctr">
+          <a:solidFill>
+            <a:schemeClr val="accent5">
+              <a:hueOff val="-6758543"/>
+              <a:satOff val="-17419"/>
+              <a:lumOff val="-11765"/>
+              <a:alphaOff val="0"/>
+            </a:schemeClr>
+          </a:solidFill>
+          <a:prstDash val="solid"/>
+          <a:miter lim="800000"/>
+        </a:ln>
+        <a:effectLst/>
+      </dsp:spPr>
+      <dsp:style>
+        <a:lnRef idx="2">
+          <a:scrgbClr r="0" g="0" b="0"/>
+        </a:lnRef>
+        <a:fillRef idx="1">
+          <a:scrgbClr r="0" g="0" b="0"/>
+        </a:fillRef>
+        <a:effectRef idx="0">
+          <a:scrgbClr r="0" g="0" b="0"/>
+        </a:effectRef>
+        <a:fontRef idx="minor">
+          <a:schemeClr val="lt1"/>
+        </a:fontRef>
+      </dsp:style>
+      <dsp:txBody>
+        <a:bodyPr spcFirstLastPara="0" vert="horz" wrap="square" lIns="22860" tIns="22860" rIns="22860" bIns="22860" numCol="1" spcCol="1270" anchor="ctr" anchorCtr="0">
+          <a:noAutofit/>
+        </a:bodyPr>
+        <a:lstStyle/>
+        <a:p>
+          <a:pPr marL="0" lvl="0" indent="0" algn="ctr" defTabSz="1600200">
+            <a:lnSpc>
+              <a:spcPct val="90000"/>
+            </a:lnSpc>
+            <a:spcBef>
+              <a:spcPct val="0"/>
+            </a:spcBef>
+            <a:spcAft>
+              <a:spcPct val="35000"/>
+            </a:spcAft>
+            <a:buNone/>
+          </a:pPr>
+          <a:r>
+            <a:rPr lang="en-US" sz="3600" kern="1200" dirty="0">
+              <a:latin typeface="Arial" panose="020B0604020202020204" pitchFamily="34" charset="0"/>
+              <a:cs typeface="Arial" panose="020B0604020202020204" pitchFamily="34" charset="0"/>
+            </a:rPr>
+            <a:t>Phase 3</a:t>
+          </a:r>
+        </a:p>
+      </dsp:txBody>
+      <dsp:txXfrm rot="-5400000">
+        <a:off x="1" y="6909752"/>
+        <a:ext cx="2168785" cy="929479"/>
+      </dsp:txXfrm>
+    </dsp:sp>
+    <dsp:sp modelId="{81A17F33-DFC3-4D91-B670-687AF742B690}">
+      <dsp:nvSpPr>
+        <dsp:cNvPr id="0" name=""/>
+        <dsp:cNvSpPr/>
+      </dsp:nvSpPr>
+      <dsp:spPr>
+        <a:xfrm rot="5400000">
+          <a:off x="5250906" y="2743237"/>
+          <a:ext cx="2013871" cy="8178114"/>
+        </a:xfrm>
+        <a:prstGeom prst="round2SameRect">
+          <a:avLst/>
+        </a:prstGeom>
+        <a:solidFill>
+          <a:schemeClr val="lt1">
+            <a:alpha val="90000"/>
+            <a:hueOff val="0"/>
+            <a:satOff val="0"/>
+            <a:lumOff val="0"/>
+            <a:alphaOff val="0"/>
+          </a:schemeClr>
+        </a:solidFill>
+        <a:ln w="12700" cap="flat" cmpd="sng" algn="ctr">
+          <a:solidFill>
+            <a:schemeClr val="accent5">
+              <a:hueOff val="-6758543"/>
+              <a:satOff val="-17419"/>
+              <a:lumOff val="-11765"/>
+              <a:alphaOff val="0"/>
+            </a:schemeClr>
+          </a:solidFill>
+          <a:prstDash val="solid"/>
+          <a:miter lim="800000"/>
+        </a:ln>
+        <a:effectLst/>
+      </dsp:spPr>
+      <dsp:style>
+        <a:lnRef idx="2">
+          <a:scrgbClr r="0" g="0" b="0"/>
+        </a:lnRef>
+        <a:fillRef idx="1">
+          <a:scrgbClr r="0" g="0" b="0"/>
+        </a:fillRef>
+        <a:effectRef idx="0">
+          <a:scrgbClr r="0" g="0" b="0"/>
+        </a:effectRef>
+        <a:fontRef idx="minor"/>
+      </dsp:style>
+      <dsp:txBody>
+        <a:bodyPr spcFirstLastPara="0" vert="horz" wrap="square" lIns="256032" tIns="22860" rIns="22860" bIns="22860" numCol="1" spcCol="1270" anchor="ctr" anchorCtr="0">
+          <a:noAutofit/>
+        </a:bodyPr>
+        <a:lstStyle/>
+        <a:p>
+          <a:pPr marL="285750" lvl="1" indent="-285750" algn="l" defTabSz="1600200">
+            <a:lnSpc>
+              <a:spcPct val="90000"/>
+            </a:lnSpc>
+            <a:spcBef>
+              <a:spcPct val="0"/>
+            </a:spcBef>
+            <a:spcAft>
+              <a:spcPct val="15000"/>
+            </a:spcAft>
+            <a:buChar char="•"/>
+          </a:pPr>
+          <a:r>
+            <a:rPr lang="en-US" sz="3600" kern="1200" dirty="0">
+              <a:latin typeface="Arial" panose="020B0604020202020204" pitchFamily="34" charset="0"/>
+              <a:cs typeface="Arial" panose="020B0604020202020204" pitchFamily="34" charset="0"/>
+            </a:rPr>
+            <a:t>Integration</a:t>
+          </a:r>
+        </a:p>
+        <a:p>
+          <a:pPr marL="571500" lvl="2" indent="-285750" algn="l" defTabSz="1600200">
+            <a:lnSpc>
+              <a:spcPct val="90000"/>
+            </a:lnSpc>
+            <a:spcBef>
+              <a:spcPct val="0"/>
+            </a:spcBef>
+            <a:spcAft>
+              <a:spcPct val="15000"/>
+            </a:spcAft>
+            <a:buChar char="•"/>
+          </a:pPr>
+          <a:r>
+            <a:rPr lang="en-US" sz="3600" kern="1200" dirty="0">
+              <a:latin typeface="Arial" panose="020B0604020202020204" pitchFamily="34" charset="0"/>
+              <a:cs typeface="Arial" panose="020B0604020202020204" pitchFamily="34" charset="0"/>
+            </a:rPr>
+            <a:t>Full System Assembly</a:t>
+          </a:r>
+        </a:p>
+        <a:p>
+          <a:pPr marL="571500" lvl="2" indent="-285750" algn="l" defTabSz="1600200">
+            <a:lnSpc>
+              <a:spcPct val="90000"/>
+            </a:lnSpc>
+            <a:spcBef>
+              <a:spcPct val="0"/>
+            </a:spcBef>
+            <a:spcAft>
+              <a:spcPct val="15000"/>
+            </a:spcAft>
+            <a:buChar char="•"/>
+          </a:pPr>
+          <a:r>
+            <a:rPr lang="en-US" sz="3600" kern="1200" dirty="0">
+              <a:latin typeface="Arial" panose="020B0604020202020204" pitchFamily="34" charset="0"/>
+              <a:cs typeface="Arial" panose="020B0604020202020204" pitchFamily="34" charset="0"/>
+            </a:rPr>
+            <a:t>Performance Validation</a:t>
+          </a:r>
+        </a:p>
+      </dsp:txBody>
+      <dsp:txXfrm rot="-5400000">
+        <a:off x="2168785" y="5923668"/>
+        <a:ext cx="8079805" cy="1817253"/>
+      </dsp:txXfrm>
+    </dsp:sp>
+  </dsp:spTree>
+</dsp:drawing>
+</file>
+
+<file path=ppt/diagrams/layout1.xml><?xml version="1.0" encoding="utf-8"?>
+<dgm:layoutDef xmlns:dgm="http://schemas.openxmlformats.org/drawingml/2006/diagram" xmlns:a="http://schemas.openxmlformats.org/drawingml/2006/main" uniqueId="urn:microsoft.com/office/officeart/2005/8/layout/chevron2">
+  <dgm:title val=""/>
+  <dgm:desc val=""/>
+  <dgm:catLst>
+    <dgm:cat type="process" pri="12000"/>
+    <dgm:cat type="list" pri="16000"/>
+    <dgm:cat type="convert" pri="11000"/>
+  </dgm:catLst>
+  <dgm:sampData>
+    <dgm:dataModel>
+      <dgm:ptLst>
+        <dgm:pt modelId="0" type="doc"/>
+        <dgm:pt modelId="1">
+          <dgm:prSet phldr="1"/>
+        </dgm:pt>
+        <dgm:pt modelId="11">
+          <dgm:prSet phldr="1"/>
+        </dgm:pt>
+        <dgm:pt modelId="12">
+          <dgm:prSet phldr="1"/>
+        </dgm:pt>
+        <dgm:pt modelId="2">
+          <dgm:prSet phldr="1"/>
+        </dgm:pt>
+        <dgm:pt modelId="21">
+          <dgm:prSet phldr="1"/>
+        </dgm:pt>
+        <dgm:pt modelId="22">
+          <dgm:prSet phldr="1"/>
+        </dgm:pt>
+        <dgm:pt modelId="3">
+          <dgm:prSet phldr="1"/>
+        </dgm:pt>
+        <dgm:pt modelId="31">
+          <dgm:prSet phldr="1"/>
+        </dgm:pt>
+        <dgm:pt modelId="32">
+          <dgm:prSet phldr="1"/>
+        </dgm:pt>
+      </dgm:ptLst>
+      <dgm:cxnLst>
+        <dgm:cxn modelId="4" srcId="0" destId="1" srcOrd="0" destOrd="0"/>
+        <dgm:cxn modelId="5" srcId="0" destId="2" srcOrd="1" destOrd="0"/>
+        <dgm:cxn modelId="6" srcId="0" destId="3" srcOrd="2" destOrd="0"/>
+        <dgm:cxn modelId="13" srcId="1" destId="11" srcOrd="0" destOrd="0"/>
+        <dgm:cxn modelId="14" srcId="1" destId="12" srcOrd="1" destOrd="0"/>
+        <dgm:cxn modelId="23" srcId="2" destId="21" srcOrd="0" destOrd="0"/>
+        <dgm:cxn modelId="24" srcId="2" destId="22" srcOrd="1" destOrd="0"/>
+        <dgm:cxn modelId="33" srcId="3" destId="31" srcOrd="0" destOrd="0"/>
+        <dgm:cxn modelId="34" srcId="3" destId="32" srcOrd="1" destOrd="0"/>
+      </dgm:cxnLst>
+      <dgm:bg/>
+      <dgm:whole/>
+    </dgm:dataModel>
+  </dgm:sampData>
+  <dgm:styleData>
+    <dgm:dataModel>
+      <dgm:ptLst>
+        <dgm:pt modelId="0" type="doc"/>
+        <dgm:pt modelId="1"/>
+      </dgm:ptLst>
+      <dgm:cxnLst>
+        <dgm:cxn modelId="4" srcId="0" destId="1" srcOrd="0" destOrd="0"/>
+      </dgm:cxnLst>
+      <dgm:bg/>
+      <dgm:whole/>
+    </dgm:dataModel>
+  </dgm:styleData>
+  <dgm:clrData>
+    <dgm:dataModel>
+      <dgm:ptLst>
+        <dgm:pt modelId="0" type="doc"/>
+        <dgm:pt modelId="1"/>
+        <dgm:pt modelId="11"/>
+        <dgm:pt modelId="2"/>
+        <dgm:pt modelId="21"/>
+        <dgm:pt modelId="3"/>
+        <dgm:pt modelId="31"/>
+        <dgm:pt modelId="4"/>
+        <dgm:pt modelId="41"/>
+      </dgm:ptLst>
+      <dgm:cxnLst>
+        <dgm:cxn modelId="5" srcId="0" destId="1" srcOrd="0" destOrd="0"/>
+        <dgm:cxn modelId="6" srcId="0" destId="2" srcOrd="1" destOrd="0"/>
+        <dgm:cxn modelId="7" srcId="0" destId="3" srcOrd="2" destOrd="0"/>
+        <dgm:cxn modelId="8" srcId="0" destId="4" srcOrd="3" destOrd="0"/>
+        <dgm:cxn modelId="13" srcId="1" destId="11" srcOrd="0" destOrd="0"/>
+        <dgm:cxn modelId="23" srcId="2" destId="21" srcOrd="0" destOrd="0"/>
+        <dgm:cxn modelId="33" srcId="3" destId="31" srcOrd="0" destOrd="0"/>
+        <dgm:cxn modelId="43" srcId="4" destId="41" srcOrd="0" destOrd="0"/>
+      </dgm:cxnLst>
+      <dgm:bg/>
+      <dgm:whole/>
+    </dgm:dataModel>
+  </dgm:clrData>
+  <dgm:layoutNode name="linearFlow">
+    <dgm:varLst>
+      <dgm:dir/>
+      <dgm:animLvl val="lvl"/>
+      <dgm:resizeHandles val="exact"/>
+    </dgm:varLst>
+    <dgm:alg type="lin">
+      <dgm:param type="linDir" val="fromT"/>
+      <dgm:param type="nodeHorzAlign" val="l"/>
+    </dgm:alg>
+    <dgm:shape xmlns:r="http://schemas.openxmlformats.org/officeDocument/2006/relationships" r:blip="">
+      <dgm:adjLst/>
+    </dgm:shape>
+    <dgm:presOf/>
+    <dgm:constrLst>
+      <dgm:constr type="h" for="ch" forName="composite" refType="h"/>
+      <dgm:constr type="w" for="ch" forName="composite" refType="w"/>
+      <dgm:constr type="h" for="des" forName="parentText" op="equ"/>
+      <dgm:constr type="h" for="ch" forName="sp" val="-14.88"/>
+      <dgm:constr type="h" for="ch" forName="sp" refType="w" refFor="des" refForName="parentText" op="gte" fact="-0.3"/>
+      <dgm:constr type="primFontSz" for="des" forName="parentText" op="equ" val="65"/>
+      <dgm:constr type="primFontSz" for="des" forName="descendantText" op="equ" val="65"/>
+    </dgm:constrLst>
+    <dgm:ruleLst/>
+    <dgm:forEach name="Name0" axis="ch" ptType="node">
+      <dgm:layoutNode name="composite">
+        <dgm:alg type="composite"/>
+        <dgm:shape xmlns:r="http://schemas.openxmlformats.org/officeDocument/2006/relationships" r:blip="">
+          <dgm:adjLst/>
+        </dgm:shape>
+        <dgm:presOf/>
+        <dgm:choose name="Name1">
+          <dgm:if name="Name2" func="var" arg="dir" op="equ" val="norm">
+            <dgm:constrLst>
+              <dgm:constr type="t" for="ch" forName="parentText"/>
+              <dgm:constr type="l" for="ch" forName="parentText"/>
+              <dgm:constr type="w" for="ch" forName="parentText" refType="w" fact="0.4"/>
+              <dgm:constr type="h" for="ch" forName="parentText" refType="h"/>
+              <dgm:constr type="w" for="ch" forName="parentText" refType="w" op="lte" fact="0.5"/>
+              <dgm:constr type="w" for="ch" forName="parentText" refType="h" refFor="ch" refForName="parentText" op="lte" fact="0.7"/>
+              <dgm:constr type="h" for="ch" forName="parentText" refType="w" refFor="ch" refForName="parentText" op="lte" fact="3"/>
+              <dgm:constr type="l" for="ch" forName="descendantText" refType="w" refFor="ch" refForName="parentText"/>
+              <dgm:constr type="w" for="ch" forName="descendantText" refType="w"/>
+              <dgm:constr type="wOff" for="ch" forName="descendantText" refType="w" refFor="ch" refForName="parentText" fact="-1"/>
+              <dgm:constr type="t" for="ch" forName="descendantText"/>
+              <dgm:constr type="b" for="ch" forName="descendantText" refType="h" refFor="ch" refForName="parentText"/>
+              <dgm:constr type="bOff" for="ch" forName="descendantText" refType="w" refFor="ch" refForName="parentText" fact="-0.5"/>
+            </dgm:constrLst>
+          </dgm:if>
+          <dgm:else name="Name3">
+            <dgm:constrLst>
+              <dgm:constr type="t" for="ch" forName="parentText"/>
+              <dgm:constr type="r" for="ch" forName="parentText" refType="w"/>
+              <dgm:constr type="w" for="ch" forName="parentText" refType="w" fact="0.4"/>
+              <dgm:constr type="h" for="ch" forName="parentText" refType="h"/>
+              <dgm:constr type="w" for="ch" forName="parentText" refType="w" op="lte" fact="0.5"/>
+              <dgm:constr type="w" for="ch" forName="parentText" refType="h" refFor="ch" refForName="parentText" op="lte" fact="0.7"/>
+              <dgm:constr type="h" for="ch" forName="parentText" refType="w" refFor="ch" refForName="parentText" op="lte" fact="3"/>
+              <dgm:constr type="l" for="ch" forName="descendantText"/>
+              <dgm:constr type="w" for="ch" forName="descendantText" refType="w"/>
+              <dgm:constr type="wOff" for="ch" forName="descendantText" refType="w" refFor="ch" refForName="parentText" fact="-1"/>
+              <dgm:constr type="t" for="ch" forName="descendantText"/>
+              <dgm:constr type="b" for="ch" forName="descendantText" refType="h" refFor="ch" refForName="parentText"/>
+              <dgm:constr type="bOff" for="ch" forName="descendantText" refType="w" refFor="ch" refForName="parentText" fact="-0.5"/>
+            </dgm:constrLst>
+          </dgm:else>
+        </dgm:choose>
+        <dgm:ruleLst/>
+        <dgm:layoutNode name="parentText" styleLbl="alignNode1">
+          <dgm:varLst>
+            <dgm:chMax val="1"/>
+            <dgm:bulletEnabled val="1"/>
+          </dgm:varLst>
+          <dgm:alg type="tx"/>
+          <dgm:shape xmlns:r="http://schemas.openxmlformats.org/officeDocument/2006/relationships" rot="90" type="chevron" r:blip="">
+            <dgm:adjLst/>
+          </dgm:shape>
+          <dgm:presOf axis="self" ptType="node"/>
+          <dgm:constrLst>
+            <dgm:constr type="lMarg" refType="primFontSz" fact="0.05"/>
+            <dgm:constr type="rMarg" refType="primFontSz" fact="0.05"/>
+            <dgm:constr type="tMarg" refType="primFontSz" fact="0.05"/>
+            <dgm:constr type="bMarg" refType="primFontSz" fact="0.05"/>
+          </dgm:constrLst>
+          <dgm:ruleLst>
+            <dgm:rule type="h" val="100" fact="NaN" max="NaN"/>
+            <dgm:rule type="primFontSz" val="24" fact="NaN" max="NaN"/>
+            <dgm:rule type="h" val="110" fact="NaN" max="NaN"/>
+            <dgm:rule type="primFontSz" val="18" fact="NaN" max="NaN"/>
+            <dgm:rule type="h" val="INF" fact="NaN" max="NaN"/>
+            <dgm:rule type="primFontSz" val="5" fact="NaN" max="NaN"/>
+          </dgm:ruleLst>
+        </dgm:layoutNode>
+        <dgm:layoutNode name="descendantText" styleLbl="alignAcc1">
+          <dgm:varLst>
+            <dgm:bulletEnabled val="1"/>
+          </dgm:varLst>
+          <dgm:choose name="Name4">
+            <dgm:if name="Name5" func="var" arg="dir" op="equ" val="norm">
+              <dgm:alg type="tx">
+                <dgm:param type="stBulletLvl" val="1"/>
+                <dgm:param type="txAnchorVertCh" val="mid"/>
+              </dgm:alg>
+              <dgm:shape xmlns:r="http://schemas.openxmlformats.org/officeDocument/2006/relationships" rot="90" type="round2SameRect" r:blip="">
+                <dgm:adjLst/>
+              </dgm:shape>
+            </dgm:if>
+            <dgm:else name="Name6">
+              <dgm:alg type="tx">
+                <dgm:param type="stBulletLvl" val="1"/>
+                <dgm:param type="txAnchorVertCh" val="mid"/>
+              </dgm:alg>
+              <dgm:shape xmlns:r="http://schemas.openxmlformats.org/officeDocument/2006/relationships" rot="-90" type="round2SameRect" r:blip="">
+                <dgm:adjLst/>
+              </dgm:shape>
+            </dgm:else>
+          </dgm:choose>
+          <dgm:presOf axis="des" ptType="node"/>
+          <dgm:choose name="Name7">
+            <dgm:if name="Name8" func="var" arg="dir" op="equ" val="norm">
+              <dgm:constrLst>
+                <dgm:constr type="secFontSz" refType="primFontSz"/>
+                <dgm:constr type="tMarg" refType="primFontSz" fact="0.05"/>
+                <dgm:constr type="bMarg" refType="primFontSz" fact="0.05"/>
+                <dgm:constr type="rMarg" refType="primFontSz" fact="0.05"/>
+              </dgm:constrLst>
+            </dgm:if>
+            <dgm:else name="Name9">
+              <dgm:constrLst>
+                <dgm:constr type="secFontSz" refType="primFontSz"/>
+                <dgm:constr type="tMarg" refType="primFontSz" fact="0.05"/>
+                <dgm:constr type="bMarg" refType="primFontSz" fact="0.05"/>
+                <dgm:constr type="lMarg" refType="primFontSz" fact="0.05"/>
+              </dgm:constrLst>
+            </dgm:else>
+          </dgm:choose>
+          <dgm:ruleLst>
+            <dgm:rule type="primFontSz" val="5" fact="NaN" max="NaN"/>
+          </dgm:ruleLst>
+        </dgm:layoutNode>
+      </dgm:layoutNode>
+      <dgm:forEach name="Name10" axis="followSib" ptType="sibTrans" cnt="1">
+        <dgm:layoutNode name="sp">
+          <dgm:alg type="sp"/>
+          <dgm:shape xmlns:r="http://schemas.openxmlformats.org/officeDocument/2006/relationships" r:blip="">
+            <dgm:adjLst/>
+          </dgm:shape>
+          <dgm:presOf axis="self"/>
+          <dgm:constrLst>
+            <dgm:constr type="w" val="1"/>
+            <dgm:constr type="h" val="37.5"/>
+          </dgm:constrLst>
+          <dgm:ruleLst/>
+        </dgm:layoutNode>
+      </dgm:forEach>
+    </dgm:forEach>
+  </dgm:layoutNode>
+</dgm:layoutDef>
+</file>
+
+<file path=ppt/diagrams/quickStyle1.xml><?xml version="1.0" encoding="utf-8"?>
+<dgm:styleDef xmlns:dgm="http://schemas.openxmlformats.org/drawingml/2006/diagram" xmlns:a="http://schemas.openxmlformats.org/drawingml/2006/main" uniqueId="urn:microsoft.com/office/officeart/2005/8/quickstyle/simple1">
+  <dgm:title val=""/>
+  <dgm:desc val=""/>
+  <dgm:catLst>
+    <dgm:cat type="simple" pri="10100"/>
+  </dgm:catLst>
+  <dgm:scene3d>
+    <a:camera prst="orthographicFront"/>
+    <a:lightRig rig="threePt" dir="t"/>
+  </dgm:scene3d>
+  <dgm:styleLbl name="node0">
+    <dgm:scene3d>
+      <a:camera prst="orthographicFront"/>
+      <a:lightRig rig="threePt" dir="t"/>
+    </dgm:scene3d>
+    <dgm:sp3d/>
+    <dgm:txPr/>
+    <dgm:style>
+      <a:lnRef idx="2">
+        <a:scrgbClr r="0" g="0" b="0"/>
+      </a:lnRef>
+      <a:fillRef idx="1">
+        <a:scrgbClr r="0" g="0" b="0"/>
+      </a:fillRef>
+      <a:effectRef idx="0">
+        <a:scrgbClr r="0" g="0" b="0"/>
+      </a:effectRef>
+      <a:fontRef idx="minor">
+        <a:schemeClr val="lt1"/>
+      </a:fontRef>
+    </dgm:style>
+  </dgm:styleLbl>
+  <dgm:styleLbl name="lnNode1">
+    <dgm:scene3d>
+      <a:camera prst="orthographicFront"/>
+      <a:lightRig rig="threePt" dir="t"/>
+    </dgm:scene3d>
+    <dgm:sp3d/>
+    <dgm:txPr/>
+    <dgm:style>
+      <a:lnRef idx="2">
+        <a:scrgbClr r="0" g="0" b="0"/>
+      </a:lnRef>
+      <a:fillRef idx="1">
+        <a:scrgbClr r="0" g="0" b="0"/>
+      </a:fillRef>
+      <a:effectRef idx="0">
+        <a:scrgbClr r="0" g="0" b="0"/>
+      </a:effectRef>
+      <a:fontRef idx="minor">
+        <a:schemeClr val="lt1"/>
+      </a:fontRef>
+    </dgm:style>
+  </dgm:styleLbl>
+  <dgm:styleLbl name="vennNode1">
+    <dgm:scene3d>
+      <a:camera prst="orthographicFront"/>
+      <a:lightRig rig="threePt" dir="t"/>
+    </dgm:scene3d>
+    <dgm:sp3d/>
+    <dgm:txPr/>
+    <dgm:style>
+      <a:lnRef idx="2">
+        <a:scrgbClr r="0" g="0" b="0"/>
+      </a:lnRef>
+      <a:fillRef idx="1">
+        <a:scrgbClr r="0" g="0" b="0"/>
+      </a:fillRef>
+      <a:effectRef idx="0">
+        <a:scrgbClr r="0" g="0" b="0"/>
+      </a:effectRef>
+      <a:fontRef idx="minor">
+        <a:schemeClr val="tx1"/>
+      </a:fontRef>
+    </dgm:style>
+  </dgm:styleLbl>
+  <dgm:styleLbl name="alignNode1">
+    <dgm:scene3d>
+      <a:camera prst="orthographicFront"/>
+      <a:lightRig rig="threePt" dir="t"/>
+    </dgm:scene3d>
+    <dgm:sp3d/>
+    <dgm:txPr/>
+    <dgm:style>
+      <a:lnRef idx="2">
+        <a:scrgbClr r="0" g="0" b="0"/>
+      </a:lnRef>
+      <a:fillRef idx="1">
+        <a:scrgbClr r="0" g="0" b="0"/>
+      </a:fillRef>
+      <a:effectRef idx="0">
+        <a:scrgbClr r="0" g="0" b="0"/>
+      </a:effectRef>
+      <a:fontRef idx="minor">
+        <a:schemeClr val="lt1"/>
+      </a:fontRef>
+    </dgm:style>
+  </dgm:styleLbl>
+  <dgm:styleLbl name="node1">
+    <dgm:scene3d>
+      <a:camera prst="orthographicFront"/>
+      <a:lightRig rig="threePt" dir="t"/>
+    </dgm:scene3d>
+    <dgm:sp3d/>
+    <dgm:txPr/>
+    <dgm:style>
+      <a:lnRef idx="2">
+        <a:scrgbClr r="0" g="0" b="0"/>
+      </a:lnRef>
+      <a:fillRef idx="1">
+        <a:scrgbClr r="0" g="0" b="0"/>
+      </a:fillRef>
+      <a:effectRef idx="0">
+        <a:scrgbClr r="0" g="0" b="0"/>
+      </a:effectRef>
+      <a:fontRef idx="minor">
+        <a:schemeClr val="lt1"/>
+      </a:fontRef>
+    </dgm:style>
+  </dgm:styleLbl>
+  <dgm:styleLbl name="node2">
+    <dgm:scene3d>
+      <a:camera prst="orthographicFront"/>
+      <a:lightRig rig="threePt" dir="t"/>
+    </dgm:scene3d>
+    <dgm:sp3d/>
+    <dgm:txPr/>
+    <dgm:style>
+      <a:lnRef idx="2">
+        <a:scrgbClr r="0" g="0" b="0"/>
+      </a:lnRef>
+      <a:fillRef idx="1">
+        <a:scrgbClr r="0" g="0" b="0"/>
+      </a:fillRef>
+      <a:effectRef idx="0">
+        <a:scrgbClr r="0" g="0" b="0"/>
+      </a:effectRef>
+      <a:fontRef idx="minor">
+        <a:schemeClr val="lt1"/>
+      </a:fontRef>
+    </dgm:style>
+  </dgm:styleLbl>
+  <dgm:styleLbl name="node3">
+    <dgm:scene3d>
+      <a:camera prst="orthographicFront"/>
+      <a:lightRig rig="threePt" dir="t"/>
+    </dgm:scene3d>
+    <dgm:sp3d/>
+    <dgm:txPr/>
+    <dgm:style>
+      <a:lnRef idx="2">
+        <a:scrgbClr r="0" g="0" b="0"/>
+      </a:lnRef>
+      <a:fillRef idx="1">
+        <a:scrgbClr r="0" g="0" b="0"/>
+      </a:fillRef>
+      <a:effectRef idx="0">
+        <a:scrgbClr r="0" g="0" b="0"/>
+      </a:effectRef>
+      <a:fontRef idx="minor">
+        <a:schemeClr val="lt1"/>
+      </a:fontRef>
+    </dgm:style>
+  </dgm:styleLbl>
+  <dgm:styleLbl name="node4">
+    <dgm:scene3d>
+      <a:camera prst="orthographicFront"/>
+      <a:lightRig rig="threePt" dir="t"/>
+    </dgm:scene3d>
+    <dgm:sp3d/>
+    <dgm:txPr/>
+    <dgm:style>
+      <a:lnRef idx="2">
+        <a:scrgbClr r="0" g="0" b="0"/>
+      </a:lnRef>
+      <a:fillRef idx="1">
+        <a:scrgbClr r="0" g="0" b="0"/>
+      </a:fillRef>
+      <a:effectRef idx="0">
+        <a:scrgbClr r="0" g="0" b="0"/>
+      </a:effectRef>
+      <a:fontRef idx="minor">
+        <a:schemeClr val="lt1"/>
+      </a:fontRef>
+    </dgm:style>
+  </dgm:styleLbl>
+  <dgm:styleLbl name="fgImgPlace1">
+    <dgm:scene3d>
+      <a:camera prst="orthographicFront"/>
+      <a:lightRig rig="threePt" dir="t"/>
+    </dgm:scene3d>
+    <dgm:sp3d/>
+    <dgm:txPr/>
+    <dgm:style>
+      <a:lnRef idx="2">
+        <a:scrgbClr r="0" g="0" b="0"/>
+      </a:lnRef>
+      <a:fillRef idx="1">
+        <a:scrgbClr r="0" g="0" b="0"/>
+      </a:fillRef>
+      <a:effectRef idx="0">
+        <a:scrgbClr r="0" g="0" b="0"/>
+      </a:effectRef>
+      <a:fontRef idx="minor"/>
+    </dgm:style>
+  </dgm:styleLbl>
+  <dgm:styleLbl name="alignImgPlace1">
+    <dgm:scene3d>
+      <a:camera prst="orthographicFront"/>
+      <a:lightRig rig="threePt" dir="t"/>
+    </dgm:scene3d>
+    <dgm:sp3d/>
+    <dgm:txPr/>
+    <dgm:style>
+      <a:lnRef idx="2">
+        <a:scrgbClr r="0" g="0" b="0"/>
+      </a:lnRef>
+      <a:fillRef idx="1">
+        <a:scrgbClr r="0" g="0" b="0"/>
+      </a:fillRef>
+      <a:effectRef idx="0">
+        <a:scrgbClr r="0" g="0" b="0"/>
+      </a:effectRef>
+      <a:fontRef idx="minor"/>
+    </dgm:style>
+  </dgm:styleLbl>
+  <dgm:styleLbl name="bgImgPlace1">
+    <dgm:scene3d>
+      <a:camera prst="orthographicFront"/>
+      <a:lightRig rig="threePt" dir="t"/>
+    </dgm:scene3d>
+    <dgm:sp3d/>
+    <dgm:txPr/>
+    <dgm:style>
+      <a:lnRef idx="2">
+        <a:scrgbClr r="0" g="0" b="0"/>
+      </a:lnRef>
+      <a:fillRef idx="1">
+        <a:scrgbClr r="0" g="0" b="0"/>
+      </a:fillRef>
+      <a:effectRef idx="0">
+        <a:scrgbClr r="0" g="0" b="0"/>
+      </a:effectRef>
+      <a:fontRef idx="minor"/>
+    </dgm:style>
+  </dgm:styleLbl>
+  <dgm:styleLbl name="sibTrans2D1">
+    <dgm:scene3d>
+      <a:camera prst="orthographicFront"/>
+      <a:lightRig rig="threePt" dir="t"/>
+    </dgm:scene3d>
+    <dgm:sp3d/>
+    <dgm:txPr/>
+    <dgm:style>
+      <a:lnRef idx="0">
+        <a:scrgbClr r="0" g="0" b="0"/>
+      </a:lnRef>
+      <a:fillRef idx="1">
+        <a:scrgbClr r="0" g="0" b="0"/>
+      </a:fillRef>
+      <a:effectRef idx="0">
+        <a:scrgbClr r="0" g="0" b="0"/>
+      </a:effectRef>
+      <a:fontRef idx="minor">
+        <a:schemeClr val="lt1"/>
+      </a:fontRef>
+    </dgm:style>
+  </dgm:styleLbl>
+  <dgm:styleLbl name="fgSibTrans2D1">
+    <dgm:scene3d>
+      <a:camera prst="orthographicFront"/>
+      <a:lightRig rig="threePt" dir="t"/>
+    </dgm:scene3d>
+    <dgm:sp3d/>
+    <dgm:txPr/>
+    <dgm:style>
+      <a:lnRef idx="0">
+        <a:scrgbClr r="0" g="0" b="0"/>
+      </a:lnRef>
+      <a:fillRef idx="1">
+        <a:scrgbClr r="0" g="0" b="0"/>
+      </a:fillRef>
+      <a:effectRef idx="0">
+        <a:scrgbClr r="0" g="0" b="0"/>
+      </a:effectRef>
+      <a:fontRef idx="minor">
+        <a:schemeClr val="lt1"/>
+      </a:fontRef>
+    </dgm:style>
+  </dgm:styleLbl>
+  <dgm:styleLbl name="bgSibTrans2D1">
+    <dgm:scene3d>
+      <a:camera prst="orthographicFront"/>
+      <a:lightRig rig="threePt" dir="t"/>
+    </dgm:scene3d>
+    <dgm:sp3d/>
+    <dgm:txPr/>
+    <dgm:style>
+      <a:lnRef idx="0">
+        <a:scrgbClr r="0" g="0" b="0"/>
+      </a:lnRef>
+      <a:fillRef idx="1">
+        <a:scrgbClr r="0" g="0" b="0"/>
+      </a:fillRef>
+      <a:effectRef idx="0">
+        <a:scrgbClr r="0" g="0" b="0"/>
+      </a:effectRef>
+      <a:fontRef idx="minor">
+        <a:schemeClr val="lt1"/>
+      </a:fontRef>
+    </dgm:style>
+  </dgm:styleLbl>
+  <dgm:styleLbl name="sibTrans1D1">
+    <dgm:scene3d>
+      <a:camera prst="orthographicFront"/>
+      <a:lightRig rig="threePt" dir="t"/>
+    </dgm:scene3d>
+    <dgm:sp3d/>
+    <dgm:txPr/>
+    <dgm:style>
+      <a:lnRef idx="1">
+        <a:scrgbClr r="0" g="0" b="0"/>
+      </a:lnRef>
+      <a:fillRef idx="0">
+        <a:scrgbClr r="0" g="0" b="0"/>
+      </a:fillRef>
+      <a:effectRef idx="0">
+        <a:scrgbClr r="0" g="0" b="0"/>
+      </a:effectRef>
+      <a:fontRef idx="minor"/>
+    </dgm:style>
+  </dgm:styleLbl>
+  <dgm:styleLbl name="callout">
+    <dgm:scene3d>
+      <a:camera prst="orthographicFront"/>
+      <a:lightRig rig="threePt" dir="t"/>
+    </dgm:scene3d>
+    <dgm:sp3d/>
+    <dgm:txPr/>
+    <dgm:style>
+      <a:lnRef idx="2">
+        <a:scrgbClr r="0" g="0" b="0"/>
+      </a:lnRef>
+      <a:fillRef idx="1">
+        <a:scrgbClr r="0" g="0" b="0"/>
+      </a:fillRef>
+      <a:effectRef idx="0">
+        <a:scrgbClr r="0" g="0" b="0"/>
+      </a:effectRef>
+      <a:fontRef idx="minor"/>
+    </dgm:style>
+  </dgm:styleLbl>
+  <dgm:styleLbl name="asst0">
+    <dgm:scene3d>
+      <a:camera prst="orthographicFront"/>
+      <a:lightRig rig="threePt" dir="t"/>
+    </dgm:scene3d>
+    <dgm:sp3d/>
+    <dgm:txPr/>
+    <dgm:style>
+      <a:lnRef idx="2">
+        <a:scrgbClr r="0" g="0" b="0"/>
+      </a:lnRef>
+      <a:fillRef idx="1">
+        <a:scrgbClr r="0" g="0" b="0"/>
+      </a:fillRef>
+      <a:effectRef idx="0">
+        <a:scrgbClr r="0" g="0" b="0"/>
+      </a:effectRef>
+      <a:fontRef idx="minor">
+        <a:schemeClr val="lt1"/>
+      </a:fontRef>
+    </dgm:style>
+  </dgm:styleLbl>
+  <dgm:styleLbl name="asst1">
+    <dgm:scene3d>
+      <a:camera prst="orthographicFront"/>
+      <a:lightRig rig="threePt" dir="t"/>
+    </dgm:scene3d>
+    <dgm:sp3d/>
+    <dgm:txPr/>
+    <dgm:style>
+      <a:lnRef idx="2">
+        <a:scrgbClr r="0" g="0" b="0"/>
+      </a:lnRef>
+      <a:fillRef idx="1">
+        <a:scrgbClr r="0" g="0" b="0"/>
+      </a:fillRef>
+      <a:effectRef idx="0">
+        <a:scrgbClr r="0" g="0" b="0"/>
+      </a:effectRef>
+      <a:fontRef idx="minor">
+        <a:schemeClr val="lt1"/>
+      </a:fontRef>
+    </dgm:style>
+  </dgm:styleLbl>
+  <dgm:styleLbl name="asst2">
+    <dgm:scene3d>
+      <a:camera prst="orthographicFront"/>
+      <a:lightRig rig="threePt" dir="t"/>
+    </dgm:scene3d>
+    <dgm:sp3d/>
+    <dgm:txPr/>
+    <dgm:style>
+      <a:lnRef idx="2">
+        <a:scrgbClr r="0" g="0" b="0"/>
+      </a:lnRef>
+      <a:fillRef idx="1">
+        <a:scrgbClr r="0" g="0" b="0"/>
+      </a:fillRef>
+      <a:effectRef idx="0">
+        <a:scrgbClr r="0" g="0" b="0"/>
+      </a:effectRef>
+      <a:fontRef idx="minor">
+        <a:schemeClr val="lt1"/>
+      </a:fontRef>
+    </dgm:style>
+  </dgm:styleLbl>
+  <dgm:styleLbl name="asst3">
+    <dgm:scene3d>
+      <a:camera prst="orthographicFront"/>
+      <a:lightRig rig="threePt" dir="t"/>
+    </dgm:scene3d>
+    <dgm:sp3d/>
+    <dgm:txPr/>
+    <dgm:style>
+      <a:lnRef idx="2">
+        <a:scrgbClr r="0" g="0" b="0"/>
+      </a:lnRef>
+      <a:fillRef idx="1">
+        <a:scrgbClr r="0" g="0" b="0"/>
+      </a:fillRef>
+      <a:effectRef idx="0">
+        <a:scrgbClr r="0" g="0" b="0"/>
+      </a:effectRef>
+      <a:fontRef idx="minor">
+        <a:schemeClr val="lt1"/>
+      </a:fontRef>
+    </dgm:style>
+  </dgm:styleLbl>
+  <dgm:styleLbl name="asst4">
+    <dgm:scene3d>
+      <a:camera prst="orthographicFront"/>
+      <a:lightRig rig="threePt" dir="t"/>
+    </dgm:scene3d>
+    <dgm:sp3d/>
+    <dgm:txPr/>
+    <dgm:style>
+      <a:lnRef idx="2">
+        <a:scrgbClr r="0" g="0" b="0"/>
+      </a:lnRef>
+      <a:fillRef idx="1">
+        <a:scrgbClr r="0" g="0" b="0"/>
+      </a:fillRef>
+      <a:effectRef idx="0">
+        <a:scrgbClr r="0" g="0" b="0"/>
+      </a:effectRef>
+      <a:fontRef idx="minor">
+        <a:schemeClr val="lt1"/>
+      </a:fontRef>
+    </dgm:style>
+  </dgm:styleLbl>
+  <dgm:styleLbl name="parChTrans2D1">
+    <dgm:scene3d>
+      <a:camera prst="orthographicFront"/>
+      <a:lightRig rig="threePt" dir="t"/>
+    </dgm:scene3d>
+    <dgm:sp3d/>
+    <dgm:txPr/>
+    <dgm:style>
+      <a:lnRef idx="2">
+        <a:scrgbClr r="0" g="0" b="0"/>
+      </a:lnRef>
+      <a:fillRef idx="1">
+        <a:scrgbClr r="0" g="0" b="0"/>
+      </a:fillRef>
+      <a:effectRef idx="0">
+        <a:scrgbClr r="0" g="0" b="0"/>
+      </a:effectRef>
+      <a:fontRef idx="minor">
+        <a:schemeClr val="lt1"/>
+      </a:fontRef>
+    </dgm:style>
+  </dgm:styleLbl>
+  <dgm:styleLbl name="parChTrans2D2">
+    <dgm:scene3d>
+      <a:camera prst="orthographicFront"/>
+      <a:lightRig rig="threePt" dir="t"/>
+    </dgm:scene3d>
+    <dgm:sp3d/>
+    <dgm:txPr/>
+    <dgm:style>
+      <a:lnRef idx="2">
+        <a:scrgbClr r="0" g="0" b="0"/>
+      </a:lnRef>
+      <a:fillRef idx="1">
+        <a:scrgbClr r="0" g="0" b="0"/>
+      </a:fillRef>
+      <a:effectRef idx="0">
+        <a:scrgbClr r="0" g="0" b="0"/>
+      </a:effectRef>
+      <a:fontRef idx="minor">
+        <a:schemeClr val="lt1"/>
+      </a:fontRef>
+    </dgm:style>
+  </dgm:styleLbl>
+  <dgm:styleLbl name="parChTrans2D3">
+    <dgm:scene3d>
+      <a:camera prst="orthographicFront"/>
+      <a:lightRig rig="threePt" dir="t"/>
+    </dgm:scene3d>
+    <dgm:sp3d/>
+    <dgm:txPr/>
+    <dgm:style>
+      <a:lnRef idx="2">
+        <a:scrgbClr r="0" g="0" b="0"/>
+      </a:lnRef>
+      <a:fillRef idx="1">
+        <a:scrgbClr r="0" g="0" b="0"/>
+      </a:fillRef>
+      <a:effectRef idx="0">
+        <a:scrgbClr r="0" g="0" b="0"/>
+      </a:effectRef>
+      <a:fontRef idx="minor">
+        <a:schemeClr val="lt1"/>
+      </a:fontRef>
+    </dgm:style>
+  </dgm:styleLbl>
+  <dgm:styleLbl name="parChTrans2D4">
+    <dgm:scene3d>
+      <a:camera prst="orthographicFront"/>
+      <a:lightRig rig="threePt" dir="t"/>
+    </dgm:scene3d>
+    <dgm:sp3d/>
+    <dgm:txPr/>
+    <dgm:style>
+      <a:lnRef idx="2">
+        <a:scrgbClr r="0" g="0" b="0"/>
+      </a:lnRef>
+      <a:fillRef idx="1">
+        <a:scrgbClr r="0" g="0" b="0"/>
+      </a:fillRef>
+      <a:effectRef idx="0">
+        <a:scrgbClr r="0" g="0" b="0"/>
+      </a:effectRef>
+      <a:fontRef idx="minor">
+        <a:schemeClr val="lt1"/>
+      </a:fontRef>
+    </dgm:style>
+  </dgm:styleLbl>
+  <dgm:styleLbl name="parChTrans1D1">
+    <dgm:scene3d>
+      <a:camera prst="orthographicFront"/>
+      <a:lightRig rig="threePt" dir="t"/>
+    </dgm:scene3d>
+    <dgm:sp3d/>
+    <dgm:txPr/>
+    <dgm:style>
+      <a:lnRef idx="2">
+        <a:scrgbClr r="0" g="0" b="0"/>
+      </a:lnRef>
+      <a:fillRef idx="0">
+        <a:scrgbClr r="0" g="0" b="0"/>
+      </a:fillRef>
+      <a:effectRef idx="0">
+        <a:scrgbClr r="0" g="0" b="0"/>
+      </a:effectRef>
+      <a:fontRef idx="minor"/>
+    </dgm:style>
+  </dgm:styleLbl>
+  <dgm:styleLbl name="parChTrans1D2">
+    <dgm:scene3d>
+      <a:camera prst="orthographicFront"/>
+      <a:lightRig rig="threePt" dir="t"/>
+    </dgm:scene3d>
+    <dgm:sp3d/>
+    <dgm:txPr/>
+    <dgm:style>
+      <a:lnRef idx="2">
+        <a:scrgbClr r="0" g="0" b="0"/>
+      </a:lnRef>
+      <a:fillRef idx="0">
+        <a:scrgbClr r="0" g="0" b="0"/>
+      </a:fillRef>
+      <a:effectRef idx="0">
+        <a:scrgbClr r="0" g="0" b="0"/>
+      </a:effectRef>
+      <a:fontRef idx="minor"/>
+    </dgm:style>
+  </dgm:styleLbl>
+  <dgm:styleLbl name="parChTrans1D3">
+    <dgm:scene3d>
+      <a:camera prst="orthographicFront"/>
+      <a:lightRig rig="threePt" dir="t"/>
+    </dgm:scene3d>
+    <dgm:sp3d/>
+    <dgm:txPr/>
+    <dgm:style>
+      <a:lnRef idx="2">
+        <a:scrgbClr r="0" g="0" b="0"/>
+      </a:lnRef>
+      <a:fillRef idx="0">
+        <a:scrgbClr r="0" g="0" b="0"/>
+      </a:fillRef>
+      <a:effectRef idx="0">
+        <a:scrgbClr r="0" g="0" b="0"/>
+      </a:effectRef>
+      <a:fontRef idx="minor"/>
+    </dgm:style>
+  </dgm:styleLbl>
+  <dgm:styleLbl name="parChTrans1D4">
+    <dgm:scene3d>
+      <a:camera prst="orthographicFront"/>
+      <a:lightRig rig="threePt" dir="t"/>
+    </dgm:scene3d>
+    <dgm:sp3d/>
+    <dgm:txPr/>
+    <dgm:style>
+      <a:lnRef idx="2">
+        <a:scrgbClr r="0" g="0" b="0"/>
+      </a:lnRef>
+      <a:fillRef idx="0">
+        <a:scrgbClr r="0" g="0" b="0"/>
+      </a:fillRef>
+      <a:effectRef idx="0">
+        <a:scrgbClr r="0" g="0" b="0"/>
+      </a:effectRef>
+      <a:fontRef idx="minor"/>
+    </dgm:style>
+  </dgm:styleLbl>
+  <dgm:styleLbl name="fgAcc1">
+    <dgm:scene3d>
+      <a:camera prst="orthographicFront"/>
+      <a:lightRig rig="threePt" dir="t"/>
+    </dgm:scene3d>
+    <dgm:sp3d/>
+    <dgm:txPr/>
+    <dgm:style>
+      <a:lnRef idx="2">
+        <a:scrgbClr r="0" g="0" b="0"/>
+      </a:lnRef>
+      <a:fillRef idx="1">
+        <a:scrgbClr r="0" g="0" b="0"/>
+      </a:fillRef>
+      <a:effectRef idx="0">
+        <a:scrgbClr r="0" g="0" b="0"/>
+      </a:effectRef>
+      <a:fontRef idx="minor"/>
+    </dgm:style>
+  </dgm:styleLbl>
+  <dgm:styleLbl name="conFgAcc1">
+    <dgm:scene3d>
+      <a:camera prst="orthographicFront"/>
+      <a:lightRig rig="threePt" dir="t"/>
+    </dgm:scene3d>
+    <dgm:sp3d/>
+    <dgm:txPr/>
+    <dgm:style>
+      <a:lnRef idx="2">
+        <a:scrgbClr r="0" g="0" b="0"/>
+      </a:lnRef>
+      <a:fillRef idx="1">
+        <a:scrgbClr r="0" g="0" b="0"/>
+      </a:fillRef>
+      <a:effectRef idx="0">
+        <a:scrgbClr r="0" g="0" b="0"/>
+      </a:effectRef>
+      <a:fontRef idx="minor"/>
+    </dgm:style>
+  </dgm:styleLbl>
+  <dgm:styleLbl name="alignAcc1">
+    <dgm:scene3d>
+      <a:camera prst="orthographicFront"/>
+      <a:lightRig rig="threePt" dir="t"/>
+    </dgm:scene3d>
+    <dgm:sp3d/>
+    <dgm:txPr/>
+    <dgm:style>
+      <a:lnRef idx="2">
+        <a:scrgbClr r="0" g="0" b="0"/>
+      </a:lnRef>
+      <a:fillRef idx="1">
+        <a:scrgbClr r="0" g="0" b="0"/>
+      </a:fillRef>
+      <a:effectRef idx="0">
+        <a:scrgbClr r="0" g="0" b="0"/>
+      </a:effectRef>
+      <a:fontRef idx="minor"/>
+    </dgm:style>
+  </dgm:styleLbl>
+  <dgm:styleLbl name="trAlignAcc1">
+    <dgm:scene3d>
+      <a:camera prst="orthographicFront"/>
+      <a:lightRig rig="threePt" dir="t"/>
+    </dgm:scene3d>
+    <dgm:sp3d/>
+    <dgm:txPr/>
+    <dgm:style>
+      <a:lnRef idx="1">
+        <a:scrgbClr r="0" g="0" b="0"/>
+      </a:lnRef>
+      <a:fillRef idx="1">
+        <a:scrgbClr r="0" g="0" b="0"/>
+      </a:fillRef>
+      <a:effectRef idx="0">
+        <a:scrgbClr r="0" g="0" b="0"/>
+      </a:effectRef>
+      <a:fontRef idx="minor"/>
+    </dgm:style>
+  </dgm:styleLbl>
+  <dgm:styleLbl name="bgAcc1">
+    <dgm:scene3d>
+      <a:camera prst="orthographicFront"/>
+      <a:lightRig rig="threePt" dir="t"/>
+    </dgm:scene3d>
+    <dgm:sp3d/>
+    <dgm:txPr/>
+    <dgm:style>
+      <a:lnRef idx="2">
+        <a:scrgbClr r="0" g="0" b="0"/>
+      </a:lnRef>
+      <a:fillRef idx="1">
+        <a:scrgbClr r="0" g="0" b="0"/>
+      </a:fillRef>
+      <a:effectRef idx="0">
+        <a:scrgbClr r="0" g="0" b="0"/>
+      </a:effectRef>
+      <a:fontRef idx="minor"/>
+    </dgm:style>
+  </dgm:styleLbl>
+  <dgm:styleLbl name="solidFgAcc1">
+    <dgm:scene3d>
+      <a:camera prst="orthographicFront"/>
+      <a:lightRig rig="threePt" dir="t"/>
+    </dgm:scene3d>
+    <dgm:sp3d/>
+    <dgm:txPr/>
+    <dgm:style>
+      <a:lnRef idx="2">
+        <a:scrgbClr r="0" g="0" b="0"/>
+      </a:lnRef>
+      <a:fillRef idx="1">
+        <a:scrgbClr r="0" g="0" b="0"/>
+      </a:fillRef>
+      <a:effectRef idx="0">
+        <a:scrgbClr r="0" g="0" b="0"/>
+      </a:effectRef>
+      <a:fontRef idx="minor"/>
+    </dgm:style>
+  </dgm:styleLbl>
+  <dgm:styleLbl name="solidAlignAcc1">
+    <dgm:scene3d>
+      <a:camera prst="orthographicFront"/>
+      <a:lightRig rig="threePt" dir="t"/>
+    </dgm:scene3d>
+    <dgm:sp3d/>
+    <dgm:txPr/>
+    <dgm:style>
+      <a:lnRef idx="2">
+        <a:scrgbClr r="0" g="0" b="0"/>
+      </a:lnRef>
+      <a:fillRef idx="1">
+        <a:scrgbClr r="0" g="0" b="0"/>
+      </a:fillRef>
+      <a:effectRef idx="0">
+        <a:scrgbClr r="0" g="0" b="0"/>
+      </a:effectRef>
+      <a:fontRef idx="minor"/>
+    </dgm:style>
+  </dgm:styleLbl>
+  <dgm:styleLbl name="solidBgAcc1">
+    <dgm:scene3d>
+      <a:camera prst="orthographicFront"/>
+      <a:lightRig rig="threePt" dir="t"/>
+    </dgm:scene3d>
+    <dgm:sp3d/>
+    <dgm:txPr/>
+    <dgm:style>
+      <a:lnRef idx="2">
+        <a:scrgbClr r="0" g="0" b="0"/>
+      </a:lnRef>
+      <a:fillRef idx="1">
+        <a:scrgbClr r="0" g="0" b="0"/>
+      </a:fillRef>
+      <a:effectRef idx="0">
+        <a:scrgbClr r="0" g="0" b="0"/>
+      </a:effectRef>
+      <a:fontRef idx="minor"/>
+    </dgm:style>
+  </dgm:styleLbl>
+  <dgm:styleLbl name="fgAccFollowNode1">
+    <dgm:scene3d>
+      <a:camera prst="orthographicFront"/>
+      <a:lightRig rig="threePt" dir="t"/>
+    </dgm:scene3d>
+    <dgm:sp3d/>
+    <dgm:txPr/>
+    <dgm:style>
+      <a:lnRef idx="2">
+        <a:scrgbClr r="0" g="0" b="0"/>
+      </a:lnRef>
+      <a:fillRef idx="1">
+        <a:scrgbClr r="0" g="0" b="0"/>
+      </a:fillRef>
+      <a:effectRef idx="0">
+        <a:scrgbClr r="0" g="0" b="0"/>
+      </a:effectRef>
+      <a:fontRef idx="minor"/>
+    </dgm:style>
+  </dgm:styleLbl>
+  <dgm:styleLbl name="alignAccFollowNode1">
+    <dgm:scene3d>
+      <a:camera prst="orthographicFront"/>
+      <a:lightRig rig="threePt" dir="t"/>
+    </dgm:scene3d>
+    <dgm:sp3d/>
+    <dgm:txPr/>
+    <dgm:style>
+      <a:lnRef idx="2">
+        <a:scrgbClr r="0" g="0" b="0"/>
+      </a:lnRef>
+      <a:fillRef idx="1">
+        <a:scrgbClr r="0" g="0" b="0"/>
+      </a:fillRef>
+      <a:effectRef idx="0">
+        <a:scrgbClr r="0" g="0" b="0"/>
+      </a:effectRef>
+      <a:fontRef idx="minor"/>
+    </dgm:style>
+  </dgm:styleLbl>
+  <dgm:styleLbl name="bgAccFollowNode1">
+    <dgm:scene3d>
+      <a:camera prst="orthographicFront"/>
+      <a:lightRig rig="threePt" dir="t"/>
+    </dgm:scene3d>
+    <dgm:sp3d/>
+    <dgm:txPr/>
+    <dgm:style>
+      <a:lnRef idx="2">
+        <a:scrgbClr r="0" g="0" b="0"/>
+      </a:lnRef>
+      <a:fillRef idx="1">
+        <a:scrgbClr r="0" g="0" b="0"/>
+      </a:fillRef>
+      <a:effectRef idx="0">
+        <a:scrgbClr r="0" g="0" b="0"/>
+      </a:effectRef>
+      <a:fontRef idx="minor"/>
+    </dgm:style>
+  </dgm:styleLbl>
+  <dgm:styleLbl name="fgAcc0">
+    <dgm:scene3d>
+      <a:camera prst="orthographicFront"/>
+      <a:lightRig rig="threePt" dir="t"/>
+    </dgm:scene3d>
+    <dgm:sp3d/>
+    <dgm:txPr/>
+    <dgm:style>
+      <a:lnRef idx="2">
+        <a:scrgbClr r="0" g="0" b="0"/>
+      </a:lnRef>
+      <a:fillRef idx="1">
+        <a:scrgbClr r="0" g="0" b="0"/>
+      </a:fillRef>
+      <a:effectRef idx="0">
+        <a:scrgbClr r="0" g="0" b="0"/>
+      </a:effectRef>
+      <a:fontRef idx="minor"/>
+    </dgm:style>
+  </dgm:styleLbl>
+  <dgm:styleLbl name="fgAcc2">
+    <dgm:scene3d>
+      <a:camera prst="orthographicFront"/>
+      <a:lightRig rig="threePt" dir="t"/>
+    </dgm:scene3d>
+    <dgm:sp3d/>
+    <dgm:txPr/>
+    <dgm:style>
+      <a:lnRef idx="2">
+        <a:scrgbClr r="0" g="0" b="0"/>
+      </a:lnRef>
+      <a:fillRef idx="1">
+        <a:scrgbClr r="0" g="0" b="0"/>
+      </a:fillRef>
+      <a:effectRef idx="0">
+        <a:scrgbClr r="0" g="0" b="0"/>
+      </a:effectRef>
+      <a:fontRef idx="minor"/>
+    </dgm:style>
+  </dgm:styleLbl>
+  <dgm:styleLbl name="fgAcc3">
+    <dgm:scene3d>
+      <a:camera prst="orthographicFront"/>
+      <a:lightRig rig="threePt" dir="t"/>
+    </dgm:scene3d>
+    <dgm:sp3d/>
+    <dgm:txPr/>
+    <dgm:style>
+      <a:lnRef idx="2">
+        <a:scrgbClr r="0" g="0" b="0"/>
+      </a:lnRef>
+      <a:fillRef idx="1">
+        <a:scrgbClr r="0" g="0" b="0"/>
+      </a:fillRef>
+      <a:effectRef idx="0">
+        <a:scrgbClr r="0" g="0" b="0"/>
+      </a:effectRef>
+      <a:fontRef idx="minor"/>
+    </dgm:style>
+  </dgm:styleLbl>
+  <dgm:styleLbl name="fgAcc4">
+    <dgm:scene3d>
+      <a:camera prst="orthographicFront"/>
+      <a:lightRig rig="threePt" dir="t"/>
+    </dgm:scene3d>
+    <dgm:sp3d/>
+    <dgm:txPr/>
+    <dgm:style>
+      <a:lnRef idx="2">
+        <a:scrgbClr r="0" g="0" b="0"/>
+      </a:lnRef>
+      <a:fillRef idx="1">
+        <a:scrgbClr r="0" g="0" b="0"/>
+      </a:fillRef>
+      <a:effectRef idx="0">
+        <a:scrgbClr r="0" g="0" b="0"/>
+      </a:effectRef>
+      <a:fontRef idx="minor"/>
+    </dgm:style>
+  </dgm:styleLbl>
+  <dgm:styleLbl name="bgShp">
+    <dgm:scene3d>
+      <a:camera prst="orthographicFront"/>
+      <a:lightRig rig="threePt" dir="t"/>
+    </dgm:scene3d>
+    <dgm:sp3d/>
+    <dgm:txPr/>
+    <dgm:style>
+      <a:lnRef idx="0">
+        <a:scrgbClr r="0" g="0" b="0"/>
+      </a:lnRef>
+      <a:fillRef idx="1">
+        <a:scrgbClr r="0" g="0" b="0"/>
+      </a:fillRef>
+      <a:effectRef idx="0">
+        <a:scrgbClr r="0" g="0" b="0"/>
+      </a:effectRef>
+      <a:fontRef idx="minor"/>
+    </dgm:style>
+  </dgm:styleLbl>
+  <dgm:styleLbl name="dkBgShp">
+    <dgm:scene3d>
+      <a:camera prst="orthographicFront"/>
+      <a:lightRig rig="threePt" dir="t"/>
+    </dgm:scene3d>
+    <dgm:sp3d/>
+    <dgm:txPr/>
+    <dgm:style>
+      <a:lnRef idx="0">
+        <a:scrgbClr r="0" g="0" b="0"/>
+      </a:lnRef>
+      <a:fillRef idx="1">
+        <a:scrgbClr r="0" g="0" b="0"/>
+      </a:fillRef>
+      <a:effectRef idx="0">
+        <a:scrgbClr r="0" g="0" b="0"/>
+      </a:effectRef>
+      <a:fontRef idx="minor"/>
+    </dgm:style>
+  </dgm:styleLbl>
+  <dgm:styleLbl name="trBgShp">
+    <dgm:scene3d>
+      <a:camera prst="orthographicFront"/>
+      <a:lightRig rig="threePt" dir="t"/>
+    </dgm:scene3d>
+    <dgm:sp3d/>
+    <dgm:txPr/>
+    <dgm:style>
+      <a:lnRef idx="0">
+        <a:scrgbClr r="0" g="0" b="0"/>
+      </a:lnRef>
+      <a:fillRef idx="1">
+        <a:scrgbClr r="0" g="0" b="0"/>
+      </a:fillRef>
+      <a:effectRef idx="0">
+        <a:scrgbClr r="0" g="0" b="0"/>
+      </a:effectRef>
+      <a:fontRef idx="minor"/>
+    </dgm:style>
+  </dgm:styleLbl>
+  <dgm:styleLbl name="fgShp">
+    <dgm:scene3d>
+      <a:camera prst="orthographicFront"/>
+      <a:lightRig rig="threePt" dir="t"/>
+    </dgm:scene3d>
+    <dgm:sp3d/>
+    <dgm:txPr/>
+    <dgm:style>
+      <a:lnRef idx="2">
+        <a:scrgbClr r="0" g="0" b="0"/>
+      </a:lnRef>
+      <a:fillRef idx="1">
+        <a:scrgbClr r="0" g="0" b="0"/>
+      </a:fillRef>
+      <a:effectRef idx="0">
+        <a:scrgbClr r="0" g="0" b="0"/>
+      </a:effectRef>
+      <a:fontRef idx="minor"/>
+    </dgm:style>
+  </dgm:styleLbl>
+  <dgm:styleLbl name="revTx">
+    <dgm:scene3d>
+      <a:camera prst="orthographicFront"/>
+      <a:lightRig rig="threePt" dir="t"/>
+    </dgm:scene3d>
+    <dgm:sp3d/>
+    <dgm:txPr/>
+    <dgm:style>
+      <a:lnRef idx="0">
+        <a:scrgbClr r="0" g="0" b="0"/>
+      </a:lnRef>
+      <a:fillRef idx="0">
+        <a:scrgbClr r="0" g="0" b="0"/>
+      </a:fillRef>
+      <a:effectRef idx="0">
+        <a:scrgbClr r="0" g="0" b="0"/>
+      </a:effectRef>
+      <a:fontRef idx="minor"/>
+    </dgm:style>
+  </dgm:styleLbl>
+</dgm:styleDef>
 </file>
 
 <file path=ppt/notesMasters/notesMaster1.xml><?xml version="1.0" encoding="utf-8"?>
@@ -3599,7 +6904,7 @@
                 <a:cs typeface="Arial" panose="020B0604020202020204" pitchFamily="34" charset="0"/>
                 <a:sym typeface="Montserrat"/>
               </a:rPr>
-              <a:t>Gianna Bautista, Ian Richards, Samuel Sarzaba, Ekta </a:t>
+              <a:t>Gianni Bautista, Ian Richards, Samuel Sarzaba, Ekta </a:t>
             </a:r>
             <a:r>
               <a:rPr lang="en-US" sz="3600" dirty="0" err="1">
@@ -3682,8 +6987,8 @@
         </p:nvSpPr>
         <p:spPr>
           <a:xfrm>
-            <a:off x="609599" y="5954876"/>
-            <a:ext cx="10972800" cy="21945600"/>
+            <a:off x="609600" y="6018264"/>
+            <a:ext cx="9372804" cy="22001565"/>
           </a:xfrm>
           <a:prstGeom prst="roundRect">
             <a:avLst>
@@ -3735,7 +7040,7 @@
                 <a:latin typeface="Arial" panose="020B0604020202020204" pitchFamily="34" charset="0"/>
                 <a:cs typeface="Arial" panose="020B0604020202020204" pitchFamily="34" charset="0"/>
               </a:rPr>
-              <a:t>As robots become increasingly integrated into dynamic workspaces like laboratories, hospitals, and creative studios, traditional safety systems are proving insufficient.</a:t>
+              <a:t>As robots are increasingly integrated into dynamic workspaces like laboratories, hospitals, and creative studios, traditional safety systems are proving insufficient.</a:t>
             </a:r>
           </a:p>
           <a:p>
@@ -3837,7 +7142,7 @@
                 <a:latin typeface="Arial" panose="020B0604020202020204" pitchFamily="34" charset="0"/>
                 <a:cs typeface="Arial" panose="020B0604020202020204" pitchFamily="34" charset="0"/>
               </a:rPr>
-              <a:t>By solving these challenges, ECHO will enable </a:t>
+              <a:t>ECHO will enable </a:t>
             </a:r>
             <a:r>
               <a:rPr lang="en-US" sz="3600" b="1" dirty="0">
@@ -3857,7 +7162,7 @@
                 <a:latin typeface="Arial" panose="020B0604020202020204" pitchFamily="34" charset="0"/>
                 <a:cs typeface="Arial" panose="020B0604020202020204" pitchFamily="34" charset="0"/>
               </a:rPr>
-              <a:t>across industries, supporting activities that require both human creativity and robotic precision. This advancement is *critical for the future of automation* in healthcare, manufacturing, and creative sectors.</a:t>
+              <a:t>across industries, supporting activities that require both human creativity and robotic precision. This is *critical for the future of automation* in healthcare, manufacturing, and creative sectors.</a:t>
             </a:r>
           </a:p>
           <a:p>
@@ -3945,8 +7250,8 @@
         </p:nvSpPr>
         <p:spPr>
           <a:xfrm>
-            <a:off x="12344398" y="5954876"/>
-            <a:ext cx="20116800" cy="16459200"/>
+            <a:off x="10811253" y="6018264"/>
+            <a:ext cx="20116801" cy="11547841"/>
           </a:xfrm>
           <a:prstGeom prst="roundRect">
             <a:avLst>
@@ -4027,8 +7332,8 @@
         </p:nvSpPr>
         <p:spPr>
           <a:xfrm>
-            <a:off x="12938369" y="7808299"/>
-            <a:ext cx="7315200" cy="13716000"/>
+            <a:off x="11405225" y="7871688"/>
+            <a:ext cx="7315200" cy="9623200"/>
           </a:xfrm>
           <a:prstGeom prst="roundRect">
             <a:avLst>
@@ -4087,8 +7392,8 @@
         </p:nvSpPr>
         <p:spPr>
           <a:xfrm>
-            <a:off x="33183871" y="5943601"/>
-            <a:ext cx="10058404" cy="6781800"/>
+            <a:off x="31797149" y="6018265"/>
+            <a:ext cx="11168850" cy="11547840"/>
           </a:xfrm>
           <a:prstGeom prst="roundRect">
             <a:avLst>
@@ -4128,7 +7433,7 @@
                 <a:latin typeface="Arial" panose="020B0604020202020204" pitchFamily="34" charset="0"/>
                 <a:cs typeface="Arial" panose="020B0604020202020204" pitchFamily="34" charset="0"/>
               </a:rPr>
-              <a:t>Future Work</a:t>
+              <a:t>Project Timeline</a:t>
             </a:r>
             <a:endParaRPr lang="en-US" sz="3200" dirty="0">
               <a:solidFill>
@@ -4139,107 +7444,7 @@
             </a:endParaRPr>
           </a:p>
           <a:p>
-            <a:r>
-              <a:rPr lang="en-US" sz="3600" b="1" dirty="0">
-                <a:solidFill>
-                  <a:schemeClr val="tx1"/>
-                </a:solidFill>
-                <a:latin typeface="Arial" panose="020B0604020202020204" pitchFamily="34" charset="0"/>
-                <a:cs typeface="Arial" panose="020B0604020202020204" pitchFamily="34" charset="0"/>
-              </a:rPr>
-              <a:t>Long-term Deployment Studies</a:t>
-            </a:r>
-            <a:endParaRPr lang="en-US" sz="3600" dirty="0">
-              <a:solidFill>
-                <a:schemeClr val="tx1"/>
-              </a:solidFill>
-              <a:latin typeface="Arial" panose="020B0604020202020204" pitchFamily="34" charset="0"/>
-              <a:cs typeface="Arial" panose="020B0604020202020204" pitchFamily="34" charset="0"/>
-            </a:endParaRPr>
-          </a:p>
-          <a:p>
-            <a:r>
-              <a:rPr lang="en-US" sz="3600" dirty="0">
-                <a:solidFill>
-                  <a:schemeClr val="tx1"/>
-                </a:solidFill>
-                <a:latin typeface="Arial" panose="020B0604020202020204" pitchFamily="34" charset="0"/>
-                <a:cs typeface="Arial" panose="020B0604020202020204" pitchFamily="34" charset="0"/>
-              </a:rPr>
-              <a:t>Test ECHO in real work settings like:</a:t>
-            </a:r>
-          </a:p>
-          <a:p>
-            <a:pPr marL="571500" indent="-571500">
-              <a:buFont typeface="Arial" panose="020B0604020202020204" pitchFamily="34" charset="0"/>
-              <a:buChar char="•"/>
-            </a:pPr>
-            <a:r>
-              <a:rPr lang="en-US" sz="3600" dirty="0">
-                <a:solidFill>
-                  <a:schemeClr val="tx1"/>
-                </a:solidFill>
-                <a:latin typeface="Arial" panose="020B0604020202020204" pitchFamily="34" charset="0"/>
-                <a:cs typeface="Arial" panose="020B0604020202020204" pitchFamily="34" charset="0"/>
-              </a:rPr>
-              <a:t>Hospitals - helping doctors and caring for patients</a:t>
-            </a:r>
-          </a:p>
-          <a:p>
-            <a:pPr marL="571500" indent="-571500">
-              <a:buFont typeface="Arial" panose="020B0604020202020204" pitchFamily="34" charset="0"/>
-              <a:buChar char="•"/>
-            </a:pPr>
-            <a:r>
-              <a:rPr lang="en-US" sz="3600" dirty="0">
-                <a:solidFill>
-                  <a:schemeClr val="tx1"/>
-                </a:solidFill>
-                <a:latin typeface="Arial" panose="020B0604020202020204" pitchFamily="34" charset="0"/>
-                <a:cs typeface="Arial" panose="020B0604020202020204" pitchFamily="34" charset="0"/>
-              </a:rPr>
-              <a:t>Factories - working on production lines</a:t>
-            </a:r>
-          </a:p>
-          <a:p>
-            <a:pPr marL="571500" indent="-571500">
-              <a:buFont typeface="Arial" panose="020B0604020202020204" pitchFamily="34" charset="0"/>
-              <a:buChar char="•"/>
-            </a:pPr>
-            <a:r>
-              <a:rPr lang="en-US" sz="3600" dirty="0">
-                <a:solidFill>
-                  <a:schemeClr val="tx1"/>
-                </a:solidFill>
-                <a:latin typeface="Arial" panose="020B0604020202020204" pitchFamily="34" charset="0"/>
-                <a:cs typeface="Arial" panose="020B0604020202020204" pitchFamily="34" charset="0"/>
-              </a:rPr>
-              <a:t>Studios - helping with cameras and lights</a:t>
-            </a:r>
-          </a:p>
-          <a:p>
-            <a:endParaRPr lang="en-US" sz="3600" dirty="0">
-              <a:solidFill>
-                <a:schemeClr val="tx1"/>
-              </a:solidFill>
-              <a:latin typeface="Arial" panose="020B0604020202020204" pitchFamily="34" charset="0"/>
-              <a:cs typeface="Arial" panose="020B0604020202020204" pitchFamily="34" charset="0"/>
-            </a:endParaRPr>
-          </a:p>
-          <a:p>
-            <a:r>
-              <a:rPr lang="en-US" sz="3600" dirty="0">
-                <a:solidFill>
-                  <a:schemeClr val="tx1"/>
-                </a:solidFill>
-                <a:latin typeface="Arial" panose="020B0604020202020204" pitchFamily="34" charset="0"/>
-                <a:cs typeface="Arial" panose="020B0604020202020204" pitchFamily="34" charset="0"/>
-              </a:rPr>
-              <a:t>Collect data on how well it works and what needs to be improved</a:t>
-            </a:r>
-          </a:p>
-          <a:p>
-            <a:endParaRPr lang="en-US" sz="3400" dirty="0">
+            <a:endParaRPr lang="en-US" sz="3400" baseline="-25000" dirty="0">
               <a:solidFill>
                 <a:schemeClr val="tx1"/>
               </a:solidFill>
@@ -4263,8 +7468,8 @@
         </p:nvSpPr>
         <p:spPr>
           <a:xfrm>
-            <a:off x="33183871" y="13414885"/>
-            <a:ext cx="10058404" cy="8999191"/>
+            <a:off x="31944723" y="18336037"/>
+            <a:ext cx="11136831" cy="8999191"/>
           </a:xfrm>
           <a:prstGeom prst="roundRect">
             <a:avLst>
@@ -4473,8 +7678,8 @@
         </p:blipFill>
         <p:spPr bwMode="auto">
           <a:xfrm>
-            <a:off x="1203569" y="6519589"/>
-            <a:ext cx="9784859" cy="5177112"/>
+            <a:off x="2117970" y="6529509"/>
+            <a:ext cx="6305843" cy="3336385"/>
           </a:xfrm>
           <a:prstGeom prst="roundRect">
             <a:avLst>
@@ -4506,7 +7711,7 @@
         </p:nvSpPr>
         <p:spPr>
           <a:xfrm>
-            <a:off x="13652765" y="19753931"/>
+            <a:off x="12119621" y="19817320"/>
             <a:ext cx="5798434" cy="1384995"/>
           </a:xfrm>
           <a:prstGeom prst="rect">
@@ -4568,8 +7773,8 @@
         </p:blipFill>
         <p:spPr bwMode="auto">
           <a:xfrm>
-            <a:off x="14302266" y="18336037"/>
-            <a:ext cx="4572000" cy="1246256"/>
+            <a:off x="12769122" y="18399426"/>
+            <a:ext cx="4572000" cy="874378"/>
           </a:xfrm>
           <a:prstGeom prst="rect">
             <a:avLst/>
@@ -4600,8 +7805,8 @@
         </p:nvSpPr>
         <p:spPr>
           <a:xfrm>
-            <a:off x="12344397" y="23103560"/>
-            <a:ext cx="30937203" cy="4796916"/>
+            <a:off x="10811254" y="25715883"/>
+            <a:ext cx="20116801" cy="1583498"/>
           </a:xfrm>
           <a:prstGeom prst="roundRect">
             <a:avLst>
@@ -4792,8 +7997,8 @@
         </p:blipFill>
         <p:spPr bwMode="auto">
           <a:xfrm>
-            <a:off x="24098534" y="7808299"/>
-            <a:ext cx="6372320" cy="8378655"/>
+            <a:off x="22565390" y="7871689"/>
+            <a:ext cx="6372320" cy="5878498"/>
           </a:xfrm>
           <a:prstGeom prst="rect">
             <a:avLst/>
@@ -4824,8 +8029,8 @@
         </p:nvSpPr>
         <p:spPr>
           <a:xfrm>
-            <a:off x="20869654" y="16037899"/>
-            <a:ext cx="10972800" cy="5486400"/>
+            <a:off x="19336509" y="16101287"/>
+            <a:ext cx="10972801" cy="3849281"/>
           </a:xfrm>
           <a:prstGeom prst="roundRect">
             <a:avLst>
@@ -4897,8 +8102,8 @@
         </p:blipFill>
         <p:spPr bwMode="auto">
           <a:xfrm>
-            <a:off x="22318050" y="17930465"/>
-            <a:ext cx="1962246" cy="1828800"/>
+            <a:off x="20784906" y="17993854"/>
+            <a:ext cx="1962246" cy="1283093"/>
           </a:xfrm>
           <a:prstGeom prst="rect">
             <a:avLst/>
@@ -4942,8 +8147,8 @@
         </p:blipFill>
         <p:spPr bwMode="auto">
           <a:xfrm>
-            <a:off x="27508262" y="17930465"/>
-            <a:ext cx="2641717" cy="1828800"/>
+            <a:off x="25975118" y="17993854"/>
+            <a:ext cx="2641717" cy="1283093"/>
           </a:xfrm>
           <a:prstGeom prst="rect">
             <a:avLst/>
@@ -4975,7 +8180,7 @@
         </p:nvSpPr>
         <p:spPr>
           <a:xfrm>
-            <a:off x="26221301" y="19759265"/>
+            <a:off x="24688157" y="19822654"/>
             <a:ext cx="5215640" cy="1384995"/>
           </a:xfrm>
           <a:prstGeom prst="rect">
@@ -5024,7 +8229,7 @@
         </p:nvSpPr>
         <p:spPr>
           <a:xfrm>
-            <a:off x="21393715" y="19759265"/>
+            <a:off x="19860571" y="19822654"/>
             <a:ext cx="3810916" cy="1384995"/>
           </a:xfrm>
           <a:prstGeom prst="rect">
@@ -5073,8 +8278,8 @@
         </p:nvSpPr>
         <p:spPr>
           <a:xfrm>
-            <a:off x="24751279" y="18501965"/>
-            <a:ext cx="2286000" cy="914400"/>
+            <a:off x="23218135" y="18565354"/>
+            <a:ext cx="2286000" cy="641547"/>
           </a:xfrm>
           <a:prstGeom prst="rightArrow">
             <a:avLst/>
@@ -5135,8 +8340,8 @@
         </p:blipFill>
         <p:spPr bwMode="auto">
           <a:xfrm>
-            <a:off x="14158645" y="9584034"/>
-            <a:ext cx="4862995" cy="4572000"/>
+            <a:off x="12625501" y="9647423"/>
+            <a:ext cx="4862995" cy="3207733"/>
           </a:xfrm>
           <a:prstGeom prst="rect">
             <a:avLst/>
@@ -5167,7 +8372,7 @@
         </p:nvSpPr>
         <p:spPr>
           <a:xfrm>
-            <a:off x="14304142" y="14184476"/>
+            <a:off x="12770998" y="14247865"/>
             <a:ext cx="4572000" cy="1384995"/>
           </a:xfrm>
           <a:prstGeom prst="rect">
@@ -5216,8 +8421,8 @@
         </p:nvSpPr>
         <p:spPr>
           <a:xfrm>
-            <a:off x="16138769" y="16143716"/>
-            <a:ext cx="914400" cy="1828800"/>
+            <a:off x="14605625" y="16207105"/>
+            <a:ext cx="914400" cy="1283093"/>
           </a:xfrm>
           <a:prstGeom prst="downArrow">
             <a:avLst/>
@@ -5265,8 +8470,8 @@
         </p:nvSpPr>
         <p:spPr>
           <a:xfrm>
-            <a:off x="19451199" y="18501965"/>
-            <a:ext cx="2286000" cy="914400"/>
+            <a:off x="17918055" y="18565354"/>
+            <a:ext cx="2286000" cy="641547"/>
           </a:xfrm>
           <a:prstGeom prst="rightArrow">
             <a:avLst/>
@@ -5314,8 +8519,8 @@
         </p:nvSpPr>
         <p:spPr>
           <a:xfrm flipV="1">
-            <a:off x="30620962" y="11068781"/>
-            <a:ext cx="1371600" cy="8001000"/>
+            <a:off x="29087818" y="11132170"/>
+            <a:ext cx="1371600" cy="5613533"/>
           </a:xfrm>
           <a:prstGeom prst="curvedLeftArrow">
             <a:avLst/>
@@ -5639,6 +8844,34 @@
           </a:p>
         </p:txBody>
       </p:sp>
+      <p:graphicFrame>
+        <p:nvGraphicFramePr>
+          <p:cNvPr id="12" name="Diagram 11">
+            <a:extLst>
+              <a:ext uri="{FF2B5EF4-FFF2-40B4-BE49-F238E27FC236}">
+                <a16:creationId xmlns:a16="http://schemas.microsoft.com/office/drawing/2014/main" id="{E4D4C5AD-6021-C394-4349-02BEE0B7D14E}"/>
+              </a:ext>
+            </a:extLst>
+          </p:cNvPr>
+          <p:cNvGraphicFramePr/>
+          <p:nvPr>
+            <p:extLst>
+              <p:ext uri="{D42A27DB-BD31-4B8C-83A1-F6EECF244321}">
+                <p14:modId xmlns:p14="http://schemas.microsoft.com/office/powerpoint/2010/main" val="1423593376"/>
+              </p:ext>
+            </p:extLst>
+          </p:nvPr>
+        </p:nvGraphicFramePr>
+        <p:xfrm>
+          <a:off x="32426789" y="7871688"/>
+          <a:ext cx="10346900" cy="8924396"/>
+        </p:xfrm>
+        <a:graphic>
+          <a:graphicData uri="http://schemas.openxmlformats.org/drawingml/2006/diagram">
+            <dgm:relIds xmlns:dgm="http://schemas.openxmlformats.org/drawingml/2006/diagram" xmlns:r="http://schemas.openxmlformats.org/officeDocument/2006/relationships" r:dm="rId8" r:lo="rId9" r:qs="rId10" r:cs="rId11"/>
+          </a:graphicData>
+        </a:graphic>
+      </p:graphicFrame>
     </p:spTree>
     <p:extLst>
       <p:ext uri="{BB962C8B-B14F-4D97-AF65-F5344CB8AC3E}">

--- a/Project Deliverables/CS 25-347_Poster Rough Draft.pptx
+++ b/Project Deliverables/CS 25-347_Poster Rough Draft.pptx
@@ -208,7 +208,7 @@
           <a:p>
             <a:fld id="{C605AE8F-D750-4DFF-B786-EB33F602B7F0}" type="datetimeFigureOut">
               <a:rPr lang="en-US" smtClean="0"/>
-              <a:t>11/14/2024</a:t>
+              <a:t>11/15/2024</a:t>
             </a:fld>
             <a:endParaRPr lang="en-US"/>
           </a:p>
@@ -606,7 +606,7 @@
           <a:p>
             <a:fld id="{C764DE79-268F-4C1A-8933-263129D2AF90}" type="datetimeFigureOut">
               <a:rPr lang="en-US" dirty="0"/>
-              <a:t>11/14/2024</a:t>
+              <a:t>11/15/2024</a:t>
             </a:fld>
             <a:endParaRPr lang="en-US" dirty="0"/>
           </a:p>
@@ -776,7 +776,7 @@
           <a:p>
             <a:fld id="{C764DE79-268F-4C1A-8933-263129D2AF90}" type="datetimeFigureOut">
               <a:rPr lang="en-US" dirty="0"/>
-              <a:t>11/14/2024</a:t>
+              <a:t>11/15/2024</a:t>
             </a:fld>
             <a:endParaRPr lang="en-US" dirty="0"/>
           </a:p>
@@ -956,7 +956,7 @@
           <a:p>
             <a:fld id="{C764DE79-268F-4C1A-8933-263129D2AF90}" type="datetimeFigureOut">
               <a:rPr lang="en-US" dirty="0"/>
-              <a:t>11/14/2024</a:t>
+              <a:t>11/15/2024</a:t>
             </a:fld>
             <a:endParaRPr lang="en-US" dirty="0"/>
           </a:p>
@@ -1262,7 +1262,7 @@
           <a:p>
             <a:fld id="{C764DE79-268F-4C1A-8933-263129D2AF90}" type="datetimeFigureOut">
               <a:rPr lang="en-US" dirty="0"/>
-              <a:t>11/14/2024</a:t>
+              <a:t>11/15/2024</a:t>
             </a:fld>
             <a:endParaRPr lang="en-US" dirty="0"/>
           </a:p>
@@ -1506,7 +1506,7 @@
           <a:p>
             <a:fld id="{C764DE79-268F-4C1A-8933-263129D2AF90}" type="datetimeFigureOut">
               <a:rPr lang="en-US" dirty="0"/>
-              <a:t>11/14/2024</a:t>
+              <a:t>11/15/2024</a:t>
             </a:fld>
             <a:endParaRPr lang="en-US" dirty="0"/>
           </a:p>
@@ -1738,7 +1738,7 @@
           <a:p>
             <a:fld id="{C764DE79-268F-4C1A-8933-263129D2AF90}" type="datetimeFigureOut">
               <a:rPr lang="en-US" dirty="0"/>
-              <a:t>11/14/2024</a:t>
+              <a:t>11/15/2024</a:t>
             </a:fld>
             <a:endParaRPr lang="en-US" dirty="0"/>
           </a:p>
@@ -2105,7 +2105,7 @@
           <a:p>
             <a:fld id="{C764DE79-268F-4C1A-8933-263129D2AF90}" type="datetimeFigureOut">
               <a:rPr lang="en-US" dirty="0"/>
-              <a:t>11/14/2024</a:t>
+              <a:t>11/15/2024</a:t>
             </a:fld>
             <a:endParaRPr lang="en-US" dirty="0"/>
           </a:p>
@@ -2223,7 +2223,7 @@
           <a:p>
             <a:fld id="{C764DE79-268F-4C1A-8933-263129D2AF90}" type="datetimeFigureOut">
               <a:rPr lang="en-US" dirty="0"/>
-              <a:t>11/14/2024</a:t>
+              <a:t>11/15/2024</a:t>
             </a:fld>
             <a:endParaRPr lang="en-US" dirty="0"/>
           </a:p>
@@ -2318,7 +2318,7 @@
           <a:p>
             <a:fld id="{C764DE79-268F-4C1A-8933-263129D2AF90}" type="datetimeFigureOut">
               <a:rPr lang="en-US" dirty="0"/>
-              <a:t>11/14/2024</a:t>
+              <a:t>11/15/2024</a:t>
             </a:fld>
             <a:endParaRPr lang="en-US" dirty="0"/>
           </a:p>
@@ -2595,7 +2595,7 @@
           <a:p>
             <a:fld id="{C764DE79-268F-4C1A-8933-263129D2AF90}" type="datetimeFigureOut">
               <a:rPr lang="en-US" dirty="0"/>
-              <a:t>11/14/2024</a:t>
+              <a:t>11/15/2024</a:t>
             </a:fld>
             <a:endParaRPr lang="en-US" dirty="0"/>
           </a:p>
@@ -2852,7 +2852,7 @@
           <a:p>
             <a:fld id="{C764DE79-268F-4C1A-8933-263129D2AF90}" type="datetimeFigureOut">
               <a:rPr lang="en-US" dirty="0"/>
-              <a:t>11/14/2024</a:t>
+              <a:t>11/15/2024</a:t>
             </a:fld>
             <a:endParaRPr lang="en-US" dirty="0"/>
           </a:p>
@@ -3065,7 +3065,7 @@
           <a:p>
             <a:fld id="{C764DE79-268F-4C1A-8933-263129D2AF90}" type="datetimeFigureOut">
               <a:rPr lang="en-US" dirty="0"/>
-              <a:t>11/14/2024</a:t>
+              <a:t>11/15/2024</a:t>
             </a:fld>
             <a:endParaRPr lang="en-US" dirty="0"/>
           </a:p>
@@ -3682,8 +3682,8 @@
         </p:nvSpPr>
         <p:spPr>
           <a:xfrm>
-            <a:off x="609599" y="5954876"/>
-            <a:ext cx="10972800" cy="21945600"/>
+            <a:off x="609599" y="5954877"/>
+            <a:ext cx="10058400" cy="21945600"/>
           </a:xfrm>
           <a:prstGeom prst="roundRect">
             <a:avLst>
@@ -3946,7 +3946,7 @@
         <p:spPr>
           <a:xfrm>
             <a:off x="12344398" y="5954876"/>
-            <a:ext cx="20116800" cy="16459200"/>
+            <a:ext cx="20116800" cy="11887200"/>
           </a:xfrm>
           <a:prstGeom prst="roundRect">
             <a:avLst>
@@ -4008,67 +4008,7 @@
                 <a:latin typeface="Arial" panose="020B0604020202020204" pitchFamily="34" charset="0"/>
                 <a:cs typeface="Arial" panose="020B0604020202020204" pitchFamily="34" charset="0"/>
               </a:rPr>
-              <a:t>Data Flow</a:t>
-            </a:r>
-          </a:p>
-        </p:txBody>
-      </p:sp>
-      <p:sp>
-        <p:nvSpPr>
-          <p:cNvPr id="31" name="Rectangle: Rounded Corners 30">
-            <a:extLst>
-              <a:ext uri="{FF2B5EF4-FFF2-40B4-BE49-F238E27FC236}">
-                <a16:creationId xmlns:a16="http://schemas.microsoft.com/office/drawing/2014/main" id="{F29EA7DA-8DB8-0AD2-6398-3809103A7F69}"/>
-              </a:ext>
-            </a:extLst>
-          </p:cNvPr>
-          <p:cNvSpPr/>
-          <p:nvPr/>
-        </p:nvSpPr>
-        <p:spPr>
-          <a:xfrm>
-            <a:off x="12938369" y="7808299"/>
-            <a:ext cx="7315200" cy="13716000"/>
-          </a:xfrm>
-          <a:prstGeom prst="roundRect">
-            <a:avLst>
-              <a:gd name="adj" fmla="val 4663"/>
-            </a:avLst>
-          </a:prstGeom>
-          <a:solidFill>
-            <a:schemeClr val="bg1"/>
-          </a:solidFill>
-        </p:spPr>
-        <p:style>
-          <a:lnRef idx="2">
-            <a:schemeClr val="accent1">
-              <a:shade val="15000"/>
-            </a:schemeClr>
-          </a:lnRef>
-          <a:fillRef idx="1">
-            <a:schemeClr val="accent1"/>
-          </a:fillRef>
-          <a:effectRef idx="0">
-            <a:schemeClr val="accent1"/>
-          </a:effectRef>
-          <a:fontRef idx="minor">
-            <a:schemeClr val="lt1"/>
-          </a:fontRef>
-        </p:style>
-        <p:txBody>
-          <a:bodyPr lIns="457200" tIns="457200" rIns="457200" bIns="457200" rtlCol="0" anchor="t" anchorCtr="0"/>
-          <a:lstStyle/>
-          <a:p>
-            <a:pPr algn="ctr"/>
-            <a:r>
-              <a:rPr lang="en-US" sz="4800" b="1" dirty="0">
-                <a:solidFill>
-                  <a:schemeClr val="tx1"/>
-                </a:solidFill>
-                <a:latin typeface="Arial" panose="020B0604020202020204" pitchFamily="34" charset="0"/>
-                <a:cs typeface="Arial" panose="020B0604020202020204" pitchFamily="34" charset="0"/>
-              </a:rPr>
-              <a:t>Real World</a:t>
+              <a:t>Use Case</a:t>
             </a:r>
           </a:p>
         </p:txBody>
@@ -4474,7 +4414,7 @@
         <p:spPr bwMode="auto">
           <a:xfrm>
             <a:off x="1203569" y="6519589"/>
-            <a:ext cx="9784859" cy="5177112"/>
+            <a:ext cx="8848729" cy="4681811"/>
           </a:xfrm>
           <a:prstGeom prst="roundRect">
             <a:avLst>
@@ -4492,61 +4432,12 @@
           <a:effectLst/>
         </p:spPr>
       </p:pic>
-      <p:sp>
-        <p:nvSpPr>
-          <p:cNvPr id="11" name="TextBox 10">
+      <p:pic>
+        <p:nvPicPr>
+          <p:cNvPr id="6" name="Picture 6" descr="The Comprehensive Guide to Robots (Cobots) on RS Marketplace">
             <a:extLst>
               <a:ext uri="{FF2B5EF4-FFF2-40B4-BE49-F238E27FC236}">
-                <a16:creationId xmlns:a16="http://schemas.microsoft.com/office/drawing/2014/main" id="{CF7DC84C-D925-494D-1BDD-158704BDF911}"/>
-              </a:ext>
-            </a:extLst>
-          </p:cNvPr>
-          <p:cNvSpPr txBox="1"/>
-          <p:nvPr/>
-        </p:nvSpPr>
-        <p:spPr>
-          <a:xfrm>
-            <a:off x="13652765" y="19753931"/>
-            <a:ext cx="5798434" cy="1384995"/>
-          </a:xfrm>
-          <a:prstGeom prst="rect">
-            <a:avLst/>
-          </a:prstGeom>
-          <a:noFill/>
-        </p:spPr>
-        <p:txBody>
-          <a:bodyPr wrap="square" rtlCol="0">
-            <a:spAutoFit/>
-          </a:bodyPr>
-          <a:lstStyle/>
-          <a:p>
-            <a:pPr algn="ctr"/>
-            <a:r>
-              <a:rPr lang="en-US" sz="4800" b="1" dirty="0">
-                <a:latin typeface="Arial" panose="020B0604020202020204" pitchFamily="34" charset="0"/>
-                <a:cs typeface="Arial" panose="020B0604020202020204" pitchFamily="34" charset="0"/>
-              </a:rPr>
-              <a:t>RealSense Camera</a:t>
-            </a:r>
-          </a:p>
-          <a:p>
-            <a:pPr algn="ctr"/>
-            <a:r>
-              <a:rPr lang="en-US" sz="3600" dirty="0">
-                <a:latin typeface="Arial" panose="020B0604020202020204" pitchFamily="34" charset="0"/>
-                <a:cs typeface="Arial" panose="020B0604020202020204" pitchFamily="34" charset="0"/>
-              </a:rPr>
-              <a:t>Depth &amp; RGB Data</a:t>
-            </a:r>
-          </a:p>
-        </p:txBody>
-      </p:sp>
-      <p:pic>
-        <p:nvPicPr>
-          <p:cNvPr id="1032" name="Picture 8" descr="Intel® RealSense™ Computer Vision - Depth and Tracking cameras">
-            <a:extLst>
-              <a:ext uri="{FF2B5EF4-FFF2-40B4-BE49-F238E27FC236}">
-                <a16:creationId xmlns:a16="http://schemas.microsoft.com/office/drawing/2014/main" id="{CF66114F-BBCA-1D60-6E63-E1EFC34B15A9}"/>
+                <a16:creationId xmlns:a16="http://schemas.microsoft.com/office/drawing/2014/main" id="{281AB8A6-DA3D-7057-FCA0-6B09FD6CD19D}"/>
               </a:ext>
             </a:extLst>
           </p:cNvPr>
@@ -4563,237 +4454,13 @@
               </a:ext>
             </a:extLst>
           </a:blip>
-          <a:srcRect l="4125"/>
-          <a:stretch/>
-        </p:blipFill>
-        <p:spPr bwMode="auto">
-          <a:xfrm>
-            <a:off x="14302266" y="18336037"/>
-            <a:ext cx="4572000" cy="1246256"/>
-          </a:xfrm>
-          <a:prstGeom prst="rect">
-            <a:avLst/>
-          </a:prstGeom>
-          <a:noFill/>
-          <a:extLst>
-            <a:ext uri="{909E8E84-426E-40DD-AFC4-6F175D3DCCD1}">
-              <a14:hiddenFill xmlns:a14="http://schemas.microsoft.com/office/drawing/2010/main">
-                <a:solidFill>
-                  <a:srgbClr val="FFFFFF"/>
-                </a:solidFill>
-              </a14:hiddenFill>
-            </a:ext>
-          </a:extLst>
-        </p:spPr>
-      </p:pic>
-      <p:sp>
-        <p:nvSpPr>
-          <p:cNvPr id="28" name="Rectangle: Rounded Corners 27">
-            <a:extLst>
-              <a:ext uri="{FF2B5EF4-FFF2-40B4-BE49-F238E27FC236}">
-                <a16:creationId xmlns:a16="http://schemas.microsoft.com/office/drawing/2014/main" id="{8762B3A6-C5AD-A60E-0D7C-7A86B3B7B9AC}"/>
-              </a:ext>
-            </a:extLst>
-          </p:cNvPr>
-          <p:cNvSpPr/>
-          <p:nvPr/>
-        </p:nvSpPr>
-        <p:spPr>
-          <a:xfrm>
-            <a:off x="12344397" y="23103560"/>
-            <a:ext cx="30937203" cy="4796916"/>
-          </a:xfrm>
-          <a:prstGeom prst="roundRect">
-            <a:avLst>
-              <a:gd name="adj" fmla="val 9904"/>
-            </a:avLst>
-          </a:prstGeom>
-          <a:solidFill>
-            <a:schemeClr val="bg1"/>
-          </a:solidFill>
-          <a:effectLst/>
-        </p:spPr>
-        <p:style>
-          <a:lnRef idx="2">
-            <a:schemeClr val="accent1">
-              <a:shade val="15000"/>
-            </a:schemeClr>
-          </a:lnRef>
-          <a:fillRef idx="1">
-            <a:schemeClr val="accent1"/>
-          </a:fillRef>
-          <a:effectRef idx="0">
-            <a:schemeClr val="accent1"/>
-          </a:effectRef>
-          <a:fontRef idx="minor">
-            <a:schemeClr val="lt1"/>
-          </a:fontRef>
-        </p:style>
-        <p:txBody>
-          <a:bodyPr lIns="457200" tIns="457200" rIns="457200" bIns="457200" rtlCol="0" anchor="t" anchorCtr="0"/>
-          <a:lstStyle/>
-          <a:p>
-            <a:r>
-              <a:rPr lang="en-US" sz="4800" b="1" dirty="0">
-                <a:solidFill>
-                  <a:schemeClr val="tx1"/>
-                </a:solidFill>
-                <a:latin typeface="Arial" panose="020B0604020202020204" pitchFamily="34" charset="0"/>
-                <a:cs typeface="Arial" panose="020B0604020202020204" pitchFamily="34" charset="0"/>
-              </a:rPr>
-              <a:t>Citations</a:t>
-            </a:r>
-            <a:endParaRPr lang="en-US" sz="3200" dirty="0">
-              <a:solidFill>
-                <a:schemeClr val="tx1"/>
-              </a:solidFill>
-              <a:latin typeface="Arial" panose="020B0604020202020204" pitchFamily="34" charset="0"/>
-              <a:cs typeface="Arial" panose="020B0604020202020204" pitchFamily="34" charset="0"/>
-            </a:endParaRPr>
-          </a:p>
-          <a:p>
-            <a:pPr marL="0" marR="0">
-              <a:lnSpc>
-                <a:spcPct val="115000"/>
-              </a:lnSpc>
-              <a:spcAft>
-                <a:spcPts val="800"/>
-              </a:spcAft>
-            </a:pPr>
-            <a:r>
-              <a:rPr lang="en-US" sz="3600" kern="0" dirty="0">
-                <a:solidFill>
-                  <a:schemeClr val="tx1"/>
-                </a:solidFill>
-                <a:effectLst/>
-                <a:latin typeface="Arial" panose="020B0604020202020204" pitchFamily="34" charset="0"/>
-                <a:ea typeface="Times New Roman" panose="02020603050405020304" pitchFamily="18" charset="0"/>
-                <a:cs typeface="Arial" panose="020B0604020202020204" pitchFamily="34" charset="0"/>
-              </a:rPr>
-              <a:t>[1] Intel RealSense D455 Technical Documentation (2024)</a:t>
-            </a:r>
-            <a:endParaRPr lang="en-US" sz="3600" kern="100" dirty="0">
-              <a:solidFill>
-                <a:schemeClr val="tx1"/>
-              </a:solidFill>
-              <a:effectLst/>
-              <a:latin typeface="Arial" panose="020B0604020202020204" pitchFamily="34" charset="0"/>
-              <a:ea typeface="Aptos" panose="020B0004020202020204" pitchFamily="34" charset="0"/>
-              <a:cs typeface="Arial" panose="020B0604020202020204" pitchFamily="34" charset="0"/>
-            </a:endParaRPr>
-          </a:p>
-          <a:p>
-            <a:pPr marL="0" marR="0">
-              <a:lnSpc>
-                <a:spcPct val="115000"/>
-              </a:lnSpc>
-              <a:spcAft>
-                <a:spcPts val="800"/>
-              </a:spcAft>
-            </a:pPr>
-            <a:r>
-              <a:rPr lang="en-US" sz="3600" kern="0" dirty="0">
-                <a:solidFill>
-                  <a:schemeClr val="tx1"/>
-                </a:solidFill>
-                <a:effectLst/>
-                <a:latin typeface="Arial" panose="020B0604020202020204" pitchFamily="34" charset="0"/>
-                <a:ea typeface="Times New Roman" panose="02020603050405020304" pitchFamily="18" charset="0"/>
-                <a:cs typeface="Arial" panose="020B0604020202020204" pitchFamily="34" charset="0"/>
-              </a:rPr>
-              <a:t>[2] NVIDIA Isaac Sim Development Guide (2024)</a:t>
-            </a:r>
-          </a:p>
-          <a:p>
-            <a:pPr>
-              <a:lnSpc>
-                <a:spcPct val="115000"/>
-              </a:lnSpc>
-              <a:spcAft>
-                <a:spcPts val="800"/>
-              </a:spcAft>
-            </a:pPr>
-            <a:r>
-              <a:rPr lang="en-US" sz="3600" kern="0" dirty="0">
-                <a:solidFill>
-                  <a:schemeClr val="tx1"/>
-                </a:solidFill>
-                <a:effectLst/>
-                <a:latin typeface="Arial" panose="020B0604020202020204" pitchFamily="34" charset="0"/>
-                <a:ea typeface="Times New Roman" panose="02020603050405020304" pitchFamily="18" charset="0"/>
-                <a:cs typeface="Arial" panose="020B0604020202020204" pitchFamily="34" charset="0"/>
-              </a:rPr>
-              <a:t>[3] Previous VCU Capstone Projects (2022-2023) - Phases 1 &amp; 2</a:t>
-            </a:r>
-            <a:endParaRPr lang="en-US" sz="3600" kern="100" dirty="0">
-              <a:solidFill>
-                <a:schemeClr val="tx1"/>
-              </a:solidFill>
-              <a:effectLst/>
-              <a:latin typeface="Arial" panose="020B0604020202020204" pitchFamily="34" charset="0"/>
-              <a:ea typeface="Aptos" panose="020B0004020202020204" pitchFamily="34" charset="0"/>
-              <a:cs typeface="Arial" panose="020B0604020202020204" pitchFamily="34" charset="0"/>
-            </a:endParaRPr>
-          </a:p>
-          <a:p>
-            <a:pPr marL="0" marR="0">
-              <a:lnSpc>
-                <a:spcPct val="115000"/>
-              </a:lnSpc>
-              <a:spcAft>
-                <a:spcPts val="800"/>
-              </a:spcAft>
-            </a:pPr>
-            <a:endParaRPr lang="en-US" sz="3600" kern="100" dirty="0">
-              <a:solidFill>
-                <a:schemeClr val="tx1"/>
-              </a:solidFill>
-              <a:effectLst/>
-              <a:latin typeface="Arial" panose="020B0604020202020204" pitchFamily="34" charset="0"/>
-              <a:ea typeface="Aptos" panose="020B0004020202020204" pitchFamily="34" charset="0"/>
-              <a:cs typeface="Arial" panose="020B0604020202020204" pitchFamily="34" charset="0"/>
-            </a:endParaRPr>
-          </a:p>
-          <a:p>
-            <a:endParaRPr lang="en-US" sz="3400" dirty="0">
-              <a:solidFill>
-                <a:schemeClr val="tx1"/>
-              </a:solidFill>
-              <a:latin typeface="Arial" panose="020B0604020202020204" pitchFamily="34" charset="0"/>
-              <a:cs typeface="Arial" panose="020B0604020202020204" pitchFamily="34" charset="0"/>
-            </a:endParaRPr>
-          </a:p>
-        </p:txBody>
-      </p:sp>
-      <p:pic>
-        <p:nvPicPr>
-          <p:cNvPr id="6" name="Picture 6" descr="The Comprehensive Guide to Robots (Cobots) on RS Marketplace">
-            <a:extLst>
-              <a:ext uri="{FF2B5EF4-FFF2-40B4-BE49-F238E27FC236}">
-                <a16:creationId xmlns:a16="http://schemas.microsoft.com/office/drawing/2014/main" id="{281AB8A6-DA3D-7057-FCA0-6B09FD6CD19D}"/>
-              </a:ext>
-            </a:extLst>
-          </p:cNvPr>
-          <p:cNvPicPr>
-            <a:picLocks noChangeAspect="1" noChangeArrowheads="1"/>
-          </p:cNvPicPr>
-          <p:nvPr/>
-        </p:nvPicPr>
-        <p:blipFill rotWithShape="1">
-          <a:blip r:embed="rId4">
-            <a:extLst>
-              <a:ext uri="{28A0092B-C50C-407E-A947-70E740481C1C}">
-                <a14:useLocalDpi xmlns:a14="http://schemas.microsoft.com/office/drawing/2010/main" val="0"/>
-              </a:ext>
-            </a:extLst>
-          </a:blip>
           <a:srcRect l="15110" t="19505" r="26643" b="7768"/>
           <a:stretch/>
         </p:blipFill>
         <p:spPr bwMode="auto">
           <a:xfrm>
-            <a:off x="24098534" y="7808299"/>
-            <a:ext cx="6372320" cy="8378655"/>
+            <a:off x="25882421" y="6711274"/>
+            <a:ext cx="5563517" cy="7315200"/>
           </a:xfrm>
           <a:prstGeom prst="rect">
             <a:avLst/>
@@ -4824,8 +4491,8 @@
         </p:nvSpPr>
         <p:spPr>
           <a:xfrm>
-            <a:off x="20869654" y="16037899"/>
-            <a:ext cx="10972800" cy="5486400"/>
+            <a:off x="12904496" y="7711037"/>
+            <a:ext cx="5791195" cy="9601200"/>
           </a:xfrm>
           <a:prstGeom prst="roundRect">
             <a:avLst>
@@ -4885,7 +4552,7 @@
           <p:nvPr/>
         </p:nvPicPr>
         <p:blipFill rotWithShape="1">
-          <a:blip r:embed="rId5">
+          <a:blip r:embed="rId4">
             <a:extLst>
               <a:ext uri="{28A0092B-C50C-407E-A947-70E740481C1C}">
                 <a14:useLocalDpi xmlns:a14="http://schemas.microsoft.com/office/drawing/2010/main" val="0"/>
@@ -4897,7 +4564,7 @@
         </p:blipFill>
         <p:spPr bwMode="auto">
           <a:xfrm>
-            <a:off x="22318050" y="17930465"/>
+            <a:off x="14818970" y="10144604"/>
             <a:ext cx="1962246" cy="1828800"/>
           </a:xfrm>
           <a:prstGeom prst="rect">
@@ -4930,7 +4597,7 @@
           <p:nvPr/>
         </p:nvPicPr>
         <p:blipFill rotWithShape="1">
-          <a:blip r:embed="rId6">
+          <a:blip r:embed="rId5">
             <a:extLst>
               <a:ext uri="{28A0092B-C50C-407E-A947-70E740481C1C}">
                 <a14:useLocalDpi xmlns:a14="http://schemas.microsoft.com/office/drawing/2010/main" val="0"/>
@@ -4942,7 +4609,7 @@
         </p:blipFill>
         <p:spPr bwMode="auto">
           <a:xfrm>
-            <a:off x="27508262" y="17930465"/>
+            <a:off x="14479234" y="13655703"/>
             <a:ext cx="2641717" cy="1828800"/>
           </a:xfrm>
           <a:prstGeom prst="rect">
@@ -4975,7 +4642,7 @@
         </p:nvSpPr>
         <p:spPr>
           <a:xfrm>
-            <a:off x="26221301" y="19759265"/>
+            <a:off x="13175928" y="15484503"/>
             <a:ext cx="5215640" cy="1384995"/>
           </a:xfrm>
           <a:prstGeom prst="rect">
@@ -5024,7 +4691,7 @@
         </p:nvSpPr>
         <p:spPr>
           <a:xfrm>
-            <a:off x="21393715" y="19759265"/>
+            <a:off x="13894635" y="11933684"/>
             <a:ext cx="3810916" cy="1384995"/>
           </a:xfrm>
           <a:prstGeom prst="rect">
@@ -5059,12 +4726,189 @@
           </a:p>
         </p:txBody>
       </p:sp>
-      <p:sp>
-        <p:nvSpPr>
-          <p:cNvPr id="20" name="Arrow: Right 19">
+      <p:pic>
+        <p:nvPicPr>
+          <p:cNvPr id="32" name="Picture 8" descr="Free Person Icon, Download Free Person Icon png images, Free ClipArts ...">
             <a:extLst>
               <a:ext uri="{FF2B5EF4-FFF2-40B4-BE49-F238E27FC236}">
-                <a16:creationId xmlns:a16="http://schemas.microsoft.com/office/drawing/2014/main" id="{6FE7D63A-A1D7-B144-994C-360449F3B89E}"/>
+                <a16:creationId xmlns:a16="http://schemas.microsoft.com/office/drawing/2014/main" id="{D244F16B-C5BB-9434-B38E-9BDF2F66CBE1}"/>
+              </a:ext>
+            </a:extLst>
+          </p:cNvPr>
+          <p:cNvPicPr>
+            <a:picLocks noChangeAspect="1" noChangeArrowheads="1"/>
+          </p:cNvPicPr>
+          <p:nvPr/>
+        </p:nvPicPr>
+        <p:blipFill rotWithShape="1">
+          <a:blip r:embed="rId6">
+            <a:extLst>
+              <a:ext uri="{28A0092B-C50C-407E-A947-70E740481C1C}">
+                <a14:useLocalDpi xmlns:a14="http://schemas.microsoft.com/office/drawing/2010/main" val="0"/>
+              </a:ext>
+            </a:extLst>
+          </a:blip>
+          <a:srcRect t="6051" b="5630"/>
+          <a:stretch/>
+        </p:blipFill>
+        <p:spPr bwMode="auto">
+          <a:xfrm>
+            <a:off x="17987796" y="8968027"/>
+            <a:ext cx="5835594" cy="5486400"/>
+          </a:xfrm>
+          <a:prstGeom prst="rect">
+            <a:avLst/>
+          </a:prstGeom>
+          <a:noFill/>
+          <a:extLst>
+            <a:ext uri="{909E8E84-426E-40DD-AFC4-6F175D3DCCD1}">
+              <a14:hiddenFill xmlns:a14="http://schemas.microsoft.com/office/drawing/2010/main">
+                <a:solidFill>
+                  <a:srgbClr val="FFFFFF"/>
+                </a:solidFill>
+              </a14:hiddenFill>
+            </a:ext>
+          </a:extLst>
+        </p:spPr>
+      </p:pic>
+      <p:sp>
+        <p:nvSpPr>
+          <p:cNvPr id="2" name="TextBox 1">
+            <a:extLst>
+              <a:ext uri="{FF2B5EF4-FFF2-40B4-BE49-F238E27FC236}">
+                <a16:creationId xmlns:a16="http://schemas.microsoft.com/office/drawing/2014/main" id="{BEAC9203-3472-C0B9-C5BA-28B9D1F6424B}"/>
+              </a:ext>
+            </a:extLst>
+          </p:cNvPr>
+          <p:cNvSpPr txBox="1"/>
+          <p:nvPr/>
+        </p:nvSpPr>
+        <p:spPr>
+          <a:xfrm>
+            <a:off x="26751651" y="29071894"/>
+            <a:ext cx="13419058" cy="2893293"/>
+          </a:xfrm>
+          <a:prstGeom prst="rect">
+            <a:avLst/>
+          </a:prstGeom>
+          <a:noFill/>
+        </p:spPr>
+        <p:txBody>
+          <a:bodyPr wrap="none" rtlCol="0">
+            <a:spAutoFit/>
+          </a:bodyPr>
+          <a:lstStyle/>
+          <a:p>
+            <a:r>
+              <a:rPr lang="en-US" sz="4800" b="1" dirty="0">
+                <a:solidFill>
+                  <a:schemeClr val="tx1"/>
+                </a:solidFill>
+                <a:latin typeface="Arial" panose="020B0604020202020204" pitchFamily="34" charset="0"/>
+                <a:cs typeface="Arial" panose="020B0604020202020204" pitchFamily="34" charset="0"/>
+              </a:rPr>
+              <a:t>Citations</a:t>
+            </a:r>
+            <a:endParaRPr lang="en-US" sz="4800" dirty="0">
+              <a:solidFill>
+                <a:schemeClr val="tx1"/>
+              </a:solidFill>
+              <a:latin typeface="Arial" panose="020B0604020202020204" pitchFamily="34" charset="0"/>
+              <a:cs typeface="Arial" panose="020B0604020202020204" pitchFamily="34" charset="0"/>
+            </a:endParaRPr>
+          </a:p>
+          <a:p>
+            <a:pPr marL="0" marR="0">
+              <a:lnSpc>
+                <a:spcPct val="115000"/>
+              </a:lnSpc>
+              <a:spcAft>
+                <a:spcPts val="800"/>
+              </a:spcAft>
+            </a:pPr>
+            <a:r>
+              <a:rPr lang="en-US" sz="3600" kern="0" dirty="0">
+                <a:solidFill>
+                  <a:schemeClr val="tx1"/>
+                </a:solidFill>
+                <a:effectLst/>
+                <a:latin typeface="Arial" panose="020B0604020202020204" pitchFamily="34" charset="0"/>
+                <a:ea typeface="Times New Roman" panose="02020603050405020304" pitchFamily="18" charset="0"/>
+                <a:cs typeface="Arial" panose="020B0604020202020204" pitchFamily="34" charset="0"/>
+              </a:rPr>
+              <a:t>[1] Intel RealSense D455 Technical Documentation (2024)</a:t>
+            </a:r>
+            <a:endParaRPr lang="en-US" sz="3600" kern="100" dirty="0">
+              <a:solidFill>
+                <a:schemeClr val="tx1"/>
+              </a:solidFill>
+              <a:effectLst/>
+              <a:latin typeface="Arial" panose="020B0604020202020204" pitchFamily="34" charset="0"/>
+              <a:ea typeface="Aptos" panose="020B0004020202020204" pitchFamily="34" charset="0"/>
+              <a:cs typeface="Arial" panose="020B0604020202020204" pitchFamily="34" charset="0"/>
+            </a:endParaRPr>
+          </a:p>
+          <a:p>
+            <a:pPr marL="0" marR="0">
+              <a:lnSpc>
+                <a:spcPct val="115000"/>
+              </a:lnSpc>
+              <a:spcAft>
+                <a:spcPts val="800"/>
+              </a:spcAft>
+            </a:pPr>
+            <a:r>
+              <a:rPr lang="en-US" sz="3600" kern="0" dirty="0">
+                <a:solidFill>
+                  <a:schemeClr val="tx1"/>
+                </a:solidFill>
+                <a:effectLst/>
+                <a:latin typeface="Arial" panose="020B0604020202020204" pitchFamily="34" charset="0"/>
+                <a:ea typeface="Times New Roman" panose="02020603050405020304" pitchFamily="18" charset="0"/>
+                <a:cs typeface="Arial" panose="020B0604020202020204" pitchFamily="34" charset="0"/>
+              </a:rPr>
+              <a:t>[2] NVIDIA Isaac Sim Development Guide (2024)</a:t>
+            </a:r>
+          </a:p>
+          <a:p>
+            <a:pPr>
+              <a:lnSpc>
+                <a:spcPct val="115000"/>
+              </a:lnSpc>
+              <a:spcAft>
+                <a:spcPts val="800"/>
+              </a:spcAft>
+            </a:pPr>
+            <a:r>
+              <a:rPr lang="en-US" sz="3600" kern="0" dirty="0">
+                <a:solidFill>
+                  <a:schemeClr val="tx1"/>
+                </a:solidFill>
+                <a:effectLst/>
+                <a:latin typeface="Arial" panose="020B0604020202020204" pitchFamily="34" charset="0"/>
+                <a:ea typeface="Times New Roman" panose="02020603050405020304" pitchFamily="18" charset="0"/>
+                <a:cs typeface="Arial" panose="020B0604020202020204" pitchFamily="34" charset="0"/>
+              </a:rPr>
+              <a:t>[3] Previous VCU Capstone Projects (2022-2023) - Phases 1 &amp; 2</a:t>
+            </a:r>
+            <a:endParaRPr lang="en-US" sz="3600" kern="100" dirty="0">
+              <a:solidFill>
+                <a:schemeClr val="tx1"/>
+              </a:solidFill>
+              <a:effectLst/>
+              <a:latin typeface="Arial" panose="020B0604020202020204" pitchFamily="34" charset="0"/>
+              <a:ea typeface="Aptos" panose="020B0004020202020204" pitchFamily="34" charset="0"/>
+              <a:cs typeface="Arial" panose="020B0604020202020204" pitchFamily="34" charset="0"/>
+            </a:endParaRPr>
+          </a:p>
+        </p:txBody>
+      </p:sp>
+      <p:sp>
+        <p:nvSpPr>
+          <p:cNvPr id="7" name="Rectangle: Rounded Corners 6">
+            <a:extLst>
+              <a:ext uri="{FF2B5EF4-FFF2-40B4-BE49-F238E27FC236}">
+                <a16:creationId xmlns:a16="http://schemas.microsoft.com/office/drawing/2014/main" id="{968425B8-B53B-12EB-39DB-AFB939959FD1}"/>
               </a:ext>
             </a:extLst>
           </p:cNvPr>
@@ -5073,15 +4917,40 @@
         </p:nvSpPr>
         <p:spPr>
           <a:xfrm>
-            <a:off x="24751279" y="18501965"/>
-            <a:ext cx="2286000" cy="914400"/>
+            <a:off x="12344398" y="18796001"/>
+            <a:ext cx="20116800" cy="9144000"/>
           </a:xfrm>
-          <a:prstGeom prst="rightArrow">
-            <a:avLst/>
+          <a:prstGeom prst="roundRect">
+            <a:avLst>
+              <a:gd name="adj" fmla="val 1791"/>
+            </a:avLst>
           </a:prstGeom>
-          <a:solidFill>
-            <a:schemeClr val="bg1"/>
-          </a:solidFill>
+          <a:gradFill flip="none" rotWithShape="1">
+            <a:gsLst>
+              <a:gs pos="0">
+                <a:schemeClr val="accent6">
+                  <a:lumMod val="0"/>
+                  <a:lumOff val="100000"/>
+                </a:schemeClr>
+              </a:gs>
+              <a:gs pos="35000">
+                <a:schemeClr val="accent6">
+                  <a:lumMod val="0"/>
+                  <a:lumOff val="100000"/>
+                </a:schemeClr>
+              </a:gs>
+              <a:gs pos="100000">
+                <a:schemeClr val="accent6">
+                  <a:lumMod val="100000"/>
+                </a:schemeClr>
+              </a:gs>
+            </a:gsLst>
+            <a:path path="circle">
+              <a:fillToRect l="50000" t="-80000" r="50000" b="180000"/>
+            </a:path>
+            <a:tileRect/>
+          </a:gradFill>
+          <a:effectLst/>
         </p:spPr>
         <p:style>
           <a:lnRef idx="2">
@@ -5100,20 +4969,28 @@
           </a:fontRef>
         </p:style>
         <p:txBody>
-          <a:bodyPr rtlCol="0" anchor="ctr"/>
-          <a:lstStyle/>
-          <a:p>
-            <a:pPr algn="ctr"/>
-            <a:endParaRPr lang="en-US" dirty="0"/>
+          <a:bodyPr lIns="457200" tIns="457200" rIns="457200" bIns="457200" rtlCol="0" anchor="t" anchorCtr="0"/>
+          <a:lstStyle/>
+          <a:p>
+            <a:r>
+              <a:rPr lang="en-US" sz="4800" b="1" dirty="0">
+                <a:solidFill>
+                  <a:schemeClr val="tx1"/>
+                </a:solidFill>
+                <a:latin typeface="Arial" panose="020B0604020202020204" pitchFamily="34" charset="0"/>
+                <a:cs typeface="Arial" panose="020B0604020202020204" pitchFamily="34" charset="0"/>
+              </a:rPr>
+              <a:t>Data Flow</a:t>
+            </a:r>
           </a:p>
         </p:txBody>
       </p:sp>
       <p:pic>
         <p:nvPicPr>
-          <p:cNvPr id="32" name="Picture 8" descr="Free Person Icon, Download Free Person Icon png images, Free ClipArts ...">
+          <p:cNvPr id="1028" name="Picture 4" descr="Clipart - Table Line Art">
             <a:extLst>
               <a:ext uri="{FF2B5EF4-FFF2-40B4-BE49-F238E27FC236}">
-                <a16:creationId xmlns:a16="http://schemas.microsoft.com/office/drawing/2014/main" id="{D244F16B-C5BB-9434-B38E-9BDF2F66CBE1}"/>
+                <a16:creationId xmlns:a16="http://schemas.microsoft.com/office/drawing/2014/main" id="{08AA7606-A9FA-524A-04DC-84CFEB7F9163}"/>
               </a:ext>
             </a:extLst>
           </p:cNvPr>
@@ -5122,7 +4999,7 @@
           </p:cNvPicPr>
           <p:nvPr/>
         </p:nvPicPr>
-        <p:blipFill rotWithShape="1">
+        <p:blipFill>
           <a:blip r:embed="rId7">
             <a:extLst>
               <a:ext uri="{28A0092B-C50C-407E-A947-70E740481C1C}">
@@ -5130,13 +5007,63 @@
               </a:ext>
             </a:extLst>
           </a:blip>
-          <a:srcRect t="6051" b="5630"/>
-          <a:stretch/>
+          <a:srcRect/>
+          <a:stretch>
+            <a:fillRect/>
+          </a:stretch>
         </p:blipFill>
         <p:spPr bwMode="auto">
           <a:xfrm>
-            <a:off x="14158645" y="9584034"/>
-            <a:ext cx="4862995" cy="4572000"/>
+            <a:off x="19255789" y="12031069"/>
+            <a:ext cx="8508412" cy="5190131"/>
+          </a:xfrm>
+          <a:prstGeom prst="rect">
+            <a:avLst/>
+          </a:prstGeom>
+          <a:noFill/>
+          <a:effectLst/>
+          <a:extLst>
+            <a:ext uri="{909E8E84-426E-40DD-AFC4-6F175D3DCCD1}">
+              <a14:hiddenFill xmlns:a14="http://schemas.microsoft.com/office/drawing/2010/main">
+                <a:solidFill>
+                  <a:srgbClr val="FFFFFF"/>
+                </a:solidFill>
+              </a14:hiddenFill>
+            </a:ext>
+          </a:extLst>
+        </p:spPr>
+      </p:pic>
+      <p:pic>
+        <p:nvPicPr>
+          <p:cNvPr id="1030" name="Picture 6" descr="Cube PNG File | PNG Mart">
+            <a:extLst>
+              <a:ext uri="{FF2B5EF4-FFF2-40B4-BE49-F238E27FC236}">
+                <a16:creationId xmlns:a16="http://schemas.microsoft.com/office/drawing/2014/main" id="{BC122089-7525-8F8E-4C1F-5ADC40829602}"/>
+              </a:ext>
+            </a:extLst>
+          </p:cNvPr>
+          <p:cNvPicPr>
+            <a:picLocks noChangeAspect="1" noChangeArrowheads="1"/>
+          </p:cNvPicPr>
+          <p:nvPr/>
+        </p:nvPicPr>
+        <p:blipFill>
+          <a:blip r:embed="rId8">
+            <a:extLst>
+              <a:ext uri="{28A0092B-C50C-407E-A947-70E740481C1C}">
+                <a14:useLocalDpi xmlns:a14="http://schemas.microsoft.com/office/drawing/2010/main" val="0"/>
+              </a:ext>
+            </a:extLst>
+          </a:blip>
+          <a:srcRect/>
+          <a:stretch>
+            <a:fillRect/>
+          </a:stretch>
+        </p:blipFill>
+        <p:spPr bwMode="auto">
+          <a:xfrm>
+            <a:off x="23435681" y="11586685"/>
+            <a:ext cx="1414021" cy="1371600"/>
           </a:xfrm>
           <a:prstGeom prst="rect">
             <a:avLst/>
@@ -5153,492 +5080,53 @@
           </a:extLst>
         </p:spPr>
       </p:pic>
-      <p:sp>
-        <p:nvSpPr>
-          <p:cNvPr id="33" name="TextBox 32">
+      <p:pic>
+        <p:nvPicPr>
+          <p:cNvPr id="18" name="Picture 10" descr="RealSense Depth Camera D455 - Intel | Mouser">
             <a:extLst>
               <a:ext uri="{FF2B5EF4-FFF2-40B4-BE49-F238E27FC236}">
-                <a16:creationId xmlns:a16="http://schemas.microsoft.com/office/drawing/2014/main" id="{2CDDCC92-BC00-8C29-D5D8-30CF0865A78B}"/>
+                <a16:creationId xmlns:a16="http://schemas.microsoft.com/office/drawing/2014/main" id="{9BABC50A-06B0-2A24-6AC5-442900D5E2AF}"/>
               </a:ext>
             </a:extLst>
           </p:cNvPr>
-          <p:cNvSpPr txBox="1"/>
+          <p:cNvPicPr>
+            <a:picLocks noChangeAspect="1" noChangeArrowheads="1"/>
+          </p:cNvPicPr>
           <p:nvPr/>
-        </p:nvSpPr>
-        <p:spPr>
+        </p:nvPicPr>
+        <p:blipFill>
+          <a:blip r:embed="rId9">
+            <a:extLst>
+              <a:ext uri="{28A0092B-C50C-407E-A947-70E740481C1C}">
+                <a14:useLocalDpi xmlns:a14="http://schemas.microsoft.com/office/drawing/2010/main" val="0"/>
+              </a:ext>
+            </a:extLst>
+          </a:blip>
+          <a:srcRect/>
+          <a:stretch>
+            <a:fillRect/>
+          </a:stretch>
+        </p:blipFill>
+        <p:spPr bwMode="auto">
           <a:xfrm>
-            <a:off x="14304142" y="14184476"/>
-            <a:ext cx="4572000" cy="1384995"/>
+            <a:off x="25267558" y="10159428"/>
+            <a:ext cx="3657600" cy="2657855"/>
           </a:xfrm>
           <a:prstGeom prst="rect">
             <a:avLst/>
           </a:prstGeom>
           <a:noFill/>
+          <a:extLst>
+            <a:ext uri="{909E8E84-426E-40DD-AFC4-6F175D3DCCD1}">
+              <a14:hiddenFill xmlns:a14="http://schemas.microsoft.com/office/drawing/2010/main">
+                <a:solidFill>
+                  <a:srgbClr val="FFFFFF"/>
+                </a:solidFill>
+              </a14:hiddenFill>
+            </a:ext>
+          </a:extLst>
         </p:spPr>
-        <p:txBody>
-          <a:bodyPr wrap="square" rtlCol="0">
-            <a:spAutoFit/>
-          </a:bodyPr>
-          <a:lstStyle/>
-          <a:p>
-            <a:pPr algn="ctr"/>
-            <a:r>
-              <a:rPr lang="en-US" sz="4800" b="1" dirty="0">
-                <a:latin typeface="Arial" panose="020B0604020202020204" pitchFamily="34" charset="0"/>
-                <a:cs typeface="Arial" panose="020B0604020202020204" pitchFamily="34" charset="0"/>
-              </a:rPr>
-              <a:t>Human Worker</a:t>
-            </a:r>
-          </a:p>
-          <a:p>
-            <a:pPr algn="ctr"/>
-            <a:r>
-              <a:rPr lang="en-US" sz="3600" dirty="0">
-                <a:latin typeface="Arial" panose="020B0604020202020204" pitchFamily="34" charset="0"/>
-                <a:cs typeface="Arial" panose="020B0604020202020204" pitchFamily="34" charset="0"/>
-              </a:rPr>
-              <a:t>Real-time Position</a:t>
-            </a:r>
-          </a:p>
-        </p:txBody>
-      </p:sp>
-      <p:sp>
-        <p:nvSpPr>
-          <p:cNvPr id="34" name="Arrow: Down 33">
-            <a:extLst>
-              <a:ext uri="{FF2B5EF4-FFF2-40B4-BE49-F238E27FC236}">
-                <a16:creationId xmlns:a16="http://schemas.microsoft.com/office/drawing/2014/main" id="{FD7E994B-D6E1-FC96-A24F-90CE66D48430}"/>
-              </a:ext>
-            </a:extLst>
-          </p:cNvPr>
-          <p:cNvSpPr/>
-          <p:nvPr/>
-        </p:nvSpPr>
-        <p:spPr>
-          <a:xfrm>
-            <a:off x="16138769" y="16143716"/>
-            <a:ext cx="914400" cy="1828800"/>
-          </a:xfrm>
-          <a:prstGeom prst="downArrow">
-            <a:avLst/>
-          </a:prstGeom>
-          <a:solidFill>
-            <a:schemeClr val="bg1"/>
-          </a:solidFill>
-        </p:spPr>
-        <p:style>
-          <a:lnRef idx="2">
-            <a:schemeClr val="accent1">
-              <a:shade val="15000"/>
-            </a:schemeClr>
-          </a:lnRef>
-          <a:fillRef idx="1">
-            <a:schemeClr val="accent1"/>
-          </a:fillRef>
-          <a:effectRef idx="0">
-            <a:schemeClr val="accent1"/>
-          </a:effectRef>
-          <a:fontRef idx="minor">
-            <a:schemeClr val="lt1"/>
-          </a:fontRef>
-        </p:style>
-        <p:txBody>
-          <a:bodyPr rtlCol="0" anchor="ctr"/>
-          <a:lstStyle/>
-          <a:p>
-            <a:pPr algn="ctr"/>
-            <a:endParaRPr lang="en-US" dirty="0"/>
-          </a:p>
-        </p:txBody>
-      </p:sp>
-      <p:sp>
-        <p:nvSpPr>
-          <p:cNvPr id="35" name="Arrow: Right 34">
-            <a:extLst>
-              <a:ext uri="{FF2B5EF4-FFF2-40B4-BE49-F238E27FC236}">
-                <a16:creationId xmlns:a16="http://schemas.microsoft.com/office/drawing/2014/main" id="{86DD50D8-94A5-BEE3-3B2A-2A9C8ACA989F}"/>
-              </a:ext>
-            </a:extLst>
-          </p:cNvPr>
-          <p:cNvSpPr/>
-          <p:nvPr/>
-        </p:nvSpPr>
-        <p:spPr>
-          <a:xfrm>
-            <a:off x="19451199" y="18501965"/>
-            <a:ext cx="2286000" cy="914400"/>
-          </a:xfrm>
-          <a:prstGeom prst="rightArrow">
-            <a:avLst/>
-          </a:prstGeom>
-          <a:solidFill>
-            <a:schemeClr val="bg1"/>
-          </a:solidFill>
-        </p:spPr>
-        <p:style>
-          <a:lnRef idx="2">
-            <a:schemeClr val="accent1">
-              <a:shade val="15000"/>
-            </a:schemeClr>
-          </a:lnRef>
-          <a:fillRef idx="1">
-            <a:schemeClr val="accent1"/>
-          </a:fillRef>
-          <a:effectRef idx="0">
-            <a:schemeClr val="accent1"/>
-          </a:effectRef>
-          <a:fontRef idx="minor">
-            <a:schemeClr val="lt1"/>
-          </a:fontRef>
-        </p:style>
-        <p:txBody>
-          <a:bodyPr rtlCol="0" anchor="ctr"/>
-          <a:lstStyle/>
-          <a:p>
-            <a:pPr algn="ctr"/>
-            <a:endParaRPr lang="en-US" dirty="0"/>
-          </a:p>
-        </p:txBody>
-      </p:sp>
-      <p:sp>
-        <p:nvSpPr>
-          <p:cNvPr id="36" name="Arrow: Curved Left 35">
-            <a:extLst>
-              <a:ext uri="{FF2B5EF4-FFF2-40B4-BE49-F238E27FC236}">
-                <a16:creationId xmlns:a16="http://schemas.microsoft.com/office/drawing/2014/main" id="{3669FEC4-9CB4-F456-CFD6-BF9038741D94}"/>
-              </a:ext>
-            </a:extLst>
-          </p:cNvPr>
-          <p:cNvSpPr/>
-          <p:nvPr/>
-        </p:nvSpPr>
-        <p:spPr>
-          <a:xfrm flipV="1">
-            <a:off x="30620962" y="11068781"/>
-            <a:ext cx="1371600" cy="8001000"/>
-          </a:xfrm>
-          <a:prstGeom prst="curvedLeftArrow">
-            <a:avLst/>
-          </a:prstGeom>
-          <a:solidFill>
-            <a:schemeClr val="bg1"/>
-          </a:solidFill>
-          <a:ln>
-            <a:solidFill>
-              <a:schemeClr val="accent1">
-                <a:shade val="15000"/>
-              </a:schemeClr>
-            </a:solidFill>
-            <a:headEnd type="none"/>
-            <a:extLst>
-              <a:ext uri="{C807C97D-BFC1-408E-A445-0C87EB9F89A2}">
-                <ask:lineSketchStyleProps xmlns:ask="http://schemas.microsoft.com/office/drawing/2018/sketchyshapes" sd="1219033472">
-                  <a:custGeom>
-                    <a:avLst/>
-                    <a:gdLst>
-                      <a:gd name="connsiteX0" fmla="*/ 0 w 1371600"/>
-                      <a:gd name="connsiteY0" fmla="*/ 7586210 h 7929110"/>
-                      <a:gd name="connsiteX1" fmla="*/ 342900 w 1371600"/>
-                      <a:gd name="connsiteY1" fmla="*/ 7125585 h 7929110"/>
-                      <a:gd name="connsiteX2" fmla="*/ 342900 w 1371600"/>
-                      <a:gd name="connsiteY2" fmla="*/ 7297035 h 7929110"/>
-                      <a:gd name="connsiteX3" fmla="*/ 1370132 w 1371600"/>
-                      <a:gd name="connsiteY3" fmla="*/ 3878830 h 7929110"/>
-                      <a:gd name="connsiteX4" fmla="*/ 1315030 w 1371600"/>
-                      <a:gd name="connsiteY4" fmla="*/ 5104023 h 7929110"/>
-                      <a:gd name="connsiteX5" fmla="*/ 342898 w 1371600"/>
-                      <a:gd name="connsiteY5" fmla="*/ 7639936 h 7929110"/>
-                      <a:gd name="connsiteX6" fmla="*/ 342900 w 1371600"/>
-                      <a:gd name="connsiteY6" fmla="*/ 7811385 h 7929110"/>
-                      <a:gd name="connsiteX7" fmla="*/ 0 w 1371600"/>
-                      <a:gd name="connsiteY7" fmla="*/ 7586210 h 7929110"/>
-                      <a:gd name="connsiteX0" fmla="*/ 1371600 w 1371600"/>
-                      <a:gd name="connsiteY0" fmla="*/ 4050280 h 7929110"/>
-                      <a:gd name="connsiteX1" fmla="*/ 0 w 1371600"/>
-                      <a:gd name="connsiteY1" fmla="*/ 342900 h 7929110"/>
-                      <a:gd name="connsiteX2" fmla="*/ 0 w 1371600"/>
-                      <a:gd name="connsiteY2" fmla="*/ 0 h 7929110"/>
-                      <a:gd name="connsiteX3" fmla="*/ 1371600 w 1371600"/>
-                      <a:gd name="connsiteY3" fmla="*/ 3707380 h 7929110"/>
-                      <a:gd name="connsiteX4" fmla="*/ 1371600 w 1371600"/>
-                      <a:gd name="connsiteY4" fmla="*/ 4050280 h 7929110"/>
-                      <a:gd name="connsiteX0" fmla="*/ 1371600 w 1371600"/>
-                      <a:gd name="connsiteY0" fmla="*/ 4050280 h 7929110"/>
-                      <a:gd name="connsiteX1" fmla="*/ 0 w 1371600"/>
-                      <a:gd name="connsiteY1" fmla="*/ 342900 h 7929110"/>
-                      <a:gd name="connsiteX2" fmla="*/ 0 w 1371600"/>
-                      <a:gd name="connsiteY2" fmla="*/ 0 h 7929110"/>
-                      <a:gd name="connsiteX3" fmla="*/ 1371600 w 1371600"/>
-                      <a:gd name="connsiteY3" fmla="*/ 3707380 h 7929110"/>
-                      <a:gd name="connsiteX4" fmla="*/ 1371600 w 1371600"/>
-                      <a:gd name="connsiteY4" fmla="*/ 4050280 h 7929110"/>
-                      <a:gd name="connsiteX5" fmla="*/ 342900 w 1371600"/>
-                      <a:gd name="connsiteY5" fmla="*/ 7639935 h 7929110"/>
-                      <a:gd name="connsiteX6" fmla="*/ 342900 w 1371600"/>
-                      <a:gd name="connsiteY6" fmla="*/ 7811385 h 7929110"/>
-                      <a:gd name="connsiteX7" fmla="*/ 0 w 1371600"/>
-                      <a:gd name="connsiteY7" fmla="*/ 7586210 h 7929110"/>
-                      <a:gd name="connsiteX8" fmla="*/ 342900 w 1371600"/>
-                      <a:gd name="connsiteY8" fmla="*/ 7125585 h 7929110"/>
-                      <a:gd name="connsiteX9" fmla="*/ 342900 w 1371600"/>
-                      <a:gd name="connsiteY9" fmla="*/ 7297035 h 7929110"/>
-                      <a:gd name="connsiteX10" fmla="*/ 1370132 w 1371600"/>
-                      <a:gd name="connsiteY10" fmla="*/ 3878830 h 7929110"/>
-                    </a:gdLst>
-                    <a:ahLst/>
-                    <a:cxnLst>
-                      <a:cxn ang="0">
-                        <a:pos x="connsiteX0" y="connsiteY0"/>
-                      </a:cxn>
-                      <a:cxn ang="0">
-                        <a:pos x="connsiteX1" y="connsiteY1"/>
-                      </a:cxn>
-                      <a:cxn ang="0">
-                        <a:pos x="connsiteX2" y="connsiteY2"/>
-                      </a:cxn>
-                      <a:cxn ang="0">
-                        <a:pos x="connsiteX3" y="connsiteY3"/>
-                      </a:cxn>
-                      <a:cxn ang="0">
-                        <a:pos x="connsiteX4" y="connsiteY4"/>
-                      </a:cxn>
-                      <a:cxn ang="0">
-                        <a:pos x="connsiteX5" y="connsiteY5"/>
-                      </a:cxn>
-                      <a:cxn ang="0">
-                        <a:pos x="connsiteX6" y="connsiteY6"/>
-                      </a:cxn>
-                      <a:cxn ang="0">
-                        <a:pos x="connsiteX7" y="connsiteY7"/>
-                      </a:cxn>
-                      <a:cxn ang="0">
-                        <a:pos x="connsiteX8" y="connsiteY8"/>
-                      </a:cxn>
-                      <a:cxn ang="0">
-                        <a:pos x="connsiteX9" y="connsiteY9"/>
-                      </a:cxn>
-                      <a:cxn ang="0">
-                        <a:pos x="connsiteX10" y="connsiteY10"/>
-                      </a:cxn>
-                    </a:cxnLst>
-                    <a:rect l="l" t="t" r="r" b="b"/>
-                    <a:pathLst>
-                      <a:path w="1371600" h="7929110" stroke="0" extrusionOk="0">
-                        <a:moveTo>
-                          <a:pt x="0" y="7586210"/>
-                        </a:moveTo>
-                        <a:cubicBezTo>
-                          <a:pt x="79108" y="7466188"/>
-                          <a:pt x="237338" y="7317141"/>
-                          <a:pt x="342900" y="7125585"/>
-                        </a:cubicBezTo>
-                        <a:cubicBezTo>
-                          <a:pt x="327902" y="7175471"/>
-                          <a:pt x="350208" y="7262421"/>
-                          <a:pt x="342900" y="7297035"/>
-                        </a:cubicBezTo>
-                        <a:cubicBezTo>
-                          <a:pt x="722105" y="7089120"/>
-                          <a:pt x="1317525" y="5640957"/>
-                          <a:pt x="1370132" y="3878830"/>
-                        </a:cubicBezTo>
-                        <a:cubicBezTo>
-                          <a:pt x="1311697" y="4256832"/>
-                          <a:pt x="1423298" y="4737732"/>
-                          <a:pt x="1315030" y="5104023"/>
-                        </a:cubicBezTo>
-                        <a:cubicBezTo>
-                          <a:pt x="1195598" y="6354063"/>
-                          <a:pt x="814966" y="7302602"/>
-                          <a:pt x="342898" y="7639936"/>
-                        </a:cubicBezTo>
-                        <a:cubicBezTo>
-                          <a:pt x="338325" y="7696386"/>
-                          <a:pt x="340277" y="7756704"/>
-                          <a:pt x="342900" y="7811385"/>
-                        </a:cubicBezTo>
-                        <a:cubicBezTo>
-                          <a:pt x="293685" y="7748274"/>
-                          <a:pt x="36902" y="7649104"/>
-                          <a:pt x="0" y="7586210"/>
-                        </a:cubicBezTo>
-                        <a:close/>
-                      </a:path>
-                      <a:path w="1371600" h="7929110" fill="darkenLess" stroke="0" extrusionOk="0">
-                        <a:moveTo>
-                          <a:pt x="1371600" y="4050280"/>
-                        </a:moveTo>
-                        <a:cubicBezTo>
-                          <a:pt x="1401654" y="2019577"/>
-                          <a:pt x="812069" y="356017"/>
-                          <a:pt x="0" y="342900"/>
-                        </a:cubicBezTo>
-                        <a:cubicBezTo>
-                          <a:pt x="22800" y="204180"/>
-                          <a:pt x="10853" y="101574"/>
-                          <a:pt x="0" y="0"/>
-                        </a:cubicBezTo>
-                        <a:cubicBezTo>
-                          <a:pt x="936339" y="266199"/>
-                          <a:pt x="1385907" y="1808026"/>
-                          <a:pt x="1371600" y="3707380"/>
-                        </a:cubicBezTo>
-                        <a:cubicBezTo>
-                          <a:pt x="1360013" y="3797550"/>
-                          <a:pt x="1350426" y="3996213"/>
-                          <a:pt x="1371600" y="4050280"/>
-                        </a:cubicBezTo>
-                        <a:close/>
-                      </a:path>
-                      <a:path w="1371600" h="7929110" fill="none" extrusionOk="0">
-                        <a:moveTo>
-                          <a:pt x="1371600" y="4050280"/>
-                        </a:moveTo>
-                        <a:cubicBezTo>
-                          <a:pt x="1342141" y="2061890"/>
-                          <a:pt x="685684" y="247594"/>
-                          <a:pt x="0" y="342900"/>
-                        </a:cubicBezTo>
-                        <a:cubicBezTo>
-                          <a:pt x="-11132" y="210273"/>
-                          <a:pt x="-11493" y="146976"/>
-                          <a:pt x="0" y="0"/>
-                        </a:cubicBezTo>
-                        <a:cubicBezTo>
-                          <a:pt x="1010931" y="159652"/>
-                          <a:pt x="1338723" y="1667066"/>
-                          <a:pt x="1371600" y="3707380"/>
-                        </a:cubicBezTo>
-                        <a:cubicBezTo>
-                          <a:pt x="1385776" y="3871547"/>
-                          <a:pt x="1341387" y="3898215"/>
-                          <a:pt x="1371600" y="4050280"/>
-                        </a:cubicBezTo>
-                        <a:cubicBezTo>
-                          <a:pt x="1473161" y="5664553"/>
-                          <a:pt x="958654" y="7199644"/>
-                          <a:pt x="342900" y="7639935"/>
-                        </a:cubicBezTo>
-                        <a:cubicBezTo>
-                          <a:pt x="338968" y="7720091"/>
-                          <a:pt x="350605" y="7729929"/>
-                          <a:pt x="342900" y="7811385"/>
-                        </a:cubicBezTo>
-                        <a:cubicBezTo>
-                          <a:pt x="224655" y="7709912"/>
-                          <a:pt x="99877" y="7694450"/>
-                          <a:pt x="0" y="7586210"/>
-                        </a:cubicBezTo>
-                        <a:cubicBezTo>
-                          <a:pt x="162926" y="7421621"/>
-                          <a:pt x="253272" y="7311685"/>
-                          <a:pt x="342900" y="7125585"/>
-                        </a:cubicBezTo>
-                        <a:cubicBezTo>
-                          <a:pt x="344770" y="7197284"/>
-                          <a:pt x="337021" y="7241028"/>
-                          <a:pt x="342900" y="7297035"/>
-                        </a:cubicBezTo>
-                        <a:cubicBezTo>
-                          <a:pt x="949249" y="6891046"/>
-                          <a:pt x="1489969" y="5657055"/>
-                          <a:pt x="1370132" y="3878830"/>
-                        </a:cubicBezTo>
-                      </a:path>
-                      <a:path w="1371600" h="7929110" fill="none" stroke="0" extrusionOk="0">
-                        <a:moveTo>
-                          <a:pt x="1371600" y="4050280"/>
-                        </a:moveTo>
-                        <a:cubicBezTo>
-                          <a:pt x="1453417" y="1931116"/>
-                          <a:pt x="787342" y="202596"/>
-                          <a:pt x="0" y="342900"/>
-                        </a:cubicBezTo>
-                        <a:cubicBezTo>
-                          <a:pt x="24792" y="172885"/>
-                          <a:pt x="1218" y="35033"/>
-                          <a:pt x="0" y="0"/>
-                        </a:cubicBezTo>
-                        <a:cubicBezTo>
-                          <a:pt x="619677" y="-9784"/>
-                          <a:pt x="1354272" y="1624528"/>
-                          <a:pt x="1371600" y="3707380"/>
-                        </a:cubicBezTo>
-                        <a:cubicBezTo>
-                          <a:pt x="1341498" y="3837767"/>
-                          <a:pt x="1363905" y="3925989"/>
-                          <a:pt x="1371600" y="4050280"/>
-                        </a:cubicBezTo>
-                        <a:cubicBezTo>
-                          <a:pt x="1343677" y="5790766"/>
-                          <a:pt x="995845" y="7252486"/>
-                          <a:pt x="342900" y="7639935"/>
-                        </a:cubicBezTo>
-                        <a:cubicBezTo>
-                          <a:pt x="333001" y="7707034"/>
-                          <a:pt x="352516" y="7746827"/>
-                          <a:pt x="342900" y="7811385"/>
-                        </a:cubicBezTo>
-                        <a:cubicBezTo>
-                          <a:pt x="259365" y="7735320"/>
-                          <a:pt x="81396" y="7638197"/>
-                          <a:pt x="0" y="7586210"/>
-                        </a:cubicBezTo>
-                        <a:cubicBezTo>
-                          <a:pt x="33653" y="7509904"/>
-                          <a:pt x="256744" y="7205331"/>
-                          <a:pt x="342900" y="7125585"/>
-                        </a:cubicBezTo>
-                        <a:cubicBezTo>
-                          <a:pt x="353784" y="7202728"/>
-                          <a:pt x="342932" y="7273362"/>
-                          <a:pt x="342900" y="7297035"/>
-                        </a:cubicBezTo>
-                        <a:cubicBezTo>
-                          <a:pt x="1080591" y="7023648"/>
-                          <a:pt x="1260702" y="5750419"/>
-                          <a:pt x="1370132" y="3878830"/>
-                        </a:cubicBezTo>
-                      </a:path>
-                    </a:pathLst>
-                  </a:custGeom>
-                  <ask:type>
-                    <ask:lineSketchNone/>
-                  </ask:type>
-                </ask:lineSketchStyleProps>
-              </a:ext>
-            </a:extLst>
-          </a:ln>
-        </p:spPr>
-        <p:style>
-          <a:lnRef idx="2">
-            <a:schemeClr val="accent1">
-              <a:shade val="15000"/>
-            </a:schemeClr>
-          </a:lnRef>
-          <a:fillRef idx="1">
-            <a:schemeClr val="accent1"/>
-          </a:fillRef>
-          <a:effectRef idx="0">
-            <a:schemeClr val="accent1"/>
-          </a:effectRef>
-          <a:fontRef idx="minor">
-            <a:schemeClr val="lt1"/>
-          </a:fontRef>
-        </p:style>
-        <p:txBody>
-          <a:bodyPr rtlCol="0" anchor="ctr"/>
-          <a:lstStyle/>
-          <a:p>
-            <a:pPr algn="ctr"/>
-            <a:endParaRPr lang="en-US" dirty="0">
-              <a:solidFill>
-                <a:schemeClr val="tx1"/>
-              </a:solidFill>
-            </a:endParaRPr>
-          </a:p>
-        </p:txBody>
-      </p:sp>
+      </p:pic>
     </p:spTree>
     <p:extLst>
       <p:ext uri="{BB962C8B-B14F-4D97-AF65-F5344CB8AC3E}">
